--- a/mcrag-app-mcp/sample/MCRAG_mcp_マニュアル.pptx
+++ b/mcrag-app-mcp/sample/MCRAG_mcp_マニュアル.pptx
@@ -5,21 +5,23 @@
     <p:sldMasterId id="2147483648" r:id="rId1"/>
   </p:sldMasterIdLst>
   <p:notesMasterIdLst>
-    <p:notesMasterId r:id="rId14"/>
+    <p:notesMasterId r:id="rId16"/>
   </p:notesMasterIdLst>
   <p:sldIdLst>
     <p:sldId id="256" r:id="rId2"/>
     <p:sldId id="266" r:id="rId3"/>
-    <p:sldId id="264" r:id="rId4"/>
-    <p:sldId id="257" r:id="rId5"/>
-    <p:sldId id="265" r:id="rId6"/>
-    <p:sldId id="267" r:id="rId7"/>
-    <p:sldId id="258" r:id="rId8"/>
-    <p:sldId id="259" r:id="rId9"/>
-    <p:sldId id="261" r:id="rId10"/>
-    <p:sldId id="260" r:id="rId11"/>
-    <p:sldId id="262" r:id="rId12"/>
-    <p:sldId id="263" r:id="rId13"/>
+    <p:sldId id="268" r:id="rId4"/>
+    <p:sldId id="264" r:id="rId5"/>
+    <p:sldId id="257" r:id="rId6"/>
+    <p:sldId id="265" r:id="rId7"/>
+    <p:sldId id="267" r:id="rId8"/>
+    <p:sldId id="269" r:id="rId9"/>
+    <p:sldId id="258" r:id="rId10"/>
+    <p:sldId id="259" r:id="rId11"/>
+    <p:sldId id="261" r:id="rId12"/>
+    <p:sldId id="260" r:id="rId13"/>
+    <p:sldId id="262" r:id="rId14"/>
+    <p:sldId id="263" r:id="rId15"/>
   </p:sldIdLst>
   <p:sldSz cx="12192000" cy="6858000"/>
   <p:notesSz cx="6858000" cy="9144000"/>
@@ -208,7 +210,7 @@
           <a:p>
             <a:fld id="{271DE38F-056C-E742-95FA-BC064AF9640D}" type="datetimeFigureOut">
               <a:rPr kumimoji="1" lang="ja-JP" altLang="en-US" smtClean="0"/>
-              <a:t>2024/10/27</a:t>
+              <a:t>2024/10/31</a:t>
             </a:fld>
             <a:endParaRPr kumimoji="1" lang="ja-JP" altLang="en-US"/>
           </a:p>
@@ -738,7 +740,7 @@
           <a:p>
             <a:fld id="{F193BA20-E119-FF4E-9239-C6F5ED46EACD}" type="datetimeFigureOut">
               <a:rPr kumimoji="1" lang="ja-JP" altLang="en-US" smtClean="0"/>
-              <a:t>2024/10/27</a:t>
+              <a:t>2024/10/31</a:t>
             </a:fld>
             <a:endParaRPr kumimoji="1" lang="ja-JP" altLang="en-US"/>
           </a:p>
@@ -968,7 +970,7 @@
           <a:p>
             <a:fld id="{F193BA20-E119-FF4E-9239-C6F5ED46EACD}" type="datetimeFigureOut">
               <a:rPr kumimoji="1" lang="ja-JP" altLang="en-US" smtClean="0"/>
-              <a:t>2024/10/27</a:t>
+              <a:t>2024/10/31</a:t>
             </a:fld>
             <a:endParaRPr kumimoji="1" lang="ja-JP" altLang="en-US"/>
           </a:p>
@@ -1208,7 +1210,7 @@
           <a:p>
             <a:fld id="{F193BA20-E119-FF4E-9239-C6F5ED46EACD}" type="datetimeFigureOut">
               <a:rPr kumimoji="1" lang="ja-JP" altLang="en-US" smtClean="0"/>
-              <a:t>2024/10/27</a:t>
+              <a:t>2024/10/31</a:t>
             </a:fld>
             <a:endParaRPr kumimoji="1" lang="ja-JP" altLang="en-US"/>
           </a:p>
@@ -1438,7 +1440,7 @@
           <a:p>
             <a:fld id="{F193BA20-E119-FF4E-9239-C6F5ED46EACD}" type="datetimeFigureOut">
               <a:rPr kumimoji="1" lang="ja-JP" altLang="en-US" smtClean="0"/>
-              <a:t>2024/10/27</a:t>
+              <a:t>2024/10/31</a:t>
             </a:fld>
             <a:endParaRPr kumimoji="1" lang="ja-JP" altLang="en-US"/>
           </a:p>
@@ -1713,7 +1715,7 @@
           <a:p>
             <a:fld id="{F193BA20-E119-FF4E-9239-C6F5ED46EACD}" type="datetimeFigureOut">
               <a:rPr kumimoji="1" lang="ja-JP" altLang="en-US" smtClean="0"/>
-              <a:t>2024/10/27</a:t>
+              <a:t>2024/10/31</a:t>
             </a:fld>
             <a:endParaRPr kumimoji="1" lang="ja-JP" altLang="en-US"/>
           </a:p>
@@ -2042,7 +2044,7 @@
           <a:p>
             <a:fld id="{F193BA20-E119-FF4E-9239-C6F5ED46EACD}" type="datetimeFigureOut">
               <a:rPr kumimoji="1" lang="ja-JP" altLang="en-US" smtClean="0"/>
-              <a:t>2024/10/27</a:t>
+              <a:t>2024/10/31</a:t>
             </a:fld>
             <a:endParaRPr kumimoji="1" lang="ja-JP" altLang="en-US"/>
           </a:p>
@@ -2518,7 +2520,7 @@
           <a:p>
             <a:fld id="{F193BA20-E119-FF4E-9239-C6F5ED46EACD}" type="datetimeFigureOut">
               <a:rPr kumimoji="1" lang="ja-JP" altLang="en-US" smtClean="0"/>
-              <a:t>2024/10/27</a:t>
+              <a:t>2024/10/31</a:t>
             </a:fld>
             <a:endParaRPr kumimoji="1" lang="ja-JP" altLang="en-US"/>
           </a:p>
@@ -2659,7 +2661,7 @@
           <a:p>
             <a:fld id="{F193BA20-E119-FF4E-9239-C6F5ED46EACD}" type="datetimeFigureOut">
               <a:rPr kumimoji="1" lang="ja-JP" altLang="en-US" smtClean="0"/>
-              <a:t>2024/10/27</a:t>
+              <a:t>2024/10/31</a:t>
             </a:fld>
             <a:endParaRPr kumimoji="1" lang="ja-JP" altLang="en-US"/>
           </a:p>
@@ -2772,7 +2774,7 @@
           <a:p>
             <a:fld id="{F193BA20-E119-FF4E-9239-C6F5ED46EACD}" type="datetimeFigureOut">
               <a:rPr kumimoji="1" lang="ja-JP" altLang="en-US" smtClean="0"/>
-              <a:t>2024/10/27</a:t>
+              <a:t>2024/10/31</a:t>
             </a:fld>
             <a:endParaRPr kumimoji="1" lang="ja-JP" altLang="en-US"/>
           </a:p>
@@ -3115,7 +3117,7 @@
           <a:p>
             <a:fld id="{F193BA20-E119-FF4E-9239-C6F5ED46EACD}" type="datetimeFigureOut">
               <a:rPr kumimoji="1" lang="ja-JP" altLang="en-US" smtClean="0"/>
-              <a:t>2024/10/27</a:t>
+              <a:t>2024/10/31</a:t>
             </a:fld>
             <a:endParaRPr kumimoji="1" lang="ja-JP" altLang="en-US"/>
           </a:p>
@@ -3403,7 +3405,7 @@
           <a:p>
             <a:fld id="{F193BA20-E119-FF4E-9239-C6F5ED46EACD}" type="datetimeFigureOut">
               <a:rPr kumimoji="1" lang="ja-JP" altLang="en-US" smtClean="0"/>
-              <a:t>2024/10/27</a:t>
+              <a:t>2024/10/31</a:t>
             </a:fld>
             <a:endParaRPr kumimoji="1" lang="ja-JP" altLang="en-US"/>
           </a:p>
@@ -3676,7 +3678,7 @@
           <a:p>
             <a:fld id="{F193BA20-E119-FF4E-9239-C6F5ED46EACD}" type="datetimeFigureOut">
               <a:rPr kumimoji="1" lang="ja-JP" altLang="en-US" smtClean="0"/>
-              <a:t>2024/10/27</a:t>
+              <a:t>2024/10/31</a:t>
             </a:fld>
             <a:endParaRPr kumimoji="1" lang="ja-JP" altLang="en-US"/>
           </a:p>
@@ -4231,7 +4233,7 @@
           <p:cNvPr id="2" name="タイトル 1">
             <a:extLst>
               <a:ext uri="{FF2B5EF4-FFF2-40B4-BE49-F238E27FC236}">
-                <a16:creationId xmlns:a16="http://schemas.microsoft.com/office/drawing/2014/main" id="{5756C473-EB26-8C89-D66C-90915F8826DE}"/>
+                <a16:creationId xmlns:a16="http://schemas.microsoft.com/office/drawing/2014/main" id="{58535C24-5FA9-C1EA-CC27-38936F8606E8}"/>
               </a:ext>
             </a:extLst>
           </p:cNvPr>
@@ -4248,11 +4250,11 @@
           <a:lstStyle/>
           <a:p>
             <a:r>
-              <a:rPr lang="ja-JP" altLang="en-US">
-                <a:latin typeface="Meiryo UI" panose="020B0604030504040204" pitchFamily="34" charset="-128"/>
-                <a:ea typeface="Meiryo UI" panose="020B0604030504040204" pitchFamily="34" charset="-128"/>
-              </a:rPr>
-              <a:t>回答の評価</a:t>
+              <a:rPr kumimoji="1" lang="ja-JP" altLang="en-US">
+                <a:latin typeface="Meiryo UI" panose="020B0604030504040204" pitchFamily="34" charset="-128"/>
+                <a:ea typeface="Meiryo UI" panose="020B0604030504040204" pitchFamily="34" charset="-128"/>
+              </a:rPr>
+              <a:t>質問と回答の生成</a:t>
             </a:r>
             <a:endParaRPr kumimoji="1" lang="ja-JP" altLang="en-US"/>
           </a:p>
@@ -4263,7 +4265,7 @@
           <p:cNvPr id="3" name="コンテンツ プレースホルダー 2">
             <a:extLst>
               <a:ext uri="{FF2B5EF4-FFF2-40B4-BE49-F238E27FC236}">
-                <a16:creationId xmlns:a16="http://schemas.microsoft.com/office/drawing/2014/main" id="{23FF930C-3FA0-BFBC-D119-F436BEBE8984}"/>
+                <a16:creationId xmlns:a16="http://schemas.microsoft.com/office/drawing/2014/main" id="{2FBE2378-FBCF-4CC8-B1D7-3167E4EDDA4F}"/>
               </a:ext>
             </a:extLst>
           </p:cNvPr>
@@ -4278,6 +4280,20 @@
         <p:txBody>
           <a:bodyPr/>
           <a:lstStyle/>
+          <a:p>
+            <a:r>
+              <a:rPr lang="ja-JP" altLang="en-US"/>
+              <a:t>会話生成で使ったタスク名を入力してボタンを押します</a:t>
+            </a:r>
+            <a:endParaRPr lang="en-US" altLang="ja-JP" dirty="0"/>
+          </a:p>
+          <a:p>
+            <a:r>
+              <a:rPr kumimoji="1" lang="ja-JP" altLang="en-US"/>
+              <a:t>先ほどの会話内容を知っていないと答えられない質問と模範解答を生成します</a:t>
+            </a:r>
+            <a:endParaRPr kumimoji="1" lang="en-US" altLang="ja-JP"/>
+          </a:p>
           <a:p>
             <a:endParaRPr kumimoji="1" lang="ja-JP" altLang="en-US"/>
           </a:p>
@@ -4286,7 +4302,7 @@
     </p:spTree>
     <p:extLst>
       <p:ext uri="{BB962C8B-B14F-4D97-AF65-F5344CB8AC3E}">
-        <p14:creationId xmlns:p14="http://schemas.microsoft.com/office/powerpoint/2010/main" val="3218111129"/>
+        <p14:creationId xmlns:p14="http://schemas.microsoft.com/office/powerpoint/2010/main" val="3580830091"/>
       </p:ext>
     </p:extLst>
   </p:cSld>
@@ -4318,7 +4334,7 @@
           <p:cNvPr id="2" name="タイトル 1">
             <a:extLst>
               <a:ext uri="{FF2B5EF4-FFF2-40B4-BE49-F238E27FC236}">
-                <a16:creationId xmlns:a16="http://schemas.microsoft.com/office/drawing/2014/main" id="{D7CCE14C-19BE-FF62-32CF-70497FA075D2}"/>
+                <a16:creationId xmlns:a16="http://schemas.microsoft.com/office/drawing/2014/main" id="{9B2033C8-DB73-10F8-3F34-D2F08BEFDF36}"/>
               </a:ext>
             </a:extLst>
           </p:cNvPr>
@@ -4339,7 +4355,7 @@
                 <a:latin typeface="Meiryo UI" panose="020B0604030504040204" pitchFamily="34" charset="-128"/>
                 <a:ea typeface="Meiryo UI" panose="020B0604030504040204" pitchFamily="34" charset="-128"/>
               </a:rPr>
-              <a:t>トータルフロー</a:t>
+              <a:t>ベクトル化</a:t>
             </a:r>
             <a:endParaRPr kumimoji="1" lang="ja-JP" altLang="en-US"/>
           </a:p>
@@ -4350,7 +4366,7 @@
           <p:cNvPr id="3" name="コンテンツ プレースホルダー 2">
             <a:extLst>
               <a:ext uri="{FF2B5EF4-FFF2-40B4-BE49-F238E27FC236}">
-                <a16:creationId xmlns:a16="http://schemas.microsoft.com/office/drawing/2014/main" id="{D5B5CECF-6EC1-1410-00BE-41AE8ED4B0C2}"/>
+                <a16:creationId xmlns:a16="http://schemas.microsoft.com/office/drawing/2014/main" id="{A41DF80E-CCFE-E7FC-8FFE-517E07D06BD9}"/>
               </a:ext>
             </a:extLst>
           </p:cNvPr>
@@ -4366,14 +4382,59 @@
           <a:bodyPr/>
           <a:lstStyle/>
           <a:p>
-            <a:endParaRPr kumimoji="1" lang="ja-JP" altLang="en-US"/>
+            <a:r>
+              <a:rPr kumimoji="1" lang="ja-JP" altLang="en-US"/>
+              <a:t>会話生成で生成した会話をベクトル化します。</a:t>
+            </a:r>
+            <a:endParaRPr kumimoji="1" lang="en-US" altLang="ja-JP" dirty="0"/>
+          </a:p>
+          <a:p>
+            <a:r>
+              <a:rPr kumimoji="1" lang="en" altLang="ja-JP" dirty="0"/>
+              <a:t>Embedding</a:t>
+            </a:r>
+            <a:r>
+              <a:rPr kumimoji="1" lang="ja-JP" altLang="en-US"/>
+              <a:t>は</a:t>
+            </a:r>
+            <a:r>
+              <a:rPr kumimoji="1" lang="en" altLang="ja-JP" dirty="0"/>
+              <a:t>text-embedding-3-large</a:t>
+            </a:r>
+            <a:r>
+              <a:rPr kumimoji="1" lang="ja-JP" altLang="en-US"/>
+              <a:t>を使用しています。</a:t>
+            </a:r>
+            <a:endParaRPr kumimoji="1" lang="en-US" altLang="ja-JP" dirty="0"/>
+          </a:p>
+          <a:p>
+            <a:r>
+              <a:rPr kumimoji="1" lang="ja-JP" altLang="en-US"/>
+              <a:t>インデックスは</a:t>
+            </a:r>
+            <a:r>
+              <a:rPr kumimoji="1" lang="en-US" altLang="ja-JP" dirty="0"/>
+              <a:t>FAISS</a:t>
+            </a:r>
+            <a:r>
+              <a:rPr kumimoji="1" lang="ja-JP" altLang="en-US"/>
+              <a:t>を使用して</a:t>
+            </a:r>
+            <a:r>
+              <a:rPr kumimoji="1" lang="en-US" altLang="ja-JP" dirty="0"/>
+              <a:t>SQLite</a:t>
+            </a:r>
+            <a:r>
+              <a:rPr kumimoji="1" lang="ja-JP" altLang="en-US"/>
+              <a:t>のテーブルに保存しています。そのため同じタスクの会話履歴の更新はできません。</a:t>
+            </a:r>
           </a:p>
         </p:txBody>
       </p:sp>
     </p:spTree>
     <p:extLst>
       <p:ext uri="{BB962C8B-B14F-4D97-AF65-F5344CB8AC3E}">
-        <p14:creationId xmlns:p14="http://schemas.microsoft.com/office/powerpoint/2010/main" val="1417609238"/>
+        <p14:creationId xmlns:p14="http://schemas.microsoft.com/office/powerpoint/2010/main" val="158960971"/>
       </p:ext>
     </p:extLst>
   </p:cSld>
@@ -4405,6 +4466,209 @@
           <p:cNvPr id="2" name="タイトル 1">
             <a:extLst>
               <a:ext uri="{FF2B5EF4-FFF2-40B4-BE49-F238E27FC236}">
+                <a16:creationId xmlns:a16="http://schemas.microsoft.com/office/drawing/2014/main" id="{5756C473-EB26-8C89-D66C-90915F8826DE}"/>
+              </a:ext>
+            </a:extLst>
+          </p:cNvPr>
+          <p:cNvSpPr>
+            <a:spLocks noGrp="1"/>
+          </p:cNvSpPr>
+          <p:nvPr>
+            <p:ph type="title"/>
+          </p:nvPr>
+        </p:nvSpPr>
+        <p:spPr/>
+        <p:txBody>
+          <a:bodyPr/>
+          <a:lstStyle/>
+          <a:p>
+            <a:r>
+              <a:rPr lang="ja-JP" altLang="en-US">
+                <a:latin typeface="Meiryo UI" panose="020B0604030504040204" pitchFamily="34" charset="-128"/>
+                <a:ea typeface="Meiryo UI" panose="020B0604030504040204" pitchFamily="34" charset="-128"/>
+              </a:rPr>
+              <a:t>回答の評価</a:t>
+            </a:r>
+            <a:endParaRPr kumimoji="1" lang="ja-JP" altLang="en-US"/>
+          </a:p>
+        </p:txBody>
+      </p:sp>
+      <p:sp>
+        <p:nvSpPr>
+          <p:cNvPr id="3" name="コンテンツ プレースホルダー 2">
+            <a:extLst>
+              <a:ext uri="{FF2B5EF4-FFF2-40B4-BE49-F238E27FC236}">
+                <a16:creationId xmlns:a16="http://schemas.microsoft.com/office/drawing/2014/main" id="{23FF930C-3FA0-BFBC-D119-F436BEBE8984}"/>
+              </a:ext>
+            </a:extLst>
+          </p:cNvPr>
+          <p:cNvSpPr>
+            <a:spLocks noGrp="1"/>
+          </p:cNvSpPr>
+          <p:nvPr>
+            <p:ph idx="1"/>
+          </p:nvPr>
+        </p:nvSpPr>
+        <p:spPr/>
+        <p:txBody>
+          <a:bodyPr/>
+          <a:lstStyle/>
+          <a:p>
+            <a:r>
+              <a:rPr kumimoji="1" lang="en-US" altLang="ja-JP" dirty="0"/>
+              <a:t>4</a:t>
+            </a:r>
+            <a:r>
+              <a:rPr kumimoji="1" lang="ja-JP" altLang="en-US"/>
+              <a:t>つの</a:t>
+            </a:r>
+            <a:r>
+              <a:rPr kumimoji="1" lang="en-US" altLang="ja-JP" dirty="0"/>
+              <a:t>RAG</a:t>
+            </a:r>
+            <a:r>
+              <a:rPr kumimoji="1" lang="ja-JP" altLang="en-US"/>
+              <a:t>モデルが走ります</a:t>
+            </a:r>
+            <a:endParaRPr kumimoji="1" lang="en-US" altLang="ja-JP" dirty="0"/>
+          </a:p>
+        </p:txBody>
+      </p:sp>
+    </p:spTree>
+    <p:extLst>
+      <p:ext uri="{BB962C8B-B14F-4D97-AF65-F5344CB8AC3E}">
+        <p14:creationId xmlns:p14="http://schemas.microsoft.com/office/powerpoint/2010/main" val="3218111129"/>
+      </p:ext>
+    </p:extLst>
+  </p:cSld>
+  <p:clrMapOvr>
+    <a:masterClrMapping/>
+  </p:clrMapOvr>
+</p:sld>
+</file>
+
+<file path=ppt/slides/slide13.xml><?xml version="1.0" encoding="utf-8"?>
+<p:sld xmlns:a="http://schemas.openxmlformats.org/drawingml/2006/main" xmlns:r="http://schemas.openxmlformats.org/officeDocument/2006/relationships" xmlns:p="http://schemas.openxmlformats.org/presentationml/2006/main">
+  <p:cSld>
+    <p:spTree>
+      <p:nvGrpSpPr>
+        <p:cNvPr id="1" name=""/>
+        <p:cNvGrpSpPr/>
+        <p:nvPr/>
+      </p:nvGrpSpPr>
+      <p:grpSpPr>
+        <a:xfrm>
+          <a:off x="0" y="0"/>
+          <a:ext cx="0" cy="0"/>
+          <a:chOff x="0" y="0"/>
+          <a:chExt cx="0" cy="0"/>
+        </a:xfrm>
+      </p:grpSpPr>
+      <p:sp>
+        <p:nvSpPr>
+          <p:cNvPr id="2" name="タイトル 1">
+            <a:extLst>
+              <a:ext uri="{FF2B5EF4-FFF2-40B4-BE49-F238E27FC236}">
+                <a16:creationId xmlns:a16="http://schemas.microsoft.com/office/drawing/2014/main" id="{D7CCE14C-19BE-FF62-32CF-70497FA075D2}"/>
+              </a:ext>
+            </a:extLst>
+          </p:cNvPr>
+          <p:cNvSpPr>
+            <a:spLocks noGrp="1"/>
+          </p:cNvSpPr>
+          <p:nvPr>
+            <p:ph type="title"/>
+          </p:nvPr>
+        </p:nvSpPr>
+        <p:spPr/>
+        <p:txBody>
+          <a:bodyPr/>
+          <a:lstStyle/>
+          <a:p>
+            <a:r>
+              <a:rPr lang="ja-JP" altLang="en-US">
+                <a:latin typeface="Meiryo UI" panose="020B0604030504040204" pitchFamily="34" charset="-128"/>
+                <a:ea typeface="Meiryo UI" panose="020B0604030504040204" pitchFamily="34" charset="-128"/>
+              </a:rPr>
+              <a:t>ワークフロー実行</a:t>
+            </a:r>
+            <a:endParaRPr kumimoji="1" lang="ja-JP" altLang="en-US"/>
+          </a:p>
+        </p:txBody>
+      </p:sp>
+      <p:sp>
+        <p:nvSpPr>
+          <p:cNvPr id="3" name="コンテンツ プレースホルダー 2">
+            <a:extLst>
+              <a:ext uri="{FF2B5EF4-FFF2-40B4-BE49-F238E27FC236}">
+                <a16:creationId xmlns:a16="http://schemas.microsoft.com/office/drawing/2014/main" id="{D5B5CECF-6EC1-1410-00BE-41AE8ED4B0C2}"/>
+              </a:ext>
+            </a:extLst>
+          </p:cNvPr>
+          <p:cNvSpPr>
+            <a:spLocks noGrp="1"/>
+          </p:cNvSpPr>
+          <p:nvPr>
+            <p:ph idx="1"/>
+          </p:nvPr>
+        </p:nvSpPr>
+        <p:spPr/>
+        <p:txBody>
+          <a:bodyPr/>
+          <a:lstStyle/>
+          <a:p>
+            <a:r>
+              <a:rPr lang="ja-JP" altLang="en-US" sz="2800">
+                <a:latin typeface="Meiryo UI" panose="020B0604030504040204" pitchFamily="34" charset="-128"/>
+                <a:ea typeface="Meiryo UI" panose="020B0604030504040204" pitchFamily="34" charset="-128"/>
+              </a:rPr>
+              <a:t>会話生成→質問と回答の生成→ベクトル化→回答の評価までの一連のワークフローを実行します。</a:t>
+            </a:r>
+            <a:endParaRPr lang="en-US" altLang="ja-JP" sz="2800" dirty="0">
+              <a:latin typeface="Meiryo UI" panose="020B0604030504040204" pitchFamily="34" charset="-128"/>
+              <a:ea typeface="Meiryo UI" panose="020B0604030504040204" pitchFamily="34" charset="-128"/>
+            </a:endParaRPr>
+          </a:p>
+          <a:p>
+            <a:endParaRPr kumimoji="1" lang="ja-JP" altLang="en-US"/>
+          </a:p>
+        </p:txBody>
+      </p:sp>
+    </p:spTree>
+    <p:extLst>
+      <p:ext uri="{BB962C8B-B14F-4D97-AF65-F5344CB8AC3E}">
+        <p14:creationId xmlns:p14="http://schemas.microsoft.com/office/powerpoint/2010/main" val="1417609238"/>
+      </p:ext>
+    </p:extLst>
+  </p:cSld>
+  <p:clrMapOvr>
+    <a:masterClrMapping/>
+  </p:clrMapOvr>
+</p:sld>
+</file>
+
+<file path=ppt/slides/slide14.xml><?xml version="1.0" encoding="utf-8"?>
+<p:sld xmlns:a="http://schemas.openxmlformats.org/drawingml/2006/main" xmlns:r="http://schemas.openxmlformats.org/officeDocument/2006/relationships" xmlns:p="http://schemas.openxmlformats.org/presentationml/2006/main">
+  <p:cSld>
+    <p:spTree>
+      <p:nvGrpSpPr>
+        <p:cNvPr id="1" name=""/>
+        <p:cNvGrpSpPr/>
+        <p:nvPr/>
+      </p:nvGrpSpPr>
+      <p:grpSpPr>
+        <a:xfrm>
+          <a:off x="0" y="0"/>
+          <a:ext cx="0" cy="0"/>
+          <a:chOff x="0" y="0"/>
+          <a:chExt cx="0" cy="0"/>
+        </a:xfrm>
+      </p:grpSpPr>
+      <p:sp>
+        <p:nvSpPr>
+          <p:cNvPr id="2" name="タイトル 1">
+            <a:extLst>
+              <a:ext uri="{FF2B5EF4-FFF2-40B4-BE49-F238E27FC236}">
                 <a16:creationId xmlns:a16="http://schemas.microsoft.com/office/drawing/2014/main" id="{32B989E1-8125-E3F2-025B-3E1C02CEB965}"/>
               </a:ext>
             </a:extLst>
@@ -4453,7 +4717,40 @@
           <a:bodyPr/>
           <a:lstStyle/>
           <a:p>
-            <a:endParaRPr kumimoji="1" lang="ja-JP" altLang="en-US"/>
+            <a:r>
+              <a:rPr kumimoji="1" lang="ja-JP" altLang="en-US"/>
+              <a:t>まず分析したい機能をラジオボタンで選びます</a:t>
+            </a:r>
+            <a:endParaRPr kumimoji="1" lang="en-US" altLang="ja-JP" dirty="0"/>
+          </a:p>
+          <a:p>
+            <a:pPr marL="0" indent="0">
+              <a:buNone/>
+            </a:pPr>
+            <a:r>
+              <a:rPr kumimoji="1" lang="ja-JP" altLang="en-US"/>
+              <a:t>・グラフ表示→タスクをチェックしてグラフ表示できます</a:t>
+            </a:r>
+            <a:endParaRPr kumimoji="1" lang="en-US" altLang="ja-JP" dirty="0"/>
+          </a:p>
+          <a:p>
+            <a:pPr marL="0" indent="0">
+              <a:buNone/>
+            </a:pPr>
+            <a:r>
+              <a:rPr lang="ja-JP" altLang="en-US"/>
+              <a:t>・完全一致表→タスクをチェックして取得情報が正答と合っている表を表示します</a:t>
+            </a:r>
+            <a:endParaRPr lang="en-US" altLang="ja-JP" dirty="0"/>
+          </a:p>
+          <a:p>
+            <a:pPr marL="0" indent="0">
+              <a:buNone/>
+            </a:pPr>
+            <a:r>
+              <a:rPr kumimoji="1" lang="ja-JP" altLang="en-US"/>
+              <a:t>・タスク削除→タスク名をチェックして削除できます</a:t>
+            </a:r>
           </a:p>
         </p:txBody>
       </p:sp>
@@ -4890,7 +5187,7 @@
           <p:cNvPr id="2" name="タイトル 1">
             <a:extLst>
               <a:ext uri="{FF2B5EF4-FFF2-40B4-BE49-F238E27FC236}">
-                <a16:creationId xmlns:a16="http://schemas.microsoft.com/office/drawing/2014/main" id="{7B2D15A5-1EE4-06E3-C8C7-B2DA53D23B15}"/>
+                <a16:creationId xmlns:a16="http://schemas.microsoft.com/office/drawing/2014/main" id="{851E89CD-8ADB-7432-D86F-144754EEE57E}"/>
               </a:ext>
             </a:extLst>
           </p:cNvPr>
@@ -4911,7 +5208,7 @@
                 <a:latin typeface="Meiryo UI" panose="020B0604030504040204" pitchFamily="34" charset="-128"/>
                 <a:ea typeface="Meiryo UI" panose="020B0604030504040204" pitchFamily="34" charset="-128"/>
               </a:rPr>
-              <a:t>目次</a:t>
+              <a:t>使用モデル・設定</a:t>
             </a:r>
           </a:p>
         </p:txBody>
@@ -4921,7 +5218,7 @@
           <p:cNvPr id="3" name="コンテンツ プレースホルダー 2">
             <a:extLst>
               <a:ext uri="{FF2B5EF4-FFF2-40B4-BE49-F238E27FC236}">
-                <a16:creationId xmlns:a16="http://schemas.microsoft.com/office/drawing/2014/main" id="{783E899B-D99E-4FE6-5953-C2052C580006}"/>
+                <a16:creationId xmlns:a16="http://schemas.microsoft.com/office/drawing/2014/main" id="{69FD2357-0D24-02F1-03A3-63E61C6FB1A5}"/>
               </a:ext>
             </a:extLst>
           </p:cNvPr>
@@ -4934,21 +5231,25 @@
         </p:nvSpPr>
         <p:spPr/>
         <p:txBody>
-          <a:bodyPr>
-            <a:normAutofit/>
-          </a:bodyPr>
-          <a:lstStyle/>
-          <a:p>
-            <a:pPr marL="514350" indent="-514350">
-              <a:buFont typeface="+mj-lt"/>
-              <a:buAutoNum type="arabicPeriod"/>
+          <a:bodyPr/>
+          <a:lstStyle/>
+          <a:p>
+            <a:pPr marL="0" indent="0">
+              <a:buNone/>
             </a:pPr>
             <a:r>
+              <a:rPr kumimoji="1" lang="en-US" altLang="ja-JP" dirty="0">
+                <a:latin typeface="Meiryo UI" panose="020B0604030504040204" pitchFamily="34" charset="-128"/>
+                <a:ea typeface="Meiryo UI" panose="020B0604030504040204" pitchFamily="34" charset="-128"/>
+              </a:rPr>
+              <a:t>OpenAI</a:t>
+            </a:r>
+            <a:r>
               <a:rPr kumimoji="1" lang="ja-JP" altLang="en-US">
                 <a:latin typeface="Meiryo UI" panose="020B0604030504040204" pitchFamily="34" charset="-128"/>
                 <a:ea typeface="Meiryo UI" panose="020B0604030504040204" pitchFamily="34" charset="-128"/>
               </a:rPr>
-              <a:t>サイドバーメニュー</a:t>
+              <a:t>モデル</a:t>
             </a:r>
             <a:endParaRPr kumimoji="1" lang="en-US" altLang="ja-JP" dirty="0">
               <a:latin typeface="Meiryo UI" panose="020B0604030504040204" pitchFamily="34" charset="-128"/>
@@ -4956,84 +5257,56 @@
             </a:endParaRPr>
           </a:p>
           <a:p>
-            <a:pPr marL="514350" indent="-514350">
-              <a:buFont typeface="+mj-lt"/>
-              <a:buAutoNum type="arabicPeriod"/>
-            </a:pPr>
+            <a:r>
+              <a:rPr kumimoji="1" lang="en-US" altLang="ja-JP" dirty="0">
+                <a:latin typeface="Meiryo UI" panose="020B0604030504040204" pitchFamily="34" charset="-128"/>
+                <a:ea typeface="Meiryo UI" panose="020B0604030504040204" pitchFamily="34" charset="-128"/>
+              </a:rPr>
+              <a:t>LLM: gpt-4o-mini-2024-07-18 (</a:t>
+            </a:r>
             <a:r>
               <a:rPr kumimoji="1" lang="ja-JP" altLang="en-US">
                 <a:latin typeface="Meiryo UI" panose="020B0604030504040204" pitchFamily="34" charset="-128"/>
                 <a:ea typeface="Meiryo UI" panose="020B0604030504040204" pitchFamily="34" charset="-128"/>
               </a:rPr>
-              <a:t>ホーム</a:t>
-            </a:r>
-            <a:endParaRPr kumimoji="1" lang="en-US" altLang="ja-JP" dirty="0">
-              <a:latin typeface="Meiryo UI" panose="020B0604030504040204" pitchFamily="34" charset="-128"/>
-              <a:ea typeface="Meiryo UI" panose="020B0604030504040204" pitchFamily="34" charset="-128"/>
-            </a:endParaRPr>
-          </a:p>
-          <a:p>
-            <a:pPr marL="514350" indent="-514350">
-              <a:buFont typeface="+mj-lt"/>
-              <a:buAutoNum type="arabicPeriod"/>
-            </a:pPr>
+              <a:t>固定</a:t>
+            </a:r>
+            <a:r>
+              <a:rPr kumimoji="1" lang="en-US" altLang="ja-JP" dirty="0">
+                <a:latin typeface="Meiryo UI" panose="020B0604030504040204" pitchFamily="34" charset="-128"/>
+                <a:ea typeface="Meiryo UI" panose="020B0604030504040204" pitchFamily="34" charset="-128"/>
+              </a:rPr>
+              <a:t>)</a:t>
+            </a:r>
+          </a:p>
+          <a:p>
+            <a:r>
+              <a:rPr lang="en-US" altLang="ja-JP" dirty="0">
+                <a:latin typeface="Meiryo UI" panose="020B0604030504040204" pitchFamily="34" charset="-128"/>
+                <a:ea typeface="Meiryo UI" panose="020B0604030504040204" pitchFamily="34" charset="-128"/>
+              </a:rPr>
+              <a:t>Embedding: text-embedding-3-large</a:t>
+            </a:r>
+            <a:r>
+              <a:rPr kumimoji="1" lang="en-US" altLang="ja-JP" dirty="0">
+                <a:latin typeface="Meiryo UI" panose="020B0604030504040204" pitchFamily="34" charset="-128"/>
+                <a:ea typeface="Meiryo UI" panose="020B0604030504040204" pitchFamily="34" charset="-128"/>
+              </a:rPr>
+              <a:t> (</a:t>
+            </a:r>
             <a:r>
               <a:rPr kumimoji="1" lang="ja-JP" altLang="en-US">
                 <a:latin typeface="Meiryo UI" panose="020B0604030504040204" pitchFamily="34" charset="-128"/>
                 <a:ea typeface="Meiryo UI" panose="020B0604030504040204" pitchFamily="34" charset="-128"/>
               </a:rPr>
-              <a:t>会話生成</a:t>
-            </a:r>
-            <a:endParaRPr kumimoji="1" lang="en-US" altLang="ja-JP" dirty="0">
-              <a:latin typeface="Meiryo UI" panose="020B0604030504040204" pitchFamily="34" charset="-128"/>
-              <a:ea typeface="Meiryo UI" panose="020B0604030504040204" pitchFamily="34" charset="-128"/>
-            </a:endParaRPr>
-          </a:p>
-          <a:p>
-            <a:pPr marL="514350" indent="-514350">
-              <a:buFont typeface="+mj-lt"/>
-              <a:buAutoNum type="arabicPeriod"/>
-            </a:pPr>
-            <a:r>
-              <a:rPr kumimoji="1" lang="ja-JP" altLang="en-US">
-                <a:latin typeface="Meiryo UI" panose="020B0604030504040204" pitchFamily="34" charset="-128"/>
-                <a:ea typeface="Meiryo UI" panose="020B0604030504040204" pitchFamily="34" charset="-128"/>
-              </a:rPr>
-              <a:t>質問と回答の生成</a:t>
-            </a:r>
-            <a:endParaRPr kumimoji="1" lang="en-US" altLang="ja-JP" dirty="0">
-              <a:latin typeface="Meiryo UI" panose="020B0604030504040204" pitchFamily="34" charset="-128"/>
-              <a:ea typeface="Meiryo UI" panose="020B0604030504040204" pitchFamily="34" charset="-128"/>
-            </a:endParaRPr>
-          </a:p>
-          <a:p>
-            <a:pPr marL="514350" indent="-514350">
-              <a:buFont typeface="+mj-lt"/>
-              <a:buAutoNum type="arabicPeriod"/>
-            </a:pPr>
-            <a:r>
-              <a:rPr lang="ja-JP" altLang="en-US">
-                <a:latin typeface="Meiryo UI" panose="020B0604030504040204" pitchFamily="34" charset="-128"/>
-                <a:ea typeface="Meiryo UI" panose="020B0604030504040204" pitchFamily="34" charset="-128"/>
-              </a:rPr>
-              <a:t>ベクトル化</a:t>
-            </a:r>
-            <a:endParaRPr kumimoji="1" lang="en-US" altLang="ja-JP" dirty="0">
-              <a:latin typeface="Meiryo UI" panose="020B0604030504040204" pitchFamily="34" charset="-128"/>
-              <a:ea typeface="Meiryo UI" panose="020B0604030504040204" pitchFamily="34" charset="-128"/>
-            </a:endParaRPr>
-          </a:p>
-          <a:p>
-            <a:pPr marL="514350" indent="-514350">
-              <a:buFont typeface="+mj-lt"/>
-              <a:buAutoNum type="arabicPeriod"/>
-            </a:pPr>
-            <a:r>
-              <a:rPr lang="ja-JP" altLang="en-US">
-                <a:latin typeface="Meiryo UI" panose="020B0604030504040204" pitchFamily="34" charset="-128"/>
-                <a:ea typeface="Meiryo UI" panose="020B0604030504040204" pitchFamily="34" charset="-128"/>
-              </a:rPr>
-              <a:t>回答の評価</a:t>
+              <a:t>固定</a:t>
+            </a:r>
+            <a:r>
+              <a:rPr kumimoji="1" lang="en-US" altLang="ja-JP" dirty="0">
+                <a:latin typeface="Meiryo UI" panose="020B0604030504040204" pitchFamily="34" charset="-128"/>
+                <a:ea typeface="Meiryo UI" panose="020B0604030504040204" pitchFamily="34" charset="-128"/>
+              </a:rPr>
+              <a:t>)</a:t>
             </a:r>
             <a:endParaRPr lang="en-US" altLang="ja-JP" dirty="0">
               <a:latin typeface="Meiryo UI" panose="020B0604030504040204" pitchFamily="34" charset="-128"/>
@@ -5041,16 +5314,77 @@
             </a:endParaRPr>
           </a:p>
           <a:p>
-            <a:pPr marL="514350" indent="-514350">
-              <a:buFont typeface="+mj-lt"/>
-              <a:buAutoNum type="arabicPeriod"/>
-            </a:pPr>
-            <a:r>
-              <a:rPr lang="ja-JP" altLang="en-US">
-                <a:latin typeface="Meiryo UI" panose="020B0604030504040204" pitchFamily="34" charset="-128"/>
-                <a:ea typeface="Meiryo UI" panose="020B0604030504040204" pitchFamily="34" charset="-128"/>
-              </a:rPr>
-              <a:t>トータルフロー</a:t>
+            <a:r>
+              <a:rPr kumimoji="1" lang="en-US" altLang="ja-JP" dirty="0" err="1">
+                <a:latin typeface="Meiryo UI" panose="020B0604030504040204" pitchFamily="34" charset="-128"/>
+                <a:ea typeface="Meiryo UI" panose="020B0604030504040204" pitchFamily="34" charset="-128"/>
+              </a:rPr>
+              <a:t>MaxTokens</a:t>
+            </a:r>
+            <a:r>
+              <a:rPr kumimoji="1" lang="en-US" altLang="ja-JP" dirty="0">
+                <a:latin typeface="Meiryo UI" panose="020B0604030504040204" pitchFamily="34" charset="-128"/>
+                <a:ea typeface="Meiryo UI" panose="020B0604030504040204" pitchFamily="34" charset="-128"/>
+              </a:rPr>
+              <a:t>:</a:t>
+            </a:r>
+            <a:r>
+              <a:rPr lang="en-US" altLang="ja-JP" dirty="0">
+                <a:latin typeface="Meiryo UI" panose="020B0604030504040204" pitchFamily="34" charset="-128"/>
+                <a:ea typeface="Meiryo UI" panose="020B0604030504040204" pitchFamily="34" charset="-128"/>
+              </a:rPr>
+              <a:t> </a:t>
+            </a:r>
+            <a:r>
+              <a:rPr kumimoji="1" lang="en-US" altLang="ja-JP" dirty="0">
+                <a:latin typeface="Meiryo UI" panose="020B0604030504040204" pitchFamily="34" charset="-128"/>
+                <a:ea typeface="Meiryo UI" panose="020B0604030504040204" pitchFamily="34" charset="-128"/>
+              </a:rPr>
+              <a:t>2000(</a:t>
+            </a:r>
+            <a:r>
+              <a:rPr kumimoji="1" lang="ja-JP" altLang="en-US">
+                <a:latin typeface="Meiryo UI" panose="020B0604030504040204" pitchFamily="34" charset="-128"/>
+                <a:ea typeface="Meiryo UI" panose="020B0604030504040204" pitchFamily="34" charset="-128"/>
+              </a:rPr>
+              <a:t>固定</a:t>
+            </a:r>
+            <a:r>
+              <a:rPr kumimoji="1" lang="en-US" altLang="ja-JP" dirty="0">
+                <a:latin typeface="Meiryo UI" panose="020B0604030504040204" pitchFamily="34" charset="-128"/>
+                <a:ea typeface="Meiryo UI" panose="020B0604030504040204" pitchFamily="34" charset="-128"/>
+              </a:rPr>
+              <a:t>)</a:t>
+            </a:r>
+          </a:p>
+          <a:p>
+            <a:r>
+              <a:rPr lang="en-US" altLang="ja-JP" dirty="0">
+                <a:latin typeface="Meiryo UI" panose="020B0604030504040204" pitchFamily="34" charset="-128"/>
+                <a:ea typeface="Meiryo UI" panose="020B0604030504040204" pitchFamily="34" charset="-128"/>
+              </a:rPr>
+              <a:t>Seed: 42</a:t>
+            </a:r>
+            <a:r>
+              <a:rPr kumimoji="1" lang="en-US" altLang="ja-JP" dirty="0">
+                <a:latin typeface="Meiryo UI" panose="020B0604030504040204" pitchFamily="34" charset="-128"/>
+                <a:ea typeface="Meiryo UI" panose="020B0604030504040204" pitchFamily="34" charset="-128"/>
+              </a:rPr>
+              <a:t> (</a:t>
+            </a:r>
+            <a:r>
+              <a:rPr kumimoji="1" lang="ja-JP" altLang="en-US">
+                <a:latin typeface="Meiryo UI" panose="020B0604030504040204" pitchFamily="34" charset="-128"/>
+                <a:ea typeface="Meiryo UI" panose="020B0604030504040204" pitchFamily="34" charset="-128"/>
+              </a:rPr>
+              <a:t>固定</a:t>
+            </a:r>
+            <a:r>
+              <a:rPr kumimoji="1" lang="en-US" altLang="ja-JP" dirty="0">
+                <a:latin typeface="Meiryo UI" panose="020B0604030504040204" pitchFamily="34" charset="-128"/>
+                <a:ea typeface="Meiryo UI" panose="020B0604030504040204" pitchFamily="34" charset="-128"/>
+              </a:rPr>
+              <a:t>)</a:t>
             </a:r>
             <a:endParaRPr lang="en-US" altLang="ja-JP" dirty="0">
               <a:latin typeface="Meiryo UI" panose="020B0604030504040204" pitchFamily="34" charset="-128"/>
@@ -5058,27 +5392,34 @@
             </a:endParaRPr>
           </a:p>
           <a:p>
-            <a:pPr marL="514350" indent="-514350">
-              <a:buFont typeface="+mj-lt"/>
-              <a:buAutoNum type="arabicPeriod"/>
-            </a:pPr>
+            <a:r>
+              <a:rPr kumimoji="1" lang="en-US" altLang="ja-JP" dirty="0" err="1">
+                <a:latin typeface="Meiryo UI" panose="020B0604030504040204" pitchFamily="34" charset="-128"/>
+                <a:ea typeface="Meiryo UI" panose="020B0604030504040204" pitchFamily="34" charset="-128"/>
+              </a:rPr>
+              <a:t>Tem</a:t>
+            </a:r>
+            <a:r>
+              <a:rPr lang="en-US" altLang="ja-JP" dirty="0" err="1">
+                <a:latin typeface="Meiryo UI" panose="020B0604030504040204" pitchFamily="34" charset="-128"/>
+                <a:ea typeface="Meiryo UI" panose="020B0604030504040204" pitchFamily="34" charset="-128"/>
+              </a:rPr>
+              <a:t>parature</a:t>
+            </a:r>
+            <a:r>
+              <a:rPr lang="en-US" altLang="ja-JP" dirty="0">
+                <a:latin typeface="Meiryo UI" panose="020B0604030504040204" pitchFamily="34" charset="-128"/>
+                <a:ea typeface="Meiryo UI" panose="020B0604030504040204" pitchFamily="34" charset="-128"/>
+              </a:rPr>
+              <a:t>: 0-2.0</a:t>
+            </a:r>
             <a:r>
               <a:rPr lang="ja-JP" altLang="en-US">
                 <a:latin typeface="Meiryo UI" panose="020B0604030504040204" pitchFamily="34" charset="-128"/>
                 <a:ea typeface="Meiryo UI" panose="020B0604030504040204" pitchFamily="34" charset="-128"/>
               </a:rPr>
-              <a:t>分析ダッシュボード</a:t>
-            </a:r>
-            <a:endParaRPr lang="en-US" altLang="ja-JP" dirty="0">
-              <a:latin typeface="Meiryo UI" panose="020B0604030504040204" pitchFamily="34" charset="-128"/>
-              <a:ea typeface="Meiryo UI" panose="020B0604030504040204" pitchFamily="34" charset="-128"/>
-            </a:endParaRPr>
-          </a:p>
-          <a:p>
-            <a:pPr marL="514350" indent="-514350">
-              <a:buFont typeface="+mj-lt"/>
-              <a:buAutoNum type="arabicPeriod"/>
-            </a:pPr>
+              <a:t>までの間で任意</a:t>
+            </a:r>
             <a:endParaRPr kumimoji="1" lang="ja-JP" altLang="en-US">
               <a:latin typeface="Meiryo UI" panose="020B0604030504040204" pitchFamily="34" charset="-128"/>
               <a:ea typeface="Meiryo UI" panose="020B0604030504040204" pitchFamily="34" charset="-128"/>
@@ -5089,7 +5430,7 @@
     </p:spTree>
     <p:extLst>
       <p:ext uri="{BB962C8B-B14F-4D97-AF65-F5344CB8AC3E}">
-        <p14:creationId xmlns:p14="http://schemas.microsoft.com/office/powerpoint/2010/main" val="2134666940"/>
+        <p14:creationId xmlns:p14="http://schemas.microsoft.com/office/powerpoint/2010/main" val="2022958706"/>
       </p:ext>
     </p:extLst>
   </p:cSld>
@@ -5121,7 +5462,7 @@
           <p:cNvPr id="2" name="タイトル 1">
             <a:extLst>
               <a:ext uri="{FF2B5EF4-FFF2-40B4-BE49-F238E27FC236}">
-                <a16:creationId xmlns:a16="http://schemas.microsoft.com/office/drawing/2014/main" id="{5B4BC245-9222-B390-C1E3-DFD054FDDCD1}"/>
+                <a16:creationId xmlns:a16="http://schemas.microsoft.com/office/drawing/2014/main" id="{7B2D15A5-1EE4-06E3-C8C7-B2DA53D23B15}"/>
               </a:ext>
             </a:extLst>
           </p:cNvPr>
@@ -5138,18 +5479,11 @@
           <a:lstStyle/>
           <a:p>
             <a:r>
-              <a:rPr kumimoji="1" lang="en-US" altLang="ja-JP" dirty="0">
-                <a:latin typeface="Meiryo UI" panose="020B0604030504040204" pitchFamily="34" charset="-128"/>
-                <a:ea typeface="Meiryo UI" panose="020B0604030504040204" pitchFamily="34" charset="-128"/>
-              </a:rPr>
-              <a:t>1. </a:t>
-            </a:r>
-            <a:r>
               <a:rPr kumimoji="1" lang="ja-JP" altLang="en-US">
                 <a:latin typeface="Meiryo UI" panose="020B0604030504040204" pitchFamily="34" charset="-128"/>
                 <a:ea typeface="Meiryo UI" panose="020B0604030504040204" pitchFamily="34" charset="-128"/>
               </a:rPr>
-              <a:t>サイドバーメニュー</a:t>
+              <a:t>目次</a:t>
             </a:r>
           </a:p>
         </p:txBody>
@@ -5159,7 +5493,7 @@
           <p:cNvPr id="3" name="コンテンツ プレースホルダー 2">
             <a:extLst>
               <a:ext uri="{FF2B5EF4-FFF2-40B4-BE49-F238E27FC236}">
-                <a16:creationId xmlns:a16="http://schemas.microsoft.com/office/drawing/2014/main" id="{5E2E8B0B-1CF9-A388-DFB0-6905698807A4}"/>
+                <a16:creationId xmlns:a16="http://schemas.microsoft.com/office/drawing/2014/main" id="{783E899B-D99E-4FE6-5953-C2052C580006}"/>
               </a:ext>
             </a:extLst>
           </p:cNvPr>
@@ -5170,226 +5504,164 @@
             <p:ph idx="1"/>
           </p:nvPr>
         </p:nvSpPr>
-        <p:spPr>
-          <a:xfrm>
-            <a:off x="838200" y="1371600"/>
-            <a:ext cx="10515600" cy="5486399"/>
-          </a:xfrm>
-        </p:spPr>
+        <p:spPr/>
         <p:txBody>
           <a:bodyPr>
             <a:normAutofit/>
           </a:bodyPr>
           <a:lstStyle/>
           <a:p>
-            <a:r>
-              <a:rPr kumimoji="1" lang="ja-JP" altLang="en-US" sz="2000">
-                <a:latin typeface="Meiryo UI" panose="020B0604030504040204" pitchFamily="34" charset="-128"/>
-                <a:ea typeface="Meiryo UI" panose="020B0604030504040204" pitchFamily="34" charset="-128"/>
-              </a:rPr>
-              <a:t>ホーム</a:t>
-            </a:r>
-            <a:br>
-              <a:rPr lang="en-US" altLang="ja-JP" sz="2000" dirty="0">
-                <a:latin typeface="Meiryo UI" panose="020B0604030504040204" pitchFamily="34" charset="-128"/>
-                <a:ea typeface="Meiryo UI" panose="020B0604030504040204" pitchFamily="34" charset="-128"/>
-              </a:rPr>
-            </a:br>
-            <a:r>
-              <a:rPr lang="ja-JP" altLang="en-US" sz="2000">
-                <a:latin typeface="Meiryo UI" panose="020B0604030504040204" pitchFamily="34" charset="-128"/>
-                <a:ea typeface="Meiryo UI" panose="020B0604030504040204" pitchFamily="34" charset="-128"/>
-              </a:rPr>
-              <a:t>説明書とサンプルがダウンロードできます。</a:t>
-            </a:r>
-            <a:endParaRPr kumimoji="1" lang="en-US" altLang="ja-JP" sz="2000" dirty="0">
+            <a:pPr marL="514350" indent="-514350">
+              <a:buFont typeface="+mj-lt"/>
+              <a:buAutoNum type="arabicPeriod"/>
+            </a:pPr>
+            <a:r>
+              <a:rPr kumimoji="1" lang="ja-JP" altLang="en-US">
+                <a:latin typeface="Meiryo UI" panose="020B0604030504040204" pitchFamily="34" charset="-128"/>
+                <a:ea typeface="Meiryo UI" panose="020B0604030504040204" pitchFamily="34" charset="-128"/>
+              </a:rPr>
+              <a:t>サイドバーメニュー</a:t>
+            </a:r>
+            <a:endParaRPr kumimoji="1" lang="en-US" altLang="ja-JP" dirty="0">
               <a:latin typeface="Meiryo UI" panose="020B0604030504040204" pitchFamily="34" charset="-128"/>
               <a:ea typeface="Meiryo UI" panose="020B0604030504040204" pitchFamily="34" charset="-128"/>
             </a:endParaRPr>
           </a:p>
           <a:p>
-            <a:r>
-              <a:rPr lang="ja-JP" altLang="en-US" sz="2000">
-                <a:latin typeface="Meiryo UI" panose="020B0604030504040204" pitchFamily="34" charset="-128"/>
-                <a:ea typeface="Meiryo UI" panose="020B0604030504040204" pitchFamily="34" charset="-128"/>
-              </a:rPr>
-              <a:t>会話生成</a:t>
-            </a:r>
-            <a:br>
-              <a:rPr lang="en-US" altLang="ja-JP" sz="2000" dirty="0">
-                <a:latin typeface="Meiryo UI" panose="020B0604030504040204" pitchFamily="34" charset="-128"/>
-                <a:ea typeface="Meiryo UI" panose="020B0604030504040204" pitchFamily="34" charset="-128"/>
-              </a:rPr>
-            </a:br>
-            <a:r>
-              <a:rPr lang="ja-JP" altLang="en-US" sz="2000">
-                <a:latin typeface="Meiryo UI" panose="020B0604030504040204" pitchFamily="34" charset="-128"/>
-                <a:ea typeface="Meiryo UI" panose="020B0604030504040204" pitchFamily="34" charset="-128"/>
-              </a:rPr>
-              <a:t>サンプルまたは任意のワード、情報、プロンプトで会話生成できます。</a:t>
-            </a:r>
-            <a:endParaRPr lang="en-US" altLang="ja-JP" sz="2000" dirty="0">
+            <a:pPr marL="514350" indent="-514350">
+              <a:buFont typeface="+mj-lt"/>
+              <a:buAutoNum type="arabicPeriod"/>
+            </a:pPr>
+            <a:r>
+              <a:rPr kumimoji="1" lang="ja-JP" altLang="en-US">
+                <a:latin typeface="Meiryo UI" panose="020B0604030504040204" pitchFamily="34" charset="-128"/>
+                <a:ea typeface="Meiryo UI" panose="020B0604030504040204" pitchFamily="34" charset="-128"/>
+              </a:rPr>
+              <a:t>ホーム</a:t>
+            </a:r>
+            <a:endParaRPr kumimoji="1" lang="en-US" altLang="ja-JP" dirty="0">
               <a:latin typeface="Meiryo UI" panose="020B0604030504040204" pitchFamily="34" charset="-128"/>
               <a:ea typeface="Meiryo UI" panose="020B0604030504040204" pitchFamily="34" charset="-128"/>
             </a:endParaRPr>
           </a:p>
           <a:p>
-            <a:r>
-              <a:rPr kumimoji="1" lang="ja-JP" altLang="en-US" sz="2000">
-                <a:latin typeface="Meiryo UI" panose="020B0604030504040204" pitchFamily="34" charset="-128"/>
-                <a:ea typeface="Meiryo UI" panose="020B0604030504040204" pitchFamily="34" charset="-128"/>
-              </a:rPr>
-              <a:t>質問と回答の生成</a:t>
-            </a:r>
-            <a:br>
-              <a:rPr kumimoji="1" lang="en-US" altLang="ja-JP" sz="2000" dirty="0">
-                <a:latin typeface="Meiryo UI" panose="020B0604030504040204" pitchFamily="34" charset="-128"/>
-                <a:ea typeface="Meiryo UI" panose="020B0604030504040204" pitchFamily="34" charset="-128"/>
-              </a:rPr>
-            </a:br>
-            <a:r>
-              <a:rPr kumimoji="1" lang="ja-JP" altLang="en-US" sz="2000">
-                <a:latin typeface="Meiryo UI" panose="020B0604030504040204" pitchFamily="34" charset="-128"/>
-                <a:ea typeface="Meiryo UI" panose="020B0604030504040204" pitchFamily="34" charset="-128"/>
-              </a:rPr>
-              <a:t>会話生成で生成した会話を元に質問とその回答を生成します。</a:t>
-            </a:r>
-            <a:endParaRPr kumimoji="1" lang="en-US" altLang="ja-JP" sz="2000" dirty="0">
+            <a:pPr marL="514350" indent="-514350">
+              <a:buFont typeface="+mj-lt"/>
+              <a:buAutoNum type="arabicPeriod"/>
+            </a:pPr>
+            <a:r>
+              <a:rPr kumimoji="1" lang="ja-JP" altLang="en-US">
+                <a:latin typeface="Meiryo UI" panose="020B0604030504040204" pitchFamily="34" charset="-128"/>
+                <a:ea typeface="Meiryo UI" panose="020B0604030504040204" pitchFamily="34" charset="-128"/>
+              </a:rPr>
+              <a:t>会話生成</a:t>
+            </a:r>
+            <a:endParaRPr kumimoji="1" lang="en-US" altLang="ja-JP" dirty="0">
               <a:latin typeface="Meiryo UI" panose="020B0604030504040204" pitchFamily="34" charset="-128"/>
               <a:ea typeface="Meiryo UI" panose="020B0604030504040204" pitchFamily="34" charset="-128"/>
             </a:endParaRPr>
           </a:p>
           <a:p>
-            <a:r>
-              <a:rPr lang="ja-JP" altLang="en-US" sz="2000">
-                <a:latin typeface="Meiryo UI" panose="020B0604030504040204" pitchFamily="34" charset="-128"/>
-                <a:ea typeface="Meiryo UI" panose="020B0604030504040204" pitchFamily="34" charset="-128"/>
-              </a:rPr>
-              <a:t>ベクトル化</a:t>
-            </a:r>
-            <a:br>
-              <a:rPr lang="en-US" altLang="ja-JP" sz="2000" dirty="0">
-                <a:latin typeface="Meiryo UI" panose="020B0604030504040204" pitchFamily="34" charset="-128"/>
-                <a:ea typeface="Meiryo UI" panose="020B0604030504040204" pitchFamily="34" charset="-128"/>
-              </a:rPr>
-            </a:br>
-            <a:r>
-              <a:rPr kumimoji="1" lang="ja-JP" altLang="en-US" sz="2000">
-                <a:latin typeface="Meiryo UI" panose="020B0604030504040204" pitchFamily="34" charset="-128"/>
-                <a:ea typeface="Meiryo UI" panose="020B0604030504040204" pitchFamily="34" charset="-128"/>
-              </a:rPr>
-              <a:t>生成した会話履歴をベクトル化します</a:t>
-            </a:r>
-            <a:endParaRPr kumimoji="1" lang="en-US" altLang="ja-JP" sz="2000" dirty="0">
+            <a:pPr marL="514350" indent="-514350">
+              <a:buFont typeface="+mj-lt"/>
+              <a:buAutoNum type="arabicPeriod"/>
+            </a:pPr>
+            <a:r>
+              <a:rPr kumimoji="1" lang="ja-JP" altLang="en-US">
+                <a:latin typeface="Meiryo UI" panose="020B0604030504040204" pitchFamily="34" charset="-128"/>
+                <a:ea typeface="Meiryo UI" panose="020B0604030504040204" pitchFamily="34" charset="-128"/>
+              </a:rPr>
+              <a:t>質問と回答の生成</a:t>
+            </a:r>
+            <a:endParaRPr kumimoji="1" lang="en-US" altLang="ja-JP" dirty="0">
               <a:latin typeface="Meiryo UI" panose="020B0604030504040204" pitchFamily="34" charset="-128"/>
               <a:ea typeface="Meiryo UI" panose="020B0604030504040204" pitchFamily="34" charset="-128"/>
             </a:endParaRPr>
           </a:p>
           <a:p>
-            <a:r>
-              <a:rPr lang="ja-JP" altLang="en-US" sz="2000">
-                <a:latin typeface="Meiryo UI" panose="020B0604030504040204" pitchFamily="34" charset="-128"/>
-                <a:ea typeface="Meiryo UI" panose="020B0604030504040204" pitchFamily="34" charset="-128"/>
-              </a:rPr>
-              <a:t>回答の評価</a:t>
-            </a:r>
-            <a:br>
-              <a:rPr lang="en-US" altLang="ja-JP" sz="2000" dirty="0">
-                <a:latin typeface="Meiryo UI" panose="020B0604030504040204" pitchFamily="34" charset="-128"/>
-                <a:ea typeface="Meiryo UI" panose="020B0604030504040204" pitchFamily="34" charset="-128"/>
-              </a:rPr>
-            </a:br>
-            <a:r>
-              <a:rPr lang="ja-JP" altLang="en-US" sz="2000">
-                <a:latin typeface="Meiryo UI" panose="020B0604030504040204" pitchFamily="34" charset="-128"/>
-                <a:ea typeface="Meiryo UI" panose="020B0604030504040204" pitchFamily="34" charset="-128"/>
-              </a:rPr>
-              <a:t>使用する</a:t>
-            </a:r>
-            <a:r>
-              <a:rPr lang="en-US" altLang="ja-JP" sz="2000" dirty="0">
-                <a:latin typeface="Meiryo UI" panose="020B0604030504040204" pitchFamily="34" charset="-128"/>
-                <a:ea typeface="Meiryo UI" panose="020B0604030504040204" pitchFamily="34" charset="-128"/>
-              </a:rPr>
-              <a:t>RAG</a:t>
-            </a:r>
-            <a:r>
-              <a:rPr lang="ja-JP" altLang="en-US" sz="2000">
-                <a:latin typeface="Meiryo UI" panose="020B0604030504040204" pitchFamily="34" charset="-128"/>
-                <a:ea typeface="Meiryo UI" panose="020B0604030504040204" pitchFamily="34" charset="-128"/>
-              </a:rPr>
-              <a:t>を選んで、質問と回答で生成したクエリを使用して</a:t>
-            </a:r>
-            <a:br>
-              <a:rPr lang="en-US" altLang="ja-JP" sz="2000" dirty="0">
-                <a:latin typeface="Meiryo UI" panose="020B0604030504040204" pitchFamily="34" charset="-128"/>
-                <a:ea typeface="Meiryo UI" panose="020B0604030504040204" pitchFamily="34" charset="-128"/>
-              </a:rPr>
-            </a:br>
-            <a:r>
-              <a:rPr lang="ja-JP" altLang="en-US" sz="2000">
-                <a:latin typeface="Meiryo UI" panose="020B0604030504040204" pitchFamily="34" charset="-128"/>
-                <a:ea typeface="Meiryo UI" panose="020B0604030504040204" pitchFamily="34" charset="-128"/>
-              </a:rPr>
-              <a:t>会話生成で使用した会話履歴を用いて</a:t>
-            </a:r>
-            <a:r>
-              <a:rPr lang="en-US" altLang="ja-JP" sz="2000" dirty="0">
-                <a:latin typeface="Meiryo UI" panose="020B0604030504040204" pitchFamily="34" charset="-128"/>
-                <a:ea typeface="Meiryo UI" panose="020B0604030504040204" pitchFamily="34" charset="-128"/>
-              </a:rPr>
-              <a:t>RAG</a:t>
-            </a:r>
-            <a:r>
-              <a:rPr lang="ja-JP" altLang="en-US" sz="2000">
-                <a:latin typeface="Meiryo UI" panose="020B0604030504040204" pitchFamily="34" charset="-128"/>
-                <a:ea typeface="Meiryo UI" panose="020B0604030504040204" pitchFamily="34" charset="-128"/>
-              </a:rPr>
-              <a:t>の回答評価をします。</a:t>
-            </a:r>
-            <a:endParaRPr lang="en-US" altLang="ja-JP" sz="2000" dirty="0">
+            <a:pPr marL="514350" indent="-514350">
+              <a:buFont typeface="+mj-lt"/>
+              <a:buAutoNum type="arabicPeriod"/>
+            </a:pPr>
+            <a:r>
+              <a:rPr lang="ja-JP" altLang="en-US">
+                <a:latin typeface="Meiryo UI" panose="020B0604030504040204" pitchFamily="34" charset="-128"/>
+                <a:ea typeface="Meiryo UI" panose="020B0604030504040204" pitchFamily="34" charset="-128"/>
+              </a:rPr>
+              <a:t>ベクトル化</a:t>
+            </a:r>
+            <a:endParaRPr kumimoji="1" lang="en-US" altLang="ja-JP" dirty="0">
               <a:latin typeface="Meiryo UI" panose="020B0604030504040204" pitchFamily="34" charset="-128"/>
               <a:ea typeface="Meiryo UI" panose="020B0604030504040204" pitchFamily="34" charset="-128"/>
             </a:endParaRPr>
           </a:p>
           <a:p>
-            <a:r>
-              <a:rPr lang="ja-JP" altLang="en-US" sz="2000">
-                <a:latin typeface="Meiryo UI" panose="020B0604030504040204" pitchFamily="34" charset="-128"/>
-                <a:ea typeface="Meiryo UI" panose="020B0604030504040204" pitchFamily="34" charset="-128"/>
-              </a:rPr>
-              <a:t>トータルフロー</a:t>
-            </a:r>
-            <a:endParaRPr lang="en-US" altLang="ja-JP" sz="2000" dirty="0">
+            <a:pPr marL="514350" indent="-514350">
+              <a:buFont typeface="+mj-lt"/>
+              <a:buAutoNum type="arabicPeriod"/>
+            </a:pPr>
+            <a:r>
+              <a:rPr lang="ja-JP" altLang="en-US">
+                <a:latin typeface="Meiryo UI" panose="020B0604030504040204" pitchFamily="34" charset="-128"/>
+                <a:ea typeface="Meiryo UI" panose="020B0604030504040204" pitchFamily="34" charset="-128"/>
+              </a:rPr>
+              <a:t>回答の評価</a:t>
+            </a:r>
+            <a:endParaRPr lang="en-US" altLang="ja-JP" dirty="0">
               <a:latin typeface="Meiryo UI" panose="020B0604030504040204" pitchFamily="34" charset="-128"/>
               <a:ea typeface="Meiryo UI" panose="020B0604030504040204" pitchFamily="34" charset="-128"/>
             </a:endParaRPr>
           </a:p>
           <a:p>
-            <a:r>
-              <a:rPr lang="ja-JP" altLang="en-US" sz="2000">
-                <a:latin typeface="Meiryo UI" panose="020B0604030504040204" pitchFamily="34" charset="-128"/>
-                <a:ea typeface="Meiryo UI" panose="020B0604030504040204" pitchFamily="34" charset="-128"/>
-              </a:rPr>
-              <a:t>分析ダッシュボード</a:t>
-            </a:r>
-            <a:endParaRPr lang="en-US" altLang="ja-JP" sz="2000" dirty="0">
+            <a:pPr marL="514350" indent="-514350">
+              <a:buFont typeface="+mj-lt"/>
+              <a:buAutoNum type="arabicPeriod"/>
+            </a:pPr>
+            <a:r>
+              <a:rPr lang="ja-JP" altLang="en-US">
+                <a:latin typeface="Meiryo UI" panose="020B0604030504040204" pitchFamily="34" charset="-128"/>
+                <a:ea typeface="Meiryo UI" panose="020B0604030504040204" pitchFamily="34" charset="-128"/>
+              </a:rPr>
+              <a:t>ワークフロー実行</a:t>
+            </a:r>
+            <a:endParaRPr lang="en-US" altLang="ja-JP" dirty="0">
               <a:latin typeface="Meiryo UI" panose="020B0604030504040204" pitchFamily="34" charset="-128"/>
               <a:ea typeface="Meiryo UI" panose="020B0604030504040204" pitchFamily="34" charset="-128"/>
             </a:endParaRPr>
           </a:p>
           <a:p>
-            <a:endParaRPr kumimoji="1" lang="ja-JP" altLang="en-US" sz="2000">
+            <a:pPr marL="514350" indent="-514350">
+              <a:buFont typeface="+mj-lt"/>
+              <a:buAutoNum type="arabicPeriod"/>
+            </a:pPr>
+            <a:r>
+              <a:rPr lang="ja-JP" altLang="en-US">
+                <a:latin typeface="Meiryo UI" panose="020B0604030504040204" pitchFamily="34" charset="-128"/>
+                <a:ea typeface="Meiryo UI" panose="020B0604030504040204" pitchFamily="34" charset="-128"/>
+              </a:rPr>
+              <a:t>分析ダッシュボード</a:t>
+            </a:r>
+            <a:endParaRPr lang="en-US" altLang="ja-JP" dirty="0">
               <a:latin typeface="Meiryo UI" panose="020B0604030504040204" pitchFamily="34" charset="-128"/>
               <a:ea typeface="Meiryo UI" panose="020B0604030504040204" pitchFamily="34" charset="-128"/>
             </a:endParaRPr>
           </a:p>
+          <a:p>
+            <a:pPr marL="514350" indent="-514350">
+              <a:buFont typeface="+mj-lt"/>
+              <a:buAutoNum type="arabicPeriod"/>
+            </a:pPr>
+            <a:endParaRPr kumimoji="1" lang="ja-JP" altLang="en-US">
+              <a:latin typeface="Meiryo UI" panose="020B0604030504040204" pitchFamily="34" charset="-128"/>
+              <a:ea typeface="Meiryo UI" panose="020B0604030504040204" pitchFamily="34" charset="-128"/>
+            </a:endParaRPr>
+          </a:p>
         </p:txBody>
       </p:sp>
     </p:spTree>
     <p:extLst>
       <p:ext uri="{BB962C8B-B14F-4D97-AF65-F5344CB8AC3E}">
-        <p14:creationId xmlns:p14="http://schemas.microsoft.com/office/powerpoint/2010/main" val="2554802156"/>
+        <p14:creationId xmlns:p14="http://schemas.microsoft.com/office/powerpoint/2010/main" val="2134666940"/>
       </p:ext>
     </p:extLst>
   </p:cSld>
@@ -5421,6 +5693,332 @@
           <p:cNvPr id="2" name="タイトル 1">
             <a:extLst>
               <a:ext uri="{FF2B5EF4-FFF2-40B4-BE49-F238E27FC236}">
+                <a16:creationId xmlns:a16="http://schemas.microsoft.com/office/drawing/2014/main" id="{5B4BC245-9222-B390-C1E3-DFD054FDDCD1}"/>
+              </a:ext>
+            </a:extLst>
+          </p:cNvPr>
+          <p:cNvSpPr>
+            <a:spLocks noGrp="1"/>
+          </p:cNvSpPr>
+          <p:nvPr>
+            <p:ph type="title"/>
+          </p:nvPr>
+        </p:nvSpPr>
+        <p:spPr/>
+        <p:txBody>
+          <a:bodyPr/>
+          <a:lstStyle/>
+          <a:p>
+            <a:r>
+              <a:rPr kumimoji="1" lang="en-US" altLang="ja-JP" dirty="0">
+                <a:latin typeface="Meiryo UI" panose="020B0604030504040204" pitchFamily="34" charset="-128"/>
+                <a:ea typeface="Meiryo UI" panose="020B0604030504040204" pitchFamily="34" charset="-128"/>
+              </a:rPr>
+              <a:t>1. </a:t>
+            </a:r>
+            <a:r>
+              <a:rPr kumimoji="1" lang="ja-JP" altLang="en-US">
+                <a:latin typeface="Meiryo UI" panose="020B0604030504040204" pitchFamily="34" charset="-128"/>
+                <a:ea typeface="Meiryo UI" panose="020B0604030504040204" pitchFamily="34" charset="-128"/>
+              </a:rPr>
+              <a:t>サイドバーメニュー</a:t>
+            </a:r>
+          </a:p>
+        </p:txBody>
+      </p:sp>
+      <p:sp>
+        <p:nvSpPr>
+          <p:cNvPr id="3" name="コンテンツ プレースホルダー 2">
+            <a:extLst>
+              <a:ext uri="{FF2B5EF4-FFF2-40B4-BE49-F238E27FC236}">
+                <a16:creationId xmlns:a16="http://schemas.microsoft.com/office/drawing/2014/main" id="{5E2E8B0B-1CF9-A388-DFB0-6905698807A4}"/>
+              </a:ext>
+            </a:extLst>
+          </p:cNvPr>
+          <p:cNvSpPr>
+            <a:spLocks noGrp="1"/>
+          </p:cNvSpPr>
+          <p:nvPr>
+            <p:ph idx="1"/>
+          </p:nvPr>
+        </p:nvSpPr>
+        <p:spPr>
+          <a:xfrm>
+            <a:off x="838200" y="1371600"/>
+            <a:ext cx="10515600" cy="5486399"/>
+          </a:xfrm>
+        </p:spPr>
+        <p:txBody>
+          <a:bodyPr>
+            <a:normAutofit/>
+          </a:bodyPr>
+          <a:lstStyle/>
+          <a:p>
+            <a:r>
+              <a:rPr kumimoji="1" lang="ja-JP" altLang="en-US" sz="2000">
+                <a:latin typeface="Meiryo UI" panose="020B0604030504040204" pitchFamily="34" charset="-128"/>
+                <a:ea typeface="Meiryo UI" panose="020B0604030504040204" pitchFamily="34" charset="-128"/>
+              </a:rPr>
+              <a:t>ホーム</a:t>
+            </a:r>
+            <a:br>
+              <a:rPr lang="en-US" altLang="ja-JP" sz="2000" dirty="0">
+                <a:latin typeface="Meiryo UI" panose="020B0604030504040204" pitchFamily="34" charset="-128"/>
+                <a:ea typeface="Meiryo UI" panose="020B0604030504040204" pitchFamily="34" charset="-128"/>
+              </a:rPr>
+            </a:br>
+            <a:r>
+              <a:rPr lang="ja-JP" altLang="en-US" sz="2000">
+                <a:latin typeface="Meiryo UI" panose="020B0604030504040204" pitchFamily="34" charset="-128"/>
+                <a:ea typeface="Meiryo UI" panose="020B0604030504040204" pitchFamily="34" charset="-128"/>
+              </a:rPr>
+              <a:t>説明書とサンプルがダウンロードできます。</a:t>
+            </a:r>
+            <a:endParaRPr kumimoji="1" lang="en-US" altLang="ja-JP" sz="2000" dirty="0">
+              <a:latin typeface="Meiryo UI" panose="020B0604030504040204" pitchFamily="34" charset="-128"/>
+              <a:ea typeface="Meiryo UI" panose="020B0604030504040204" pitchFamily="34" charset="-128"/>
+            </a:endParaRPr>
+          </a:p>
+          <a:p>
+            <a:r>
+              <a:rPr lang="ja-JP" altLang="en-US" sz="2000">
+                <a:latin typeface="Meiryo UI" panose="020B0604030504040204" pitchFamily="34" charset="-128"/>
+                <a:ea typeface="Meiryo UI" panose="020B0604030504040204" pitchFamily="34" charset="-128"/>
+              </a:rPr>
+              <a:t>会話生成</a:t>
+            </a:r>
+            <a:br>
+              <a:rPr lang="en-US" altLang="ja-JP" sz="2000" dirty="0">
+                <a:latin typeface="Meiryo UI" panose="020B0604030504040204" pitchFamily="34" charset="-128"/>
+                <a:ea typeface="Meiryo UI" panose="020B0604030504040204" pitchFamily="34" charset="-128"/>
+              </a:rPr>
+            </a:br>
+            <a:r>
+              <a:rPr lang="ja-JP" altLang="en-US" sz="2000">
+                <a:latin typeface="Meiryo UI" panose="020B0604030504040204" pitchFamily="34" charset="-128"/>
+                <a:ea typeface="Meiryo UI" panose="020B0604030504040204" pitchFamily="34" charset="-128"/>
+              </a:rPr>
+              <a:t>サンプルまたは任意のワード、情報、プロンプトで会話生成できます。</a:t>
+            </a:r>
+            <a:endParaRPr lang="en-US" altLang="ja-JP" sz="2000" dirty="0">
+              <a:latin typeface="Meiryo UI" panose="020B0604030504040204" pitchFamily="34" charset="-128"/>
+              <a:ea typeface="Meiryo UI" panose="020B0604030504040204" pitchFamily="34" charset="-128"/>
+            </a:endParaRPr>
+          </a:p>
+          <a:p>
+            <a:r>
+              <a:rPr kumimoji="1" lang="ja-JP" altLang="en-US" sz="2000">
+                <a:latin typeface="Meiryo UI" panose="020B0604030504040204" pitchFamily="34" charset="-128"/>
+                <a:ea typeface="Meiryo UI" panose="020B0604030504040204" pitchFamily="34" charset="-128"/>
+              </a:rPr>
+              <a:t>質問と回答の生成</a:t>
+            </a:r>
+            <a:br>
+              <a:rPr kumimoji="1" lang="en-US" altLang="ja-JP" sz="2000" dirty="0">
+                <a:latin typeface="Meiryo UI" panose="020B0604030504040204" pitchFamily="34" charset="-128"/>
+                <a:ea typeface="Meiryo UI" panose="020B0604030504040204" pitchFamily="34" charset="-128"/>
+              </a:rPr>
+            </a:br>
+            <a:r>
+              <a:rPr kumimoji="1" lang="ja-JP" altLang="en-US" sz="2000">
+                <a:latin typeface="Meiryo UI" panose="020B0604030504040204" pitchFamily="34" charset="-128"/>
+                <a:ea typeface="Meiryo UI" panose="020B0604030504040204" pitchFamily="34" charset="-128"/>
+              </a:rPr>
+              <a:t>会話生成で生成した会話を元に質問とその回答を生成します。</a:t>
+            </a:r>
+            <a:endParaRPr kumimoji="1" lang="en-US" altLang="ja-JP" sz="2000" dirty="0">
+              <a:latin typeface="Meiryo UI" panose="020B0604030504040204" pitchFamily="34" charset="-128"/>
+              <a:ea typeface="Meiryo UI" panose="020B0604030504040204" pitchFamily="34" charset="-128"/>
+            </a:endParaRPr>
+          </a:p>
+          <a:p>
+            <a:r>
+              <a:rPr lang="ja-JP" altLang="en-US" sz="2000">
+                <a:latin typeface="Meiryo UI" panose="020B0604030504040204" pitchFamily="34" charset="-128"/>
+                <a:ea typeface="Meiryo UI" panose="020B0604030504040204" pitchFamily="34" charset="-128"/>
+              </a:rPr>
+              <a:t>ベクトル化</a:t>
+            </a:r>
+            <a:br>
+              <a:rPr lang="en-US" altLang="ja-JP" sz="2000" dirty="0">
+                <a:latin typeface="Meiryo UI" panose="020B0604030504040204" pitchFamily="34" charset="-128"/>
+                <a:ea typeface="Meiryo UI" panose="020B0604030504040204" pitchFamily="34" charset="-128"/>
+              </a:rPr>
+            </a:br>
+            <a:r>
+              <a:rPr kumimoji="1" lang="ja-JP" altLang="en-US" sz="2000">
+                <a:latin typeface="Meiryo UI" panose="020B0604030504040204" pitchFamily="34" charset="-128"/>
+                <a:ea typeface="Meiryo UI" panose="020B0604030504040204" pitchFamily="34" charset="-128"/>
+              </a:rPr>
+              <a:t>生成した会話履歴をベクトル化します。</a:t>
+            </a:r>
+            <a:endParaRPr kumimoji="1" lang="en-US" altLang="ja-JP" sz="2000" dirty="0">
+              <a:latin typeface="Meiryo UI" panose="020B0604030504040204" pitchFamily="34" charset="-128"/>
+              <a:ea typeface="Meiryo UI" panose="020B0604030504040204" pitchFamily="34" charset="-128"/>
+            </a:endParaRPr>
+          </a:p>
+          <a:p>
+            <a:r>
+              <a:rPr lang="ja-JP" altLang="en-US" sz="2000">
+                <a:latin typeface="Meiryo UI" panose="020B0604030504040204" pitchFamily="34" charset="-128"/>
+                <a:ea typeface="Meiryo UI" panose="020B0604030504040204" pitchFamily="34" charset="-128"/>
+              </a:rPr>
+              <a:t>回答の評価</a:t>
+            </a:r>
+            <a:br>
+              <a:rPr lang="en-US" altLang="ja-JP" sz="2000" dirty="0">
+                <a:latin typeface="Meiryo UI" panose="020B0604030504040204" pitchFamily="34" charset="-128"/>
+                <a:ea typeface="Meiryo UI" panose="020B0604030504040204" pitchFamily="34" charset="-128"/>
+              </a:rPr>
+            </a:br>
+            <a:r>
+              <a:rPr lang="ja-JP" altLang="en-US" sz="2000">
+                <a:latin typeface="Meiryo UI" panose="020B0604030504040204" pitchFamily="34" charset="-128"/>
+                <a:ea typeface="Meiryo UI" panose="020B0604030504040204" pitchFamily="34" charset="-128"/>
+              </a:rPr>
+              <a:t>使用する</a:t>
+            </a:r>
+            <a:r>
+              <a:rPr lang="en-US" altLang="ja-JP" sz="2000" dirty="0">
+                <a:latin typeface="Meiryo UI" panose="020B0604030504040204" pitchFamily="34" charset="-128"/>
+                <a:ea typeface="Meiryo UI" panose="020B0604030504040204" pitchFamily="34" charset="-128"/>
+              </a:rPr>
+              <a:t>RAG</a:t>
+            </a:r>
+            <a:r>
+              <a:rPr lang="ja-JP" altLang="en-US" sz="2000">
+                <a:latin typeface="Meiryo UI" panose="020B0604030504040204" pitchFamily="34" charset="-128"/>
+                <a:ea typeface="Meiryo UI" panose="020B0604030504040204" pitchFamily="34" charset="-128"/>
+              </a:rPr>
+              <a:t>を選んで、質問と回答で生成したクエリを使用して</a:t>
+            </a:r>
+            <a:br>
+              <a:rPr lang="en-US" altLang="ja-JP" sz="2000" dirty="0">
+                <a:latin typeface="Meiryo UI" panose="020B0604030504040204" pitchFamily="34" charset="-128"/>
+                <a:ea typeface="Meiryo UI" panose="020B0604030504040204" pitchFamily="34" charset="-128"/>
+              </a:rPr>
+            </a:br>
+            <a:r>
+              <a:rPr lang="ja-JP" altLang="en-US" sz="2000">
+                <a:latin typeface="Meiryo UI" panose="020B0604030504040204" pitchFamily="34" charset="-128"/>
+                <a:ea typeface="Meiryo UI" panose="020B0604030504040204" pitchFamily="34" charset="-128"/>
+              </a:rPr>
+              <a:t>会話生成で使用した会話履歴を用いて</a:t>
+            </a:r>
+            <a:r>
+              <a:rPr lang="en-US" altLang="ja-JP" sz="2000" dirty="0">
+                <a:latin typeface="Meiryo UI" panose="020B0604030504040204" pitchFamily="34" charset="-128"/>
+                <a:ea typeface="Meiryo UI" panose="020B0604030504040204" pitchFamily="34" charset="-128"/>
+              </a:rPr>
+              <a:t>RAG</a:t>
+            </a:r>
+            <a:r>
+              <a:rPr lang="ja-JP" altLang="en-US" sz="2000">
+                <a:latin typeface="Meiryo UI" panose="020B0604030504040204" pitchFamily="34" charset="-128"/>
+                <a:ea typeface="Meiryo UI" panose="020B0604030504040204" pitchFamily="34" charset="-128"/>
+              </a:rPr>
+              <a:t>の回答評価をします。</a:t>
+            </a:r>
+            <a:endParaRPr lang="en-US" altLang="ja-JP" sz="2000" dirty="0">
+              <a:latin typeface="Meiryo UI" panose="020B0604030504040204" pitchFamily="34" charset="-128"/>
+              <a:ea typeface="Meiryo UI" panose="020B0604030504040204" pitchFamily="34" charset="-128"/>
+            </a:endParaRPr>
+          </a:p>
+          <a:p>
+            <a:r>
+              <a:rPr lang="ja-JP" altLang="en-US" sz="2000">
+                <a:latin typeface="Meiryo UI" panose="020B0604030504040204" pitchFamily="34" charset="-128"/>
+                <a:ea typeface="Meiryo UI" panose="020B0604030504040204" pitchFamily="34" charset="-128"/>
+              </a:rPr>
+              <a:t>ワークフロー実行</a:t>
+            </a:r>
+            <a:br>
+              <a:rPr lang="en-US" altLang="ja-JP" sz="2000" dirty="0">
+                <a:latin typeface="Meiryo UI" panose="020B0604030504040204" pitchFamily="34" charset="-128"/>
+                <a:ea typeface="Meiryo UI" panose="020B0604030504040204" pitchFamily="34" charset="-128"/>
+              </a:rPr>
+            </a:br>
+            <a:r>
+              <a:rPr lang="ja-JP" altLang="en-US" sz="2000">
+                <a:latin typeface="Meiryo UI" panose="020B0604030504040204" pitchFamily="34" charset="-128"/>
+                <a:ea typeface="Meiryo UI" panose="020B0604030504040204" pitchFamily="34" charset="-128"/>
+              </a:rPr>
+              <a:t>会話生成→質問と回答の生成→ベクトル化→回答の評価までの一連のワークフローを実行します。</a:t>
+            </a:r>
+            <a:endParaRPr lang="en-US" altLang="ja-JP" sz="2000" dirty="0">
+              <a:latin typeface="Meiryo UI" panose="020B0604030504040204" pitchFamily="34" charset="-128"/>
+              <a:ea typeface="Meiryo UI" panose="020B0604030504040204" pitchFamily="34" charset="-128"/>
+            </a:endParaRPr>
+          </a:p>
+          <a:p>
+            <a:r>
+              <a:rPr lang="ja-JP" altLang="en-US" sz="2000">
+                <a:latin typeface="Meiryo UI" panose="020B0604030504040204" pitchFamily="34" charset="-128"/>
+                <a:ea typeface="Meiryo UI" panose="020B0604030504040204" pitchFamily="34" charset="-128"/>
+              </a:rPr>
+              <a:t>分析ダッシュボード</a:t>
+            </a:r>
+            <a:br>
+              <a:rPr lang="en-US" altLang="ja-JP" sz="2000" dirty="0">
+                <a:latin typeface="Meiryo UI" panose="020B0604030504040204" pitchFamily="34" charset="-128"/>
+                <a:ea typeface="Meiryo UI" panose="020B0604030504040204" pitchFamily="34" charset="-128"/>
+              </a:rPr>
+            </a:br>
+            <a:r>
+              <a:rPr lang="ja-JP" altLang="en-US" sz="2000">
+                <a:latin typeface="Meiryo UI" panose="020B0604030504040204" pitchFamily="34" charset="-128"/>
+                <a:ea typeface="Meiryo UI" panose="020B0604030504040204" pitchFamily="34" charset="-128"/>
+              </a:rPr>
+              <a:t>選択したタスクの会話の分析を行います。</a:t>
+            </a:r>
+            <a:endParaRPr lang="en-US" altLang="ja-JP" sz="2000" dirty="0">
+              <a:latin typeface="Meiryo UI" panose="020B0604030504040204" pitchFamily="34" charset="-128"/>
+              <a:ea typeface="Meiryo UI" panose="020B0604030504040204" pitchFamily="34" charset="-128"/>
+            </a:endParaRPr>
+          </a:p>
+          <a:p>
+            <a:endParaRPr kumimoji="1" lang="ja-JP" altLang="en-US" sz="2000">
+              <a:latin typeface="Meiryo UI" panose="020B0604030504040204" pitchFamily="34" charset="-128"/>
+              <a:ea typeface="Meiryo UI" panose="020B0604030504040204" pitchFamily="34" charset="-128"/>
+            </a:endParaRPr>
+          </a:p>
+        </p:txBody>
+      </p:sp>
+    </p:spTree>
+    <p:extLst>
+      <p:ext uri="{BB962C8B-B14F-4D97-AF65-F5344CB8AC3E}">
+        <p14:creationId xmlns:p14="http://schemas.microsoft.com/office/powerpoint/2010/main" val="2554802156"/>
+      </p:ext>
+    </p:extLst>
+  </p:cSld>
+  <p:clrMapOvr>
+    <a:masterClrMapping/>
+  </p:clrMapOvr>
+</p:sld>
+</file>
+
+<file path=ppt/slides/slide6.xml><?xml version="1.0" encoding="utf-8"?>
+<p:sld xmlns:a="http://schemas.openxmlformats.org/drawingml/2006/main" xmlns:r="http://schemas.openxmlformats.org/officeDocument/2006/relationships" xmlns:p="http://schemas.openxmlformats.org/presentationml/2006/main">
+  <p:cSld>
+    <p:spTree>
+      <p:nvGrpSpPr>
+        <p:cNvPr id="1" name=""/>
+        <p:cNvGrpSpPr/>
+        <p:nvPr/>
+      </p:nvGrpSpPr>
+      <p:grpSpPr>
+        <a:xfrm>
+          <a:off x="0" y="0"/>
+          <a:ext cx="0" cy="0"/>
+          <a:chOff x="0" y="0"/>
+          <a:chExt cx="0" cy="0"/>
+        </a:xfrm>
+      </p:grpSpPr>
+      <p:sp>
+        <p:nvSpPr>
+          <p:cNvPr id="2" name="タイトル 1">
+            <a:extLst>
+              <a:ext uri="{FF2B5EF4-FFF2-40B4-BE49-F238E27FC236}">
                 <a16:creationId xmlns:a16="http://schemas.microsoft.com/office/drawing/2014/main" id="{C0AAD8CF-B942-315A-1C6E-BE9C0E028B4A}"/>
               </a:ext>
             </a:extLst>
@@ -5638,7 +6236,7 @@
 </p:sld>
 </file>
 
-<file path=ppt/slides/slide6.xml><?xml version="1.0" encoding="utf-8"?>
+<file path=ppt/slides/slide7.xml><?xml version="1.0" encoding="utf-8"?>
 <p:sld xmlns:a="http://schemas.openxmlformats.org/drawingml/2006/main" xmlns:r="http://schemas.openxmlformats.org/officeDocument/2006/relationships" xmlns:p="http://schemas.openxmlformats.org/presentationml/2006/main">
   <p:cSld>
     <p:spTree>
@@ -5824,156 +6422,6 @@
     <p:extLst>
       <p:ext uri="{BB962C8B-B14F-4D97-AF65-F5344CB8AC3E}">
         <p14:creationId xmlns:p14="http://schemas.microsoft.com/office/powerpoint/2010/main" val="4078050854"/>
-      </p:ext>
-    </p:extLst>
-  </p:cSld>
-  <p:clrMapOvr>
-    <a:masterClrMapping/>
-  </p:clrMapOvr>
-</p:sld>
-</file>
-
-<file path=ppt/slides/slide7.xml><?xml version="1.0" encoding="utf-8"?>
-<p:sld xmlns:a="http://schemas.openxmlformats.org/drawingml/2006/main" xmlns:r="http://schemas.openxmlformats.org/officeDocument/2006/relationships" xmlns:p="http://schemas.openxmlformats.org/presentationml/2006/main">
-  <p:cSld>
-    <p:spTree>
-      <p:nvGrpSpPr>
-        <p:cNvPr id="1" name=""/>
-        <p:cNvGrpSpPr/>
-        <p:nvPr/>
-      </p:nvGrpSpPr>
-      <p:grpSpPr>
-        <a:xfrm>
-          <a:off x="0" y="0"/>
-          <a:ext cx="0" cy="0"/>
-          <a:chOff x="0" y="0"/>
-          <a:chExt cx="0" cy="0"/>
-        </a:xfrm>
-      </p:grpSpPr>
-      <p:sp>
-        <p:nvSpPr>
-          <p:cNvPr id="2" name="タイトル 1">
-            <a:extLst>
-              <a:ext uri="{FF2B5EF4-FFF2-40B4-BE49-F238E27FC236}">
-                <a16:creationId xmlns:a16="http://schemas.microsoft.com/office/drawing/2014/main" id="{F7832B50-9621-75A6-474C-EB1C73AE882B}"/>
-              </a:ext>
-            </a:extLst>
-          </p:cNvPr>
-          <p:cNvSpPr>
-            <a:spLocks noGrp="1"/>
-          </p:cNvSpPr>
-          <p:nvPr>
-            <p:ph type="title"/>
-          </p:nvPr>
-        </p:nvSpPr>
-        <p:spPr/>
-        <p:txBody>
-          <a:bodyPr/>
-          <a:lstStyle/>
-          <a:p>
-            <a:r>
-              <a:rPr lang="en-US" altLang="ja-JP" dirty="0">
-                <a:latin typeface="Meiryo UI" panose="020B0604030504040204" pitchFamily="34" charset="-128"/>
-                <a:ea typeface="Meiryo UI" panose="020B0604030504040204" pitchFamily="34" charset="-128"/>
-              </a:rPr>
-              <a:t>3. </a:t>
-            </a:r>
-            <a:r>
-              <a:rPr kumimoji="1" lang="ja-JP" altLang="en-US">
-                <a:latin typeface="Meiryo UI" panose="020B0604030504040204" pitchFamily="34" charset="-128"/>
-                <a:ea typeface="Meiryo UI" panose="020B0604030504040204" pitchFamily="34" charset="-128"/>
-              </a:rPr>
-              <a:t>会話生成</a:t>
-            </a:r>
-          </a:p>
-        </p:txBody>
-      </p:sp>
-      <p:sp>
-        <p:nvSpPr>
-          <p:cNvPr id="3" name="コンテンツ プレースホルダー 2">
-            <a:extLst>
-              <a:ext uri="{FF2B5EF4-FFF2-40B4-BE49-F238E27FC236}">
-                <a16:creationId xmlns:a16="http://schemas.microsoft.com/office/drawing/2014/main" id="{AC0CE64B-0E84-6E36-3643-613E13EE4205}"/>
-              </a:ext>
-            </a:extLst>
-          </p:cNvPr>
-          <p:cNvSpPr>
-            <a:spLocks noGrp="1"/>
-          </p:cNvSpPr>
-          <p:nvPr>
-            <p:ph idx="1"/>
-          </p:nvPr>
-        </p:nvSpPr>
-        <p:spPr/>
-        <p:txBody>
-          <a:bodyPr/>
-          <a:lstStyle/>
-          <a:p>
-            <a:pPr marL="514350" indent="-514350">
-              <a:buAutoNum type="arabicPeriod" startAt="4"/>
-            </a:pPr>
-            <a:r>
-              <a:rPr lang="ja-JP" altLang="en-US"/>
-              <a:t>キャラクターのプロンプトを入力します。</a:t>
-            </a:r>
-            <a:r>
-              <a:rPr lang="en-US" altLang="ja-JP" dirty="0"/>
-              <a:t> </a:t>
-            </a:r>
-            <a:r>
-              <a:rPr lang="ja-JP" altLang="en-US"/>
-              <a:t>チャットボットなどの</a:t>
-            </a:r>
-            <a:r>
-              <a:rPr lang="en-US" altLang="ja-JP" dirty="0"/>
-              <a:t>AI</a:t>
-            </a:r>
-            <a:r>
-              <a:rPr lang="ja-JP" altLang="en-US"/>
-              <a:t>側のキャラクターの特徴を指定します</a:t>
-            </a:r>
-            <a:endParaRPr lang="en-US" altLang="ja-JP" dirty="0"/>
-          </a:p>
-          <a:p>
-            <a:pPr marL="514350" indent="-514350">
-              <a:buAutoNum type="arabicPeriod" startAt="4"/>
-            </a:pPr>
-            <a:r>
-              <a:rPr lang="ja-JP" altLang="en-US"/>
-              <a:t>ユーザーのプロンプトを入力します。チャットボットなどの</a:t>
-            </a:r>
-            <a:r>
-              <a:rPr lang="en-US" altLang="ja-JP" dirty="0"/>
-              <a:t>AI</a:t>
-            </a:r>
-            <a:r>
-              <a:rPr lang="ja-JP" altLang="en-US"/>
-              <a:t>キャラクターと会話を楽しむユーザーを想定しています。ユーザーに限らず、こちらもキャラクター設定にしてキャラクター同士の会話にすることもできます。</a:t>
-            </a:r>
-            <a:endParaRPr lang="en-US" altLang="ja-JP" dirty="0"/>
-          </a:p>
-          <a:p>
-            <a:pPr marL="514350" indent="-514350">
-              <a:buAutoNum type="arabicPeriod" startAt="4"/>
-            </a:pPr>
-            <a:r>
-              <a:rPr lang="ja-JP" altLang="en-US"/>
-              <a:t>会話生成ボタンを押すと会話生成が始まります。</a:t>
-            </a:r>
-            <a:endParaRPr lang="en-US" altLang="ja-JP"/>
-          </a:p>
-          <a:p>
-            <a:pPr marL="514350" indent="-514350">
-              <a:buAutoNum type="arabicPeriod" startAt="4"/>
-            </a:pPr>
-            <a:endParaRPr lang="en-US" altLang="ja-JP" dirty="0"/>
-          </a:p>
-        </p:txBody>
-      </p:sp>
-    </p:spTree>
-    <p:extLst>
-      <p:ext uri="{BB962C8B-B14F-4D97-AF65-F5344CB8AC3E}">
-        <p14:creationId xmlns:p14="http://schemas.microsoft.com/office/powerpoint/2010/main" val="1216595484"/>
       </p:ext>
     </p:extLst>
   </p:cSld>
@@ -6005,7 +6453,7 @@
           <p:cNvPr id="2" name="タイトル 1">
             <a:extLst>
               <a:ext uri="{FF2B5EF4-FFF2-40B4-BE49-F238E27FC236}">
-                <a16:creationId xmlns:a16="http://schemas.microsoft.com/office/drawing/2014/main" id="{58535C24-5FA9-C1EA-CC27-38936F8606E8}"/>
+                <a16:creationId xmlns:a16="http://schemas.microsoft.com/office/drawing/2014/main" id="{AAE76EE5-1FA8-0ADB-DB3E-FB8A3859CC50}"/>
               </a:ext>
             </a:extLst>
           </p:cNvPr>
@@ -6022,45 +6470,205 @@
           <a:lstStyle/>
           <a:p>
             <a:r>
-              <a:rPr kumimoji="1" lang="ja-JP" altLang="en-US">
-                <a:latin typeface="Meiryo UI" panose="020B0604030504040204" pitchFamily="34" charset="-128"/>
-                <a:ea typeface="Meiryo UI" panose="020B0604030504040204" pitchFamily="34" charset="-128"/>
-              </a:rPr>
-              <a:t>質問と回答の生成</a:t>
+              <a:rPr kumimoji="1" lang="en-US" altLang="ja-JP" dirty="0"/>
+              <a:t>TIPS</a:t>
+            </a:r>
+            <a:r>
+              <a:rPr lang="en-US" altLang="ja-JP" dirty="0"/>
+              <a:t>1 </a:t>
+            </a:r>
+            <a:r>
+              <a:rPr lang="ja-JP" altLang="en-US"/>
+              <a:t>アップロードする単語の</a:t>
+            </a:r>
+            <a:r>
+              <a:rPr lang="en-US" altLang="ja-JP" dirty="0"/>
+              <a:t>csv</a:t>
+            </a:r>
+            <a:r>
+              <a:rPr lang="ja-JP" altLang="en-US"/>
+              <a:t>をエクセルで作ると楽</a:t>
             </a:r>
             <a:endParaRPr kumimoji="1" lang="ja-JP" altLang="en-US"/>
           </a:p>
         </p:txBody>
       </p:sp>
-      <p:sp>
-        <p:nvSpPr>
-          <p:cNvPr id="3" name="コンテンツ プレースホルダー 2">
-            <a:extLst>
-              <a:ext uri="{FF2B5EF4-FFF2-40B4-BE49-F238E27FC236}">
-                <a16:creationId xmlns:a16="http://schemas.microsoft.com/office/drawing/2014/main" id="{2FBE2378-FBCF-4CC8-B1D7-3167E4EDDA4F}"/>
-              </a:ext>
-            </a:extLst>
-          </p:cNvPr>
-          <p:cNvSpPr>
-            <a:spLocks noGrp="1"/>
-          </p:cNvSpPr>
+      <p:pic>
+        <p:nvPicPr>
+          <p:cNvPr id="7" name="図 6" descr="グラフィカル ユーザー インターフェイス, アプリケーション&#10;&#10;自動的に生成された説明">
+            <a:extLst>
+              <a:ext uri="{FF2B5EF4-FFF2-40B4-BE49-F238E27FC236}">
+                <a16:creationId xmlns:a16="http://schemas.microsoft.com/office/drawing/2014/main" id="{C359D954-5C86-1243-D704-55D4B4616232}"/>
+              </a:ext>
+            </a:extLst>
+          </p:cNvPr>
+          <p:cNvPicPr>
+            <a:picLocks noChangeAspect="1"/>
+          </p:cNvPicPr>
+          <p:nvPr/>
+        </p:nvPicPr>
+        <p:blipFill>
+          <a:blip r:embed="rId2"/>
+          <a:srcRect l="13803" t="61086"/>
+          <a:stretch/>
+        </p:blipFill>
+        <p:spPr>
+          <a:xfrm>
+            <a:off x="1066798" y="4535179"/>
+            <a:ext cx="5555412" cy="1396806"/>
+          </a:xfrm>
+          <a:prstGeom prst="rect">
+            <a:avLst/>
+          </a:prstGeom>
+        </p:spPr>
+      </p:pic>
+      <p:sp>
+        <p:nvSpPr>
+          <p:cNvPr id="8" name="テキスト ボックス 7">
+            <a:extLst>
+              <a:ext uri="{FF2B5EF4-FFF2-40B4-BE49-F238E27FC236}">
+                <a16:creationId xmlns:a16="http://schemas.microsoft.com/office/drawing/2014/main" id="{A70C5AA1-8AA6-FBF2-FA9E-267467830DAC}"/>
+              </a:ext>
+            </a:extLst>
+          </p:cNvPr>
+          <p:cNvSpPr txBox="1"/>
+          <p:nvPr/>
+        </p:nvSpPr>
+        <p:spPr>
+          <a:xfrm>
+            <a:off x="7435969" y="2228671"/>
+            <a:ext cx="3623094" cy="1200329"/>
+          </a:xfrm>
+          <a:prstGeom prst="rect">
+            <a:avLst/>
+          </a:prstGeom>
+          <a:noFill/>
+        </p:spPr>
+        <p:txBody>
+          <a:bodyPr wrap="square" rtlCol="0">
+            <a:spAutoFit/>
+          </a:bodyPr>
+          <a:lstStyle/>
+          <a:p>
+            <a:r>
+              <a:rPr kumimoji="1" lang="ja-JP" altLang="en-US"/>
+              <a:t>ヘッダーは</a:t>
+            </a:r>
+            <a:r>
+              <a:rPr kumimoji="1" lang="en-US" altLang="ja-JP" dirty="0" err="1"/>
+              <a:t>format.csv</a:t>
+            </a:r>
+            <a:r>
+              <a:rPr kumimoji="1" lang="ja-JP" altLang="en-US"/>
+              <a:t>から変えずに</a:t>
+            </a:r>
+            <a:r>
+              <a:rPr lang="ja-JP" altLang="en-US"/>
+              <a:t>。</a:t>
+            </a:r>
+            <a:endParaRPr lang="en-US" altLang="ja-JP" dirty="0"/>
+          </a:p>
+          <a:p>
+            <a:r>
+              <a:rPr kumimoji="1" lang="ja-JP" altLang="en-US"/>
+              <a:t>その下に追加したい単語とその情報を書いていく</a:t>
+            </a:r>
+            <a:endParaRPr kumimoji="1" lang="en-US" altLang="ja-JP" dirty="0"/>
+          </a:p>
+        </p:txBody>
+      </p:sp>
+      <p:pic>
+        <p:nvPicPr>
+          <p:cNvPr id="12" name="コンテンツ プレースホルダー 11" descr="テーブル&#10;&#10;自動的に生成された説明">
+            <a:extLst>
+              <a:ext uri="{FF2B5EF4-FFF2-40B4-BE49-F238E27FC236}">
+                <a16:creationId xmlns:a16="http://schemas.microsoft.com/office/drawing/2014/main" id="{98C0BD58-A5AC-8A4E-6C54-7478EE2EF035}"/>
+              </a:ext>
+            </a:extLst>
+          </p:cNvPr>
+          <p:cNvPicPr>
+            <a:picLocks noGrp="1" noChangeAspect="1"/>
+          </p:cNvPicPr>
           <p:nvPr>
             <p:ph idx="1"/>
           </p:nvPr>
-        </p:nvSpPr>
-        <p:spPr/>
-        <p:txBody>
-          <a:bodyPr/>
-          <a:lstStyle/>
-          <a:p>
-            <a:endParaRPr kumimoji="1" lang="ja-JP" altLang="en-US"/>
+        </p:nvPicPr>
+        <p:blipFill>
+          <a:blip r:embed="rId3"/>
+          <a:stretch>
+            <a:fillRect/>
+          </a:stretch>
+        </p:blipFill>
+        <p:spPr>
+          <a:xfrm>
+            <a:off x="663154" y="2046636"/>
+            <a:ext cx="6362700" cy="1625600"/>
+          </a:xfrm>
+        </p:spPr>
+      </p:pic>
+      <p:sp>
+        <p:nvSpPr>
+          <p:cNvPr id="14" name="テキスト ボックス 13">
+            <a:extLst>
+              <a:ext uri="{FF2B5EF4-FFF2-40B4-BE49-F238E27FC236}">
+                <a16:creationId xmlns:a16="http://schemas.microsoft.com/office/drawing/2014/main" id="{A745A1FD-070D-4A16-578D-8EE416D215DC}"/>
+              </a:ext>
+            </a:extLst>
+          </p:cNvPr>
+          <p:cNvSpPr txBox="1"/>
+          <p:nvPr/>
+        </p:nvSpPr>
+        <p:spPr>
+          <a:xfrm>
+            <a:off x="7312324" y="4771917"/>
+            <a:ext cx="3623094" cy="923330"/>
+          </a:xfrm>
+          <a:prstGeom prst="rect">
+            <a:avLst/>
+          </a:prstGeom>
+          <a:noFill/>
+        </p:spPr>
+        <p:txBody>
+          <a:bodyPr wrap="square" rtlCol="0">
+            <a:spAutoFit/>
+          </a:bodyPr>
+          <a:lstStyle/>
+          <a:p>
+            <a:r>
+              <a:rPr lang="ja-JP" altLang="en-US"/>
+              <a:t>名前をつけて保存→</a:t>
+            </a:r>
+            <a:endParaRPr lang="en-US" altLang="ja-JP" dirty="0"/>
+          </a:p>
+          <a:p>
+            <a:r>
+              <a:rPr kumimoji="1" lang="ja-JP" altLang="en-US"/>
+              <a:t>ファイル形式を</a:t>
+            </a:r>
+            <a:r>
+              <a:rPr lang="ja-JP" altLang="en-US"/>
+              <a:t>コンマ区切りの</a:t>
+            </a:r>
+            <a:r>
+              <a:rPr lang="en-US" altLang="ja-JP" dirty="0"/>
+              <a:t>CSV</a:t>
+            </a:r>
+            <a:r>
+              <a:rPr lang="ja-JP" altLang="en-US"/>
+              <a:t>に指定して保存押せば</a:t>
+            </a:r>
+            <a:r>
+              <a:rPr lang="en-US" altLang="ja-JP" dirty="0"/>
+              <a:t>OK</a:t>
+            </a:r>
+            <a:endParaRPr kumimoji="1" lang="en-US" altLang="ja-JP" dirty="0"/>
           </a:p>
         </p:txBody>
       </p:sp>
     </p:spTree>
     <p:extLst>
       <p:ext uri="{BB962C8B-B14F-4D97-AF65-F5344CB8AC3E}">
-        <p14:creationId xmlns:p14="http://schemas.microsoft.com/office/powerpoint/2010/main" val="3580830091"/>
+        <p14:creationId xmlns:p14="http://schemas.microsoft.com/office/powerpoint/2010/main" val="4113996911"/>
       </p:ext>
     </p:extLst>
   </p:cSld>
@@ -6092,7 +6700,7 @@
           <p:cNvPr id="2" name="タイトル 1">
             <a:extLst>
               <a:ext uri="{FF2B5EF4-FFF2-40B4-BE49-F238E27FC236}">
-                <a16:creationId xmlns:a16="http://schemas.microsoft.com/office/drawing/2014/main" id="{9B2033C8-DB73-10F8-3F34-D2F08BEFDF36}"/>
+                <a16:creationId xmlns:a16="http://schemas.microsoft.com/office/drawing/2014/main" id="{F7832B50-9621-75A6-474C-EB1C73AE882B}"/>
               </a:ext>
             </a:extLst>
           </p:cNvPr>
@@ -6109,13 +6717,19 @@
           <a:lstStyle/>
           <a:p>
             <a:r>
-              <a:rPr lang="ja-JP" altLang="en-US">
-                <a:latin typeface="Meiryo UI" panose="020B0604030504040204" pitchFamily="34" charset="-128"/>
-                <a:ea typeface="Meiryo UI" panose="020B0604030504040204" pitchFamily="34" charset="-128"/>
-              </a:rPr>
-              <a:t>ベクトル化</a:t>
-            </a:r>
-            <a:endParaRPr kumimoji="1" lang="ja-JP" altLang="en-US"/>
+              <a:rPr lang="en-US" altLang="ja-JP" dirty="0">
+                <a:latin typeface="Meiryo UI" panose="020B0604030504040204" pitchFamily="34" charset="-128"/>
+                <a:ea typeface="Meiryo UI" panose="020B0604030504040204" pitchFamily="34" charset="-128"/>
+              </a:rPr>
+              <a:t>3. </a:t>
+            </a:r>
+            <a:r>
+              <a:rPr kumimoji="1" lang="ja-JP" altLang="en-US">
+                <a:latin typeface="Meiryo UI" panose="020B0604030504040204" pitchFamily="34" charset="-128"/>
+                <a:ea typeface="Meiryo UI" panose="020B0604030504040204" pitchFamily="34" charset="-128"/>
+              </a:rPr>
+              <a:t>会話生成</a:t>
+            </a:r>
           </a:p>
         </p:txBody>
       </p:sp>
@@ -6124,7 +6738,7 @@
           <p:cNvPr id="3" name="コンテンツ プレースホルダー 2">
             <a:extLst>
               <a:ext uri="{FF2B5EF4-FFF2-40B4-BE49-F238E27FC236}">
-                <a16:creationId xmlns:a16="http://schemas.microsoft.com/office/drawing/2014/main" id="{A41DF80E-CCFE-E7FC-8FFE-517E07D06BD9}"/>
+                <a16:creationId xmlns:a16="http://schemas.microsoft.com/office/drawing/2014/main" id="{AC0CE64B-0E84-6E36-3643-613E13EE4205}"/>
               </a:ext>
             </a:extLst>
           </p:cNvPr>
@@ -6140,14 +6754,71 @@
           <a:bodyPr/>
           <a:lstStyle/>
           <a:p>
-            <a:endParaRPr kumimoji="1" lang="ja-JP" altLang="en-US"/>
+            <a:pPr marL="514350" indent="-514350">
+              <a:buAutoNum type="arabicPeriod" startAt="4"/>
+            </a:pPr>
+            <a:r>
+              <a:rPr lang="ja-JP" altLang="en-US"/>
+              <a:t>キャラクターのプロンプトを入力します。</a:t>
+            </a:r>
+            <a:r>
+              <a:rPr lang="en-US" altLang="ja-JP" dirty="0"/>
+              <a:t> </a:t>
+            </a:r>
+            <a:r>
+              <a:rPr lang="ja-JP" altLang="en-US"/>
+              <a:t>チャットボットなどの</a:t>
+            </a:r>
+            <a:r>
+              <a:rPr lang="en-US" altLang="ja-JP" dirty="0"/>
+              <a:t>AI</a:t>
+            </a:r>
+            <a:r>
+              <a:rPr lang="ja-JP" altLang="en-US"/>
+              <a:t>側のキャラクターの特徴を指定します。</a:t>
+            </a:r>
+            <a:endParaRPr lang="en-US" altLang="ja-JP" dirty="0"/>
+          </a:p>
+          <a:p>
+            <a:pPr marL="514350" indent="-514350">
+              <a:buAutoNum type="arabicPeriod" startAt="4"/>
+            </a:pPr>
+            <a:r>
+              <a:rPr lang="ja-JP" altLang="en-US"/>
+              <a:t>ユーザーのプロンプトを入力します。チャットボットなどの</a:t>
+            </a:r>
+            <a:r>
+              <a:rPr lang="en-US" altLang="ja-JP" dirty="0"/>
+              <a:t>AI</a:t>
+            </a:r>
+            <a:r>
+              <a:rPr lang="ja-JP" altLang="en-US"/>
+              <a:t>キャラクターと会話を楽しむユーザーを想定しています。ユーザーに限らず、こちらもキャラクター設定にしてキャラクター同士の会話にすることもできます。</a:t>
+            </a:r>
+            <a:endParaRPr lang="en-US" altLang="ja-JP" dirty="0"/>
+          </a:p>
+          <a:p>
+            <a:pPr marL="514350" indent="-514350">
+              <a:buAutoNum type="arabicPeriod" startAt="4"/>
+            </a:pPr>
+            <a:r>
+              <a:rPr lang="ja-JP" altLang="en-US"/>
+              <a:t>会話生成ボタンを押すと会話生成が始まります。</a:t>
+            </a:r>
+            <a:endParaRPr lang="en-US" altLang="ja-JP" dirty="0"/>
+          </a:p>
+          <a:p>
+            <a:pPr marL="514350" indent="-514350">
+              <a:buAutoNum type="arabicPeriod" startAt="4"/>
+            </a:pPr>
+            <a:endParaRPr lang="en-US" altLang="ja-JP" dirty="0"/>
           </a:p>
         </p:txBody>
       </p:sp>
     </p:spTree>
     <p:extLst>
       <p:ext uri="{BB962C8B-B14F-4D97-AF65-F5344CB8AC3E}">
-        <p14:creationId xmlns:p14="http://schemas.microsoft.com/office/powerpoint/2010/main" val="158960971"/>
+        <p14:creationId xmlns:p14="http://schemas.microsoft.com/office/powerpoint/2010/main" val="1216595484"/>
       </p:ext>
     </p:extLst>
   </p:cSld>

--- a/mcrag-app-mcp/sample/MCRAG_mcp_マニュアル.pptx
+++ b/mcrag-app-mcp/sample/MCRAG_mcp_マニュアル.pptx
@@ -210,7 +210,7 @@
           <a:p>
             <a:fld id="{271DE38F-056C-E742-95FA-BC064AF9640D}" type="datetimeFigureOut">
               <a:rPr kumimoji="1" lang="ja-JP" altLang="en-US" smtClean="0"/>
-              <a:t>2024/10/31</a:t>
+              <a:t>2024/11/9</a:t>
             </a:fld>
             <a:endParaRPr kumimoji="1" lang="ja-JP" altLang="en-US"/>
           </a:p>
@@ -740,7 +740,7 @@
           <a:p>
             <a:fld id="{F193BA20-E119-FF4E-9239-C6F5ED46EACD}" type="datetimeFigureOut">
               <a:rPr kumimoji="1" lang="ja-JP" altLang="en-US" smtClean="0"/>
-              <a:t>2024/10/31</a:t>
+              <a:t>2024/11/9</a:t>
             </a:fld>
             <a:endParaRPr kumimoji="1" lang="ja-JP" altLang="en-US"/>
           </a:p>
@@ -970,7 +970,7 @@
           <a:p>
             <a:fld id="{F193BA20-E119-FF4E-9239-C6F5ED46EACD}" type="datetimeFigureOut">
               <a:rPr kumimoji="1" lang="ja-JP" altLang="en-US" smtClean="0"/>
-              <a:t>2024/10/31</a:t>
+              <a:t>2024/11/9</a:t>
             </a:fld>
             <a:endParaRPr kumimoji="1" lang="ja-JP" altLang="en-US"/>
           </a:p>
@@ -1210,7 +1210,7 @@
           <a:p>
             <a:fld id="{F193BA20-E119-FF4E-9239-C6F5ED46EACD}" type="datetimeFigureOut">
               <a:rPr kumimoji="1" lang="ja-JP" altLang="en-US" smtClean="0"/>
-              <a:t>2024/10/31</a:t>
+              <a:t>2024/11/9</a:t>
             </a:fld>
             <a:endParaRPr kumimoji="1" lang="ja-JP" altLang="en-US"/>
           </a:p>
@@ -1440,7 +1440,7 @@
           <a:p>
             <a:fld id="{F193BA20-E119-FF4E-9239-C6F5ED46EACD}" type="datetimeFigureOut">
               <a:rPr kumimoji="1" lang="ja-JP" altLang="en-US" smtClean="0"/>
-              <a:t>2024/10/31</a:t>
+              <a:t>2024/11/9</a:t>
             </a:fld>
             <a:endParaRPr kumimoji="1" lang="ja-JP" altLang="en-US"/>
           </a:p>
@@ -1715,7 +1715,7 @@
           <a:p>
             <a:fld id="{F193BA20-E119-FF4E-9239-C6F5ED46EACD}" type="datetimeFigureOut">
               <a:rPr kumimoji="1" lang="ja-JP" altLang="en-US" smtClean="0"/>
-              <a:t>2024/10/31</a:t>
+              <a:t>2024/11/9</a:t>
             </a:fld>
             <a:endParaRPr kumimoji="1" lang="ja-JP" altLang="en-US"/>
           </a:p>
@@ -2044,7 +2044,7 @@
           <a:p>
             <a:fld id="{F193BA20-E119-FF4E-9239-C6F5ED46EACD}" type="datetimeFigureOut">
               <a:rPr kumimoji="1" lang="ja-JP" altLang="en-US" smtClean="0"/>
-              <a:t>2024/10/31</a:t>
+              <a:t>2024/11/9</a:t>
             </a:fld>
             <a:endParaRPr kumimoji="1" lang="ja-JP" altLang="en-US"/>
           </a:p>
@@ -2520,7 +2520,7 @@
           <a:p>
             <a:fld id="{F193BA20-E119-FF4E-9239-C6F5ED46EACD}" type="datetimeFigureOut">
               <a:rPr kumimoji="1" lang="ja-JP" altLang="en-US" smtClean="0"/>
-              <a:t>2024/10/31</a:t>
+              <a:t>2024/11/9</a:t>
             </a:fld>
             <a:endParaRPr kumimoji="1" lang="ja-JP" altLang="en-US"/>
           </a:p>
@@ -2661,7 +2661,7 @@
           <a:p>
             <a:fld id="{F193BA20-E119-FF4E-9239-C6F5ED46EACD}" type="datetimeFigureOut">
               <a:rPr kumimoji="1" lang="ja-JP" altLang="en-US" smtClean="0"/>
-              <a:t>2024/10/31</a:t>
+              <a:t>2024/11/9</a:t>
             </a:fld>
             <a:endParaRPr kumimoji="1" lang="ja-JP" altLang="en-US"/>
           </a:p>
@@ -2774,7 +2774,7 @@
           <a:p>
             <a:fld id="{F193BA20-E119-FF4E-9239-C6F5ED46EACD}" type="datetimeFigureOut">
               <a:rPr kumimoji="1" lang="ja-JP" altLang="en-US" smtClean="0"/>
-              <a:t>2024/10/31</a:t>
+              <a:t>2024/11/9</a:t>
             </a:fld>
             <a:endParaRPr kumimoji="1" lang="ja-JP" altLang="en-US"/>
           </a:p>
@@ -3117,7 +3117,7 @@
           <a:p>
             <a:fld id="{F193BA20-E119-FF4E-9239-C6F5ED46EACD}" type="datetimeFigureOut">
               <a:rPr kumimoji="1" lang="ja-JP" altLang="en-US" smtClean="0"/>
-              <a:t>2024/10/31</a:t>
+              <a:t>2024/11/9</a:t>
             </a:fld>
             <a:endParaRPr kumimoji="1" lang="ja-JP" altLang="en-US"/>
           </a:p>
@@ -3405,7 +3405,7 @@
           <a:p>
             <a:fld id="{F193BA20-E119-FF4E-9239-C6F5ED46EACD}" type="datetimeFigureOut">
               <a:rPr kumimoji="1" lang="ja-JP" altLang="en-US" smtClean="0"/>
-              <a:t>2024/10/31</a:t>
+              <a:t>2024/11/9</a:t>
             </a:fld>
             <a:endParaRPr kumimoji="1" lang="ja-JP" altLang="en-US"/>
           </a:p>
@@ -3678,7 +3678,7 @@
           <a:p>
             <a:fld id="{F193BA20-E119-FF4E-9239-C6F5ED46EACD}" type="datetimeFigureOut">
               <a:rPr kumimoji="1" lang="ja-JP" altLang="en-US" smtClean="0"/>
-              <a:t>2024/10/31</a:t>
+              <a:t>2024/11/9</a:t>
             </a:fld>
             <a:endParaRPr kumimoji="1" lang="ja-JP" altLang="en-US"/>
           </a:p>
@@ -4292,9 +4292,60 @@
               <a:rPr kumimoji="1" lang="ja-JP" altLang="en-US"/>
               <a:t>先ほどの会話内容を知っていないと答えられない質問と模範解答を生成します</a:t>
             </a:r>
-            <a:endParaRPr kumimoji="1" lang="en-US" altLang="ja-JP"/>
-          </a:p>
-          <a:p>
+            <a:endParaRPr kumimoji="1" lang="en-US" altLang="ja-JP" dirty="0"/>
+          </a:p>
+          <a:p>
+            <a:r>
+              <a:rPr lang="ja-JP" altLang="en-US"/>
+              <a:t>生成する質問は各ワードの</a:t>
+            </a:r>
+            <a:r>
+              <a:rPr lang="en-US" altLang="ja-JP" dirty="0"/>
+              <a:t>2</a:t>
+            </a:r>
+            <a:r>
+              <a:rPr lang="ja-JP" altLang="en-US"/>
+              <a:t>回目以降の会話に対して生成されます。（</a:t>
+            </a:r>
+            <a:r>
+              <a:rPr lang="en-US" altLang="ja-JP" dirty="0"/>
+              <a:t>1</a:t>
+            </a:r>
+            <a:r>
+              <a:rPr lang="ja-JP" altLang="en-US"/>
+              <a:t>つのワードに対して</a:t>
+            </a:r>
+            <a:r>
+              <a:rPr lang="en-US" altLang="ja-JP" dirty="0"/>
+              <a:t>2</a:t>
+            </a:r>
+            <a:r>
+              <a:rPr lang="ja-JP" altLang="en-US"/>
+              <a:t>つ会話履歴がある場合、</a:t>
+            </a:r>
+            <a:r>
+              <a:rPr lang="en-US" altLang="ja-JP" dirty="0"/>
+              <a:t>1</a:t>
+            </a:r>
+            <a:r>
+              <a:rPr lang="ja-JP" altLang="en-US"/>
+              <a:t>つだけ質問が生成される）</a:t>
+            </a:r>
+            <a:endParaRPr kumimoji="1" lang="en-US" altLang="ja-JP" dirty="0"/>
+          </a:p>
+          <a:p>
+            <a:r>
+              <a:rPr kumimoji="1" lang="en-US" altLang="ja-JP" dirty="0"/>
+              <a:t>2</a:t>
+            </a:r>
+            <a:r>
+              <a:rPr kumimoji="1" lang="ja-JP" altLang="en-US"/>
+              <a:t>回目以降の会話は全てワードがマスクされています。しかし質問</a:t>
+            </a:r>
+            <a:r>
+              <a:rPr lang="ja-JP" altLang="en-US"/>
+              <a:t>にはワードが含まれています。</a:t>
+            </a:r>
             <a:endParaRPr kumimoji="1" lang="ja-JP" altLang="en-US"/>
           </a:p>
         </p:txBody>
@@ -6804,6 +6855,32 @@
             <a:r>
               <a:rPr lang="ja-JP" altLang="en-US"/>
               <a:t>会話生成ボタンを押すと会話生成が始まります。</a:t>
+            </a:r>
+            <a:endParaRPr lang="en-US" altLang="ja-JP" dirty="0"/>
+          </a:p>
+          <a:p>
+            <a:pPr marL="514350" indent="-514350">
+              <a:buAutoNum type="arabicPeriod" startAt="4"/>
+            </a:pPr>
+            <a:r>
+              <a:rPr lang="ja-JP" altLang="en-US"/>
+              <a:t>生成される会話は、各ワードの</a:t>
+            </a:r>
+            <a:r>
+              <a:rPr lang="en-US" altLang="ja-JP" dirty="0"/>
+              <a:t>1</a:t>
+            </a:r>
+            <a:r>
+              <a:rPr lang="ja-JP" altLang="en-US"/>
+              <a:t>回目の会話はワードがそのまま表示されますが</a:t>
+            </a:r>
+            <a:r>
+              <a:rPr lang="en-US" altLang="ja-JP" dirty="0"/>
+              <a:t>2</a:t>
+            </a:r>
+            <a:r>
+              <a:rPr lang="ja-JP" altLang="en-US"/>
+              <a:t>回目以降の会話はそのワードが指示代名詞にマスクされます。</a:t>
             </a:r>
             <a:endParaRPr lang="en-US" altLang="ja-JP" dirty="0"/>
           </a:p>

--- a/mcrag-app-mcp/sample/MCRAG_mcp_マニュアル.pptx
+++ b/mcrag-app-mcp/sample/MCRAG_mcp_マニュアル.pptx
@@ -5,23 +5,25 @@
     <p:sldMasterId id="2147483648" r:id="rId1"/>
   </p:sldMasterIdLst>
   <p:notesMasterIdLst>
-    <p:notesMasterId r:id="rId16"/>
+    <p:notesMasterId r:id="rId18"/>
   </p:notesMasterIdLst>
   <p:sldIdLst>
     <p:sldId id="256" r:id="rId2"/>
     <p:sldId id="266" r:id="rId3"/>
-    <p:sldId id="268" r:id="rId4"/>
-    <p:sldId id="264" r:id="rId5"/>
-    <p:sldId id="257" r:id="rId6"/>
-    <p:sldId id="265" r:id="rId7"/>
-    <p:sldId id="267" r:id="rId8"/>
-    <p:sldId id="269" r:id="rId9"/>
-    <p:sldId id="258" r:id="rId10"/>
-    <p:sldId id="259" r:id="rId11"/>
-    <p:sldId id="261" r:id="rId12"/>
-    <p:sldId id="260" r:id="rId13"/>
-    <p:sldId id="262" r:id="rId14"/>
-    <p:sldId id="263" r:id="rId15"/>
+    <p:sldId id="271" r:id="rId4"/>
+    <p:sldId id="268" r:id="rId5"/>
+    <p:sldId id="264" r:id="rId6"/>
+    <p:sldId id="257" r:id="rId7"/>
+    <p:sldId id="265" r:id="rId8"/>
+    <p:sldId id="267" r:id="rId9"/>
+    <p:sldId id="269" r:id="rId10"/>
+    <p:sldId id="258" r:id="rId11"/>
+    <p:sldId id="259" r:id="rId12"/>
+    <p:sldId id="261" r:id="rId13"/>
+    <p:sldId id="260" r:id="rId14"/>
+    <p:sldId id="262" r:id="rId15"/>
+    <p:sldId id="263" r:id="rId16"/>
+    <p:sldId id="270" r:id="rId17"/>
   </p:sldIdLst>
   <p:sldSz cx="12192000" cy="6858000"/>
   <p:notesSz cx="6858000" cy="9144000"/>
@@ -210,7 +212,7 @@
           <a:p>
             <a:fld id="{271DE38F-056C-E742-95FA-BC064AF9640D}" type="datetimeFigureOut">
               <a:rPr kumimoji="1" lang="ja-JP" altLang="en-US" smtClean="0"/>
-              <a:t>2024/11/9</a:t>
+              <a:t>2025/1/31</a:t>
             </a:fld>
             <a:endParaRPr kumimoji="1" lang="ja-JP" altLang="en-US"/>
           </a:p>
@@ -740,7 +742,7 @@
           <a:p>
             <a:fld id="{F193BA20-E119-FF4E-9239-C6F5ED46EACD}" type="datetimeFigureOut">
               <a:rPr kumimoji="1" lang="ja-JP" altLang="en-US" smtClean="0"/>
-              <a:t>2024/11/9</a:t>
+              <a:t>2025/1/31</a:t>
             </a:fld>
             <a:endParaRPr kumimoji="1" lang="ja-JP" altLang="en-US"/>
           </a:p>
@@ -970,7 +972,7 @@
           <a:p>
             <a:fld id="{F193BA20-E119-FF4E-9239-C6F5ED46EACD}" type="datetimeFigureOut">
               <a:rPr kumimoji="1" lang="ja-JP" altLang="en-US" smtClean="0"/>
-              <a:t>2024/11/9</a:t>
+              <a:t>2025/1/31</a:t>
             </a:fld>
             <a:endParaRPr kumimoji="1" lang="ja-JP" altLang="en-US"/>
           </a:p>
@@ -1210,7 +1212,7 @@
           <a:p>
             <a:fld id="{F193BA20-E119-FF4E-9239-C6F5ED46EACD}" type="datetimeFigureOut">
               <a:rPr kumimoji="1" lang="ja-JP" altLang="en-US" smtClean="0"/>
-              <a:t>2024/11/9</a:t>
+              <a:t>2025/1/31</a:t>
             </a:fld>
             <a:endParaRPr kumimoji="1" lang="ja-JP" altLang="en-US"/>
           </a:p>
@@ -1440,7 +1442,7 @@
           <a:p>
             <a:fld id="{F193BA20-E119-FF4E-9239-C6F5ED46EACD}" type="datetimeFigureOut">
               <a:rPr kumimoji="1" lang="ja-JP" altLang="en-US" smtClean="0"/>
-              <a:t>2024/11/9</a:t>
+              <a:t>2025/1/31</a:t>
             </a:fld>
             <a:endParaRPr kumimoji="1" lang="ja-JP" altLang="en-US"/>
           </a:p>
@@ -1715,7 +1717,7 @@
           <a:p>
             <a:fld id="{F193BA20-E119-FF4E-9239-C6F5ED46EACD}" type="datetimeFigureOut">
               <a:rPr kumimoji="1" lang="ja-JP" altLang="en-US" smtClean="0"/>
-              <a:t>2024/11/9</a:t>
+              <a:t>2025/1/31</a:t>
             </a:fld>
             <a:endParaRPr kumimoji="1" lang="ja-JP" altLang="en-US"/>
           </a:p>
@@ -2044,7 +2046,7 @@
           <a:p>
             <a:fld id="{F193BA20-E119-FF4E-9239-C6F5ED46EACD}" type="datetimeFigureOut">
               <a:rPr kumimoji="1" lang="ja-JP" altLang="en-US" smtClean="0"/>
-              <a:t>2024/11/9</a:t>
+              <a:t>2025/1/31</a:t>
             </a:fld>
             <a:endParaRPr kumimoji="1" lang="ja-JP" altLang="en-US"/>
           </a:p>
@@ -2520,7 +2522,7 @@
           <a:p>
             <a:fld id="{F193BA20-E119-FF4E-9239-C6F5ED46EACD}" type="datetimeFigureOut">
               <a:rPr kumimoji="1" lang="ja-JP" altLang="en-US" smtClean="0"/>
-              <a:t>2024/11/9</a:t>
+              <a:t>2025/1/31</a:t>
             </a:fld>
             <a:endParaRPr kumimoji="1" lang="ja-JP" altLang="en-US"/>
           </a:p>
@@ -2661,7 +2663,7 @@
           <a:p>
             <a:fld id="{F193BA20-E119-FF4E-9239-C6F5ED46EACD}" type="datetimeFigureOut">
               <a:rPr kumimoji="1" lang="ja-JP" altLang="en-US" smtClean="0"/>
-              <a:t>2024/11/9</a:t>
+              <a:t>2025/1/31</a:t>
             </a:fld>
             <a:endParaRPr kumimoji="1" lang="ja-JP" altLang="en-US"/>
           </a:p>
@@ -2774,7 +2776,7 @@
           <a:p>
             <a:fld id="{F193BA20-E119-FF4E-9239-C6F5ED46EACD}" type="datetimeFigureOut">
               <a:rPr kumimoji="1" lang="ja-JP" altLang="en-US" smtClean="0"/>
-              <a:t>2024/11/9</a:t>
+              <a:t>2025/1/31</a:t>
             </a:fld>
             <a:endParaRPr kumimoji="1" lang="ja-JP" altLang="en-US"/>
           </a:p>
@@ -3117,7 +3119,7 @@
           <a:p>
             <a:fld id="{F193BA20-E119-FF4E-9239-C6F5ED46EACD}" type="datetimeFigureOut">
               <a:rPr kumimoji="1" lang="ja-JP" altLang="en-US" smtClean="0"/>
-              <a:t>2024/11/9</a:t>
+              <a:t>2025/1/31</a:t>
             </a:fld>
             <a:endParaRPr kumimoji="1" lang="ja-JP" altLang="en-US"/>
           </a:p>
@@ -3405,7 +3407,7 @@
           <a:p>
             <a:fld id="{F193BA20-E119-FF4E-9239-C6F5ED46EACD}" type="datetimeFigureOut">
               <a:rPr kumimoji="1" lang="ja-JP" altLang="en-US" smtClean="0"/>
-              <a:t>2024/11/9</a:t>
+              <a:t>2025/1/31</a:t>
             </a:fld>
             <a:endParaRPr kumimoji="1" lang="ja-JP" altLang="en-US"/>
           </a:p>
@@ -3678,7 +3680,7 @@
           <a:p>
             <a:fld id="{F193BA20-E119-FF4E-9239-C6F5ED46EACD}" type="datetimeFigureOut">
               <a:rPr kumimoji="1" lang="ja-JP" altLang="en-US" smtClean="0"/>
-              <a:t>2024/11/9</a:t>
+              <a:t>2025/1/31</a:t>
             </a:fld>
             <a:endParaRPr kumimoji="1" lang="ja-JP" altLang="en-US"/>
           </a:p>
@@ -4233,7 +4235,7 @@
           <p:cNvPr id="2" name="タイトル 1">
             <a:extLst>
               <a:ext uri="{FF2B5EF4-FFF2-40B4-BE49-F238E27FC236}">
-                <a16:creationId xmlns:a16="http://schemas.microsoft.com/office/drawing/2014/main" id="{58535C24-5FA9-C1EA-CC27-38936F8606E8}"/>
+                <a16:creationId xmlns:a16="http://schemas.microsoft.com/office/drawing/2014/main" id="{F7832B50-9621-75A6-474C-EB1C73AE882B}"/>
               </a:ext>
             </a:extLst>
           </p:cNvPr>
@@ -4250,13 +4252,19 @@
           <a:lstStyle/>
           <a:p>
             <a:r>
+              <a:rPr lang="en-US" altLang="ja-JP" dirty="0">
+                <a:latin typeface="Meiryo UI" panose="020B0604030504040204" pitchFamily="34" charset="-128"/>
+                <a:ea typeface="Meiryo UI" panose="020B0604030504040204" pitchFamily="34" charset="-128"/>
+              </a:rPr>
+              <a:t>3. </a:t>
+            </a:r>
+            <a:r>
               <a:rPr kumimoji="1" lang="ja-JP" altLang="en-US">
                 <a:latin typeface="Meiryo UI" panose="020B0604030504040204" pitchFamily="34" charset="-128"/>
                 <a:ea typeface="Meiryo UI" panose="020B0604030504040204" pitchFamily="34" charset="-128"/>
               </a:rPr>
-              <a:t>質問と回答の生成</a:t>
-            </a:r>
-            <a:endParaRPr kumimoji="1" lang="ja-JP" altLang="en-US"/>
+              <a:t>会話生成</a:t>
+            </a:r>
           </a:p>
         </p:txBody>
       </p:sp>
@@ -4265,7 +4273,7 @@
           <p:cNvPr id="3" name="コンテンツ プレースホルダー 2">
             <a:extLst>
               <a:ext uri="{FF2B5EF4-FFF2-40B4-BE49-F238E27FC236}">
-                <a16:creationId xmlns:a16="http://schemas.microsoft.com/office/drawing/2014/main" id="{2FBE2378-FBCF-4CC8-B1D7-3167E4EDDA4F}"/>
+                <a16:creationId xmlns:a16="http://schemas.microsoft.com/office/drawing/2014/main" id="{AC0CE64B-0E84-6E36-3643-613E13EE4205}"/>
               </a:ext>
             </a:extLst>
           </p:cNvPr>
@@ -4281,79 +4289,154 @@
           <a:bodyPr/>
           <a:lstStyle/>
           <a:p>
-            <a:r>
-              <a:rPr lang="ja-JP" altLang="en-US"/>
-              <a:t>会話生成で使ったタスク名を入力してボタンを押します</a:t>
-            </a:r>
-            <a:endParaRPr lang="en-US" altLang="ja-JP" dirty="0"/>
-          </a:p>
-          <a:p>
-            <a:r>
-              <a:rPr kumimoji="1" lang="ja-JP" altLang="en-US"/>
-              <a:t>先ほどの会話内容を知っていないと答えられない質問と模範解答を生成します</a:t>
-            </a:r>
-            <a:endParaRPr kumimoji="1" lang="en-US" altLang="ja-JP" dirty="0"/>
-          </a:p>
-          <a:p>
-            <a:r>
-              <a:rPr lang="ja-JP" altLang="en-US"/>
-              <a:t>生成する質問は各ワードの</a:t>
-            </a:r>
-            <a:r>
-              <a:rPr lang="en-US" altLang="ja-JP" dirty="0"/>
+            <a:pPr marL="514350" indent="-514350">
+              <a:buAutoNum type="arabicPeriod" startAt="4"/>
+            </a:pPr>
+            <a:r>
+              <a:rPr lang="ja-JP" altLang="en-US">
+                <a:latin typeface="Meiryo UI" panose="020B0604030504040204" pitchFamily="34" charset="-128"/>
+                <a:ea typeface="Meiryo UI" panose="020B0604030504040204" pitchFamily="34" charset="-128"/>
+              </a:rPr>
+              <a:t>キャラクターのプロンプトを入力します。</a:t>
+            </a:r>
+            <a:r>
+              <a:rPr lang="en-US" altLang="ja-JP" dirty="0">
+                <a:latin typeface="Meiryo UI" panose="020B0604030504040204" pitchFamily="34" charset="-128"/>
+                <a:ea typeface="Meiryo UI" panose="020B0604030504040204" pitchFamily="34" charset="-128"/>
+              </a:rPr>
+              <a:t> </a:t>
+            </a:r>
+            <a:r>
+              <a:rPr lang="ja-JP" altLang="en-US">
+                <a:latin typeface="Meiryo UI" panose="020B0604030504040204" pitchFamily="34" charset="-128"/>
+                <a:ea typeface="Meiryo UI" panose="020B0604030504040204" pitchFamily="34" charset="-128"/>
+              </a:rPr>
+              <a:t>チャットボットなどの</a:t>
+            </a:r>
+            <a:r>
+              <a:rPr lang="en-US" altLang="ja-JP" dirty="0">
+                <a:latin typeface="Meiryo UI" panose="020B0604030504040204" pitchFamily="34" charset="-128"/>
+                <a:ea typeface="Meiryo UI" panose="020B0604030504040204" pitchFamily="34" charset="-128"/>
+              </a:rPr>
+              <a:t>AI</a:t>
+            </a:r>
+            <a:r>
+              <a:rPr lang="ja-JP" altLang="en-US">
+                <a:latin typeface="Meiryo UI" panose="020B0604030504040204" pitchFamily="34" charset="-128"/>
+                <a:ea typeface="Meiryo UI" panose="020B0604030504040204" pitchFamily="34" charset="-128"/>
+              </a:rPr>
+              <a:t>側のキャラクターの特徴を指定します。</a:t>
+            </a:r>
+            <a:endParaRPr lang="en-US" altLang="ja-JP" dirty="0">
+              <a:latin typeface="Meiryo UI" panose="020B0604030504040204" pitchFamily="34" charset="-128"/>
+              <a:ea typeface="Meiryo UI" panose="020B0604030504040204" pitchFamily="34" charset="-128"/>
+            </a:endParaRPr>
+          </a:p>
+          <a:p>
+            <a:pPr marL="514350" indent="-514350">
+              <a:buAutoNum type="arabicPeriod" startAt="4"/>
+            </a:pPr>
+            <a:r>
+              <a:rPr lang="ja-JP" altLang="en-US">
+                <a:latin typeface="Meiryo UI" panose="020B0604030504040204" pitchFamily="34" charset="-128"/>
+                <a:ea typeface="Meiryo UI" panose="020B0604030504040204" pitchFamily="34" charset="-128"/>
+              </a:rPr>
+              <a:t>ユーザーのプロンプトを入力します。チャットボットなどの</a:t>
+            </a:r>
+            <a:r>
+              <a:rPr lang="en-US" altLang="ja-JP" dirty="0">
+                <a:latin typeface="Meiryo UI" panose="020B0604030504040204" pitchFamily="34" charset="-128"/>
+                <a:ea typeface="Meiryo UI" panose="020B0604030504040204" pitchFamily="34" charset="-128"/>
+              </a:rPr>
+              <a:t>AI</a:t>
+            </a:r>
+            <a:r>
+              <a:rPr lang="ja-JP" altLang="en-US">
+                <a:latin typeface="Meiryo UI" panose="020B0604030504040204" pitchFamily="34" charset="-128"/>
+                <a:ea typeface="Meiryo UI" panose="020B0604030504040204" pitchFamily="34" charset="-128"/>
+              </a:rPr>
+              <a:t>キャラクターと会話を楽しむユーザーを想定しています。ユーザーに限らず、こちらもキャラクター設定にしてキャラクター同士の会話にすることもできます。</a:t>
+            </a:r>
+            <a:endParaRPr lang="en-US" altLang="ja-JP" dirty="0">
+              <a:latin typeface="Meiryo UI" panose="020B0604030504040204" pitchFamily="34" charset="-128"/>
+              <a:ea typeface="Meiryo UI" panose="020B0604030504040204" pitchFamily="34" charset="-128"/>
+            </a:endParaRPr>
+          </a:p>
+          <a:p>
+            <a:pPr marL="514350" indent="-514350">
+              <a:buAutoNum type="arabicPeriod" startAt="4"/>
+            </a:pPr>
+            <a:r>
+              <a:rPr lang="ja-JP" altLang="en-US">
+                <a:latin typeface="Meiryo UI" panose="020B0604030504040204" pitchFamily="34" charset="-128"/>
+                <a:ea typeface="Meiryo UI" panose="020B0604030504040204" pitchFamily="34" charset="-128"/>
+              </a:rPr>
+              <a:t>会話生成ボタンを押すと会話生成が始まります。</a:t>
+            </a:r>
+            <a:endParaRPr lang="en-US" altLang="ja-JP" dirty="0">
+              <a:latin typeface="Meiryo UI" panose="020B0604030504040204" pitchFamily="34" charset="-128"/>
+              <a:ea typeface="Meiryo UI" panose="020B0604030504040204" pitchFamily="34" charset="-128"/>
+            </a:endParaRPr>
+          </a:p>
+          <a:p>
+            <a:pPr marL="514350" indent="-514350">
+              <a:buAutoNum type="arabicPeriod" startAt="4"/>
+            </a:pPr>
+            <a:r>
+              <a:rPr lang="ja-JP" altLang="en-US">
+                <a:latin typeface="Meiryo UI" panose="020B0604030504040204" pitchFamily="34" charset="-128"/>
+                <a:ea typeface="Meiryo UI" panose="020B0604030504040204" pitchFamily="34" charset="-128"/>
+              </a:rPr>
+              <a:t>生成される会話は、各ワードの</a:t>
+            </a:r>
+            <a:r>
+              <a:rPr lang="en-US" altLang="ja-JP" dirty="0">
+                <a:latin typeface="Meiryo UI" panose="020B0604030504040204" pitchFamily="34" charset="-128"/>
+                <a:ea typeface="Meiryo UI" panose="020B0604030504040204" pitchFamily="34" charset="-128"/>
+              </a:rPr>
+              <a:t>1</a:t>
+            </a:r>
+            <a:r>
+              <a:rPr lang="ja-JP" altLang="en-US">
+                <a:latin typeface="Meiryo UI" panose="020B0604030504040204" pitchFamily="34" charset="-128"/>
+                <a:ea typeface="Meiryo UI" panose="020B0604030504040204" pitchFamily="34" charset="-128"/>
+              </a:rPr>
+              <a:t>回目の会話はワードがそのまま表示されますが</a:t>
+            </a:r>
+            <a:r>
+              <a:rPr lang="en-US" altLang="ja-JP" dirty="0">
+                <a:latin typeface="Meiryo UI" panose="020B0604030504040204" pitchFamily="34" charset="-128"/>
+                <a:ea typeface="Meiryo UI" panose="020B0604030504040204" pitchFamily="34" charset="-128"/>
+              </a:rPr>
               <a:t>2</a:t>
             </a:r>
             <a:r>
-              <a:rPr lang="ja-JP" altLang="en-US"/>
-              <a:t>回目以降の会話に対して生成されます。（</a:t>
-            </a:r>
-            <a:r>
-              <a:rPr lang="en-US" altLang="ja-JP" dirty="0"/>
-              <a:t>1</a:t>
-            </a:r>
-            <a:r>
-              <a:rPr lang="ja-JP" altLang="en-US"/>
-              <a:t>つのワードに対して</a:t>
-            </a:r>
-            <a:r>
-              <a:rPr lang="en-US" altLang="ja-JP" dirty="0"/>
-              <a:t>2</a:t>
-            </a:r>
-            <a:r>
-              <a:rPr lang="ja-JP" altLang="en-US"/>
-              <a:t>つ会話履歴がある場合、</a:t>
-            </a:r>
-            <a:r>
-              <a:rPr lang="en-US" altLang="ja-JP" dirty="0"/>
-              <a:t>1</a:t>
-            </a:r>
-            <a:r>
-              <a:rPr lang="ja-JP" altLang="en-US"/>
-              <a:t>つだけ質問が生成される）</a:t>
-            </a:r>
-            <a:endParaRPr kumimoji="1" lang="en-US" altLang="ja-JP" dirty="0"/>
-          </a:p>
-          <a:p>
-            <a:r>
-              <a:rPr kumimoji="1" lang="en-US" altLang="ja-JP" dirty="0"/>
-              <a:t>2</a:t>
-            </a:r>
-            <a:r>
-              <a:rPr kumimoji="1" lang="ja-JP" altLang="en-US"/>
-              <a:t>回目以降の会話は全てワードがマスクされています。しかし質問</a:t>
-            </a:r>
-            <a:r>
-              <a:rPr lang="ja-JP" altLang="en-US"/>
-              <a:t>にはワードが含まれています。</a:t>
-            </a:r>
-            <a:endParaRPr kumimoji="1" lang="ja-JP" altLang="en-US"/>
+              <a:rPr lang="ja-JP" altLang="en-US">
+                <a:latin typeface="Meiryo UI" panose="020B0604030504040204" pitchFamily="34" charset="-128"/>
+                <a:ea typeface="Meiryo UI" panose="020B0604030504040204" pitchFamily="34" charset="-128"/>
+              </a:rPr>
+              <a:t>回目以降の会話はそのワードが指示代名詞にマスクされます。</a:t>
+            </a:r>
+            <a:endParaRPr lang="en-US" altLang="ja-JP" dirty="0">
+              <a:latin typeface="Meiryo UI" panose="020B0604030504040204" pitchFamily="34" charset="-128"/>
+              <a:ea typeface="Meiryo UI" panose="020B0604030504040204" pitchFamily="34" charset="-128"/>
+            </a:endParaRPr>
+          </a:p>
+          <a:p>
+            <a:pPr marL="514350" indent="-514350">
+              <a:buAutoNum type="arabicPeriod" startAt="4"/>
+            </a:pPr>
+            <a:endParaRPr lang="en-US" altLang="ja-JP" dirty="0">
+              <a:latin typeface="Meiryo UI" panose="020B0604030504040204" pitchFamily="34" charset="-128"/>
+              <a:ea typeface="Meiryo UI" panose="020B0604030504040204" pitchFamily="34" charset="-128"/>
+            </a:endParaRPr>
           </a:p>
         </p:txBody>
       </p:sp>
     </p:spTree>
     <p:extLst>
       <p:ext uri="{BB962C8B-B14F-4D97-AF65-F5344CB8AC3E}">
-        <p14:creationId xmlns:p14="http://schemas.microsoft.com/office/powerpoint/2010/main" val="3580830091"/>
+        <p14:creationId xmlns:p14="http://schemas.microsoft.com/office/powerpoint/2010/main" val="1216595484"/>
       </p:ext>
     </p:extLst>
   </p:cSld>
@@ -4385,7 +4468,7 @@
           <p:cNvPr id="2" name="タイトル 1">
             <a:extLst>
               <a:ext uri="{FF2B5EF4-FFF2-40B4-BE49-F238E27FC236}">
-                <a16:creationId xmlns:a16="http://schemas.microsoft.com/office/drawing/2014/main" id="{9B2033C8-DB73-10F8-3F34-D2F08BEFDF36}"/>
+                <a16:creationId xmlns:a16="http://schemas.microsoft.com/office/drawing/2014/main" id="{58535C24-5FA9-C1EA-CC27-38936F8606E8}"/>
               </a:ext>
             </a:extLst>
           </p:cNvPr>
@@ -4402,11 +4485,11 @@
           <a:lstStyle/>
           <a:p>
             <a:r>
-              <a:rPr lang="ja-JP" altLang="en-US">
-                <a:latin typeface="Meiryo UI" panose="020B0604030504040204" pitchFamily="34" charset="-128"/>
-                <a:ea typeface="Meiryo UI" panose="020B0604030504040204" pitchFamily="34" charset="-128"/>
-              </a:rPr>
-              <a:t>ベクトル化</a:t>
+              <a:rPr kumimoji="1" lang="ja-JP" altLang="en-US">
+                <a:latin typeface="Meiryo UI" panose="020B0604030504040204" pitchFamily="34" charset="-128"/>
+                <a:ea typeface="Meiryo UI" panose="020B0604030504040204" pitchFamily="34" charset="-128"/>
+              </a:rPr>
+              <a:t>質問と回答の生成</a:t>
             </a:r>
             <a:endParaRPr kumimoji="1" lang="ja-JP" altLang="en-US"/>
           </a:p>
@@ -4417,7 +4500,7 @@
           <p:cNvPr id="3" name="コンテンツ プレースホルダー 2">
             <a:extLst>
               <a:ext uri="{FF2B5EF4-FFF2-40B4-BE49-F238E27FC236}">
-                <a16:creationId xmlns:a16="http://schemas.microsoft.com/office/drawing/2014/main" id="{A41DF80E-CCFE-E7FC-8FFE-517E07D06BD9}"/>
+                <a16:creationId xmlns:a16="http://schemas.microsoft.com/office/drawing/2014/main" id="{2FBE2378-FBCF-4CC8-B1D7-3167E4EDDA4F}"/>
               </a:ext>
             </a:extLst>
           </p:cNvPr>
@@ -4434,58 +4517,132 @@
           <a:lstStyle/>
           <a:p>
             <a:r>
-              <a:rPr kumimoji="1" lang="ja-JP" altLang="en-US"/>
-              <a:t>会話生成で生成した会話をベクトル化します。</a:t>
-            </a:r>
-            <a:endParaRPr kumimoji="1" lang="en-US" altLang="ja-JP" dirty="0"/>
-          </a:p>
-          <a:p>
-            <a:r>
-              <a:rPr kumimoji="1" lang="en" altLang="ja-JP" dirty="0"/>
-              <a:t>Embedding</a:t>
-            </a:r>
-            <a:r>
-              <a:rPr kumimoji="1" lang="ja-JP" altLang="en-US"/>
-              <a:t>は</a:t>
-            </a:r>
-            <a:r>
-              <a:rPr kumimoji="1" lang="en" altLang="ja-JP" dirty="0"/>
-              <a:t>text-embedding-3-large</a:t>
-            </a:r>
-            <a:r>
-              <a:rPr kumimoji="1" lang="ja-JP" altLang="en-US"/>
-              <a:t>を使用しています。</a:t>
-            </a:r>
-            <a:endParaRPr kumimoji="1" lang="en-US" altLang="ja-JP" dirty="0"/>
-          </a:p>
-          <a:p>
-            <a:r>
-              <a:rPr kumimoji="1" lang="ja-JP" altLang="en-US"/>
-              <a:t>インデックスは</a:t>
-            </a:r>
-            <a:r>
-              <a:rPr kumimoji="1" lang="en-US" altLang="ja-JP" dirty="0"/>
-              <a:t>FAISS</a:t>
-            </a:r>
-            <a:r>
-              <a:rPr kumimoji="1" lang="ja-JP" altLang="en-US"/>
-              <a:t>を使用して</a:t>
-            </a:r>
-            <a:r>
-              <a:rPr kumimoji="1" lang="en-US" altLang="ja-JP" dirty="0"/>
-              <a:t>SQLite</a:t>
-            </a:r>
-            <a:r>
-              <a:rPr kumimoji="1" lang="ja-JP" altLang="en-US"/>
-              <a:t>のテーブルに保存しています。そのため同じタスクの会話履歴の更新はできません。</a:t>
-            </a:r>
+              <a:rPr lang="ja-JP" altLang="en-US">
+                <a:latin typeface="Meiryo UI" panose="020B0604030504040204" pitchFamily="34" charset="-128"/>
+                <a:ea typeface="Meiryo UI" panose="020B0604030504040204" pitchFamily="34" charset="-128"/>
+              </a:rPr>
+              <a:t>会話生成で使ったタスク名を入力してボタンを押します</a:t>
+            </a:r>
+            <a:endParaRPr lang="en-US" altLang="ja-JP" dirty="0">
+              <a:latin typeface="Meiryo UI" panose="020B0604030504040204" pitchFamily="34" charset="-128"/>
+              <a:ea typeface="Meiryo UI" panose="020B0604030504040204" pitchFamily="34" charset="-128"/>
+            </a:endParaRPr>
+          </a:p>
+          <a:p>
+            <a:r>
+              <a:rPr kumimoji="1" lang="ja-JP" altLang="en-US">
+                <a:latin typeface="Meiryo UI" panose="020B0604030504040204" pitchFamily="34" charset="-128"/>
+                <a:ea typeface="Meiryo UI" panose="020B0604030504040204" pitchFamily="34" charset="-128"/>
+              </a:rPr>
+              <a:t>先ほどの会話内容を知っていないと答えられない質問と模範解答を生成します</a:t>
+            </a:r>
+            <a:endParaRPr kumimoji="1" lang="en-US" altLang="ja-JP" dirty="0">
+              <a:latin typeface="Meiryo UI" panose="020B0604030504040204" pitchFamily="34" charset="-128"/>
+              <a:ea typeface="Meiryo UI" panose="020B0604030504040204" pitchFamily="34" charset="-128"/>
+            </a:endParaRPr>
+          </a:p>
+          <a:p>
+            <a:r>
+              <a:rPr lang="ja-JP" altLang="en-US">
+                <a:latin typeface="Meiryo UI" panose="020B0604030504040204" pitchFamily="34" charset="-128"/>
+                <a:ea typeface="Meiryo UI" panose="020B0604030504040204" pitchFamily="34" charset="-128"/>
+              </a:rPr>
+              <a:t>生成する質問は各ワードの</a:t>
+            </a:r>
+            <a:r>
+              <a:rPr lang="en-US" altLang="ja-JP" dirty="0">
+                <a:latin typeface="Meiryo UI" panose="020B0604030504040204" pitchFamily="34" charset="-128"/>
+                <a:ea typeface="Meiryo UI" panose="020B0604030504040204" pitchFamily="34" charset="-128"/>
+              </a:rPr>
+              <a:t>2</a:t>
+            </a:r>
+            <a:r>
+              <a:rPr lang="ja-JP" altLang="en-US">
+                <a:latin typeface="Meiryo UI" panose="020B0604030504040204" pitchFamily="34" charset="-128"/>
+                <a:ea typeface="Meiryo UI" panose="020B0604030504040204" pitchFamily="34" charset="-128"/>
+              </a:rPr>
+              <a:t>回目以降の会話に対して生成されます。（</a:t>
+            </a:r>
+            <a:r>
+              <a:rPr lang="en-US" altLang="ja-JP" dirty="0">
+                <a:latin typeface="Meiryo UI" panose="020B0604030504040204" pitchFamily="34" charset="-128"/>
+                <a:ea typeface="Meiryo UI" panose="020B0604030504040204" pitchFamily="34" charset="-128"/>
+              </a:rPr>
+              <a:t>1</a:t>
+            </a:r>
+            <a:r>
+              <a:rPr lang="ja-JP" altLang="en-US">
+                <a:latin typeface="Meiryo UI" panose="020B0604030504040204" pitchFamily="34" charset="-128"/>
+                <a:ea typeface="Meiryo UI" panose="020B0604030504040204" pitchFamily="34" charset="-128"/>
+              </a:rPr>
+              <a:t>つのワードに対して</a:t>
+            </a:r>
+            <a:r>
+              <a:rPr lang="en-US" altLang="ja-JP" dirty="0">
+                <a:latin typeface="Meiryo UI" panose="020B0604030504040204" pitchFamily="34" charset="-128"/>
+                <a:ea typeface="Meiryo UI" panose="020B0604030504040204" pitchFamily="34" charset="-128"/>
+              </a:rPr>
+              <a:t>2</a:t>
+            </a:r>
+            <a:r>
+              <a:rPr lang="ja-JP" altLang="en-US">
+                <a:latin typeface="Meiryo UI" panose="020B0604030504040204" pitchFamily="34" charset="-128"/>
+                <a:ea typeface="Meiryo UI" panose="020B0604030504040204" pitchFamily="34" charset="-128"/>
+              </a:rPr>
+              <a:t>つ会話履歴がある場合、</a:t>
+            </a:r>
+            <a:r>
+              <a:rPr lang="en-US" altLang="ja-JP" dirty="0">
+                <a:latin typeface="Meiryo UI" panose="020B0604030504040204" pitchFamily="34" charset="-128"/>
+                <a:ea typeface="Meiryo UI" panose="020B0604030504040204" pitchFamily="34" charset="-128"/>
+              </a:rPr>
+              <a:t>1</a:t>
+            </a:r>
+            <a:r>
+              <a:rPr lang="ja-JP" altLang="en-US">
+                <a:latin typeface="Meiryo UI" panose="020B0604030504040204" pitchFamily="34" charset="-128"/>
+                <a:ea typeface="Meiryo UI" panose="020B0604030504040204" pitchFamily="34" charset="-128"/>
+              </a:rPr>
+              <a:t>つだけ質問が生成される）</a:t>
+            </a:r>
+            <a:endParaRPr kumimoji="1" lang="en-US" altLang="ja-JP" dirty="0">
+              <a:latin typeface="Meiryo UI" panose="020B0604030504040204" pitchFamily="34" charset="-128"/>
+              <a:ea typeface="Meiryo UI" panose="020B0604030504040204" pitchFamily="34" charset="-128"/>
+            </a:endParaRPr>
+          </a:p>
+          <a:p>
+            <a:r>
+              <a:rPr kumimoji="1" lang="en-US" altLang="ja-JP" dirty="0">
+                <a:latin typeface="Meiryo UI" panose="020B0604030504040204" pitchFamily="34" charset="-128"/>
+                <a:ea typeface="Meiryo UI" panose="020B0604030504040204" pitchFamily="34" charset="-128"/>
+              </a:rPr>
+              <a:t>2</a:t>
+            </a:r>
+            <a:r>
+              <a:rPr kumimoji="1" lang="ja-JP" altLang="en-US">
+                <a:latin typeface="Meiryo UI" panose="020B0604030504040204" pitchFamily="34" charset="-128"/>
+                <a:ea typeface="Meiryo UI" panose="020B0604030504040204" pitchFamily="34" charset="-128"/>
+              </a:rPr>
+              <a:t>回目以降の会話は全てワードがマスクされています。しかし質問</a:t>
+            </a:r>
+            <a:r>
+              <a:rPr lang="ja-JP" altLang="en-US">
+                <a:latin typeface="Meiryo UI" panose="020B0604030504040204" pitchFamily="34" charset="-128"/>
+                <a:ea typeface="Meiryo UI" panose="020B0604030504040204" pitchFamily="34" charset="-128"/>
+              </a:rPr>
+              <a:t>にはワードが含まれています。</a:t>
+            </a:r>
+            <a:endParaRPr kumimoji="1" lang="ja-JP" altLang="en-US">
+              <a:latin typeface="Meiryo UI" panose="020B0604030504040204" pitchFamily="34" charset="-128"/>
+              <a:ea typeface="Meiryo UI" panose="020B0604030504040204" pitchFamily="34" charset="-128"/>
+            </a:endParaRPr>
           </a:p>
         </p:txBody>
       </p:sp>
     </p:spTree>
     <p:extLst>
       <p:ext uri="{BB962C8B-B14F-4D97-AF65-F5344CB8AC3E}">
-        <p14:creationId xmlns:p14="http://schemas.microsoft.com/office/powerpoint/2010/main" val="158960971"/>
+        <p14:creationId xmlns:p14="http://schemas.microsoft.com/office/powerpoint/2010/main" val="3580830091"/>
       </p:ext>
     </p:extLst>
   </p:cSld>
@@ -4517,7 +4674,7 @@
           <p:cNvPr id="2" name="タイトル 1">
             <a:extLst>
               <a:ext uri="{FF2B5EF4-FFF2-40B4-BE49-F238E27FC236}">
-                <a16:creationId xmlns:a16="http://schemas.microsoft.com/office/drawing/2014/main" id="{5756C473-EB26-8C89-D66C-90915F8826DE}"/>
+                <a16:creationId xmlns:a16="http://schemas.microsoft.com/office/drawing/2014/main" id="{9B2033C8-DB73-10F8-3F34-D2F08BEFDF36}"/>
               </a:ext>
             </a:extLst>
           </p:cNvPr>
@@ -4538,7 +4695,7 @@
                 <a:latin typeface="Meiryo UI" panose="020B0604030504040204" pitchFamily="34" charset="-128"/>
                 <a:ea typeface="Meiryo UI" panose="020B0604030504040204" pitchFamily="34" charset="-128"/>
               </a:rPr>
-              <a:t>回答の評価</a:t>
+              <a:t>ベクトル化</a:t>
             </a:r>
             <a:endParaRPr kumimoji="1" lang="ja-JP" altLang="en-US"/>
           </a:p>
@@ -4549,7 +4706,7 @@
           <p:cNvPr id="3" name="コンテンツ プレースホルダー 2">
             <a:extLst>
               <a:ext uri="{FF2B5EF4-FFF2-40B4-BE49-F238E27FC236}">
-                <a16:creationId xmlns:a16="http://schemas.microsoft.com/office/drawing/2014/main" id="{23FF930C-3FA0-BFBC-D119-F436BEBE8984}"/>
+                <a16:creationId xmlns:a16="http://schemas.microsoft.com/office/drawing/2014/main" id="{A41DF80E-CCFE-E7FC-8FFE-517E07D06BD9}"/>
               </a:ext>
             </a:extLst>
           </p:cNvPr>
@@ -4566,29 +4723,94 @@
           <a:lstStyle/>
           <a:p>
             <a:r>
-              <a:rPr kumimoji="1" lang="en-US" altLang="ja-JP" dirty="0"/>
-              <a:t>4</a:t>
-            </a:r>
-            <a:r>
-              <a:rPr kumimoji="1" lang="ja-JP" altLang="en-US"/>
-              <a:t>つの</a:t>
-            </a:r>
-            <a:r>
-              <a:rPr kumimoji="1" lang="en-US" altLang="ja-JP" dirty="0"/>
-              <a:t>RAG</a:t>
-            </a:r>
-            <a:r>
-              <a:rPr kumimoji="1" lang="ja-JP" altLang="en-US"/>
-              <a:t>モデルが走ります</a:t>
-            </a:r>
-            <a:endParaRPr kumimoji="1" lang="en-US" altLang="ja-JP" dirty="0"/>
+              <a:rPr kumimoji="1" lang="ja-JP" altLang="en-US">
+                <a:latin typeface="Meiryo UI" panose="020B0604030504040204" pitchFamily="34" charset="-128"/>
+                <a:ea typeface="Meiryo UI" panose="020B0604030504040204" pitchFamily="34" charset="-128"/>
+              </a:rPr>
+              <a:t>会話生成で生成した会話をベクトル化します。</a:t>
+            </a:r>
+            <a:endParaRPr kumimoji="1" lang="en-US" altLang="ja-JP" dirty="0">
+              <a:latin typeface="Meiryo UI" panose="020B0604030504040204" pitchFamily="34" charset="-128"/>
+              <a:ea typeface="Meiryo UI" panose="020B0604030504040204" pitchFamily="34" charset="-128"/>
+            </a:endParaRPr>
+          </a:p>
+          <a:p>
+            <a:r>
+              <a:rPr kumimoji="1" lang="en" altLang="ja-JP" dirty="0">
+                <a:latin typeface="Meiryo UI" panose="020B0604030504040204" pitchFamily="34" charset="-128"/>
+                <a:ea typeface="Meiryo UI" panose="020B0604030504040204" pitchFamily="34" charset="-128"/>
+              </a:rPr>
+              <a:t>Embedding</a:t>
+            </a:r>
+            <a:r>
+              <a:rPr kumimoji="1" lang="ja-JP" altLang="en-US">
+                <a:latin typeface="Meiryo UI" panose="020B0604030504040204" pitchFamily="34" charset="-128"/>
+                <a:ea typeface="Meiryo UI" panose="020B0604030504040204" pitchFamily="34" charset="-128"/>
+              </a:rPr>
+              <a:t>は</a:t>
+            </a:r>
+            <a:r>
+              <a:rPr kumimoji="1" lang="en" altLang="ja-JP" dirty="0">
+                <a:latin typeface="Meiryo UI" panose="020B0604030504040204" pitchFamily="34" charset="-128"/>
+                <a:ea typeface="Meiryo UI" panose="020B0604030504040204" pitchFamily="34" charset="-128"/>
+              </a:rPr>
+              <a:t>text-embedding-3-large</a:t>
+            </a:r>
+            <a:r>
+              <a:rPr kumimoji="1" lang="ja-JP" altLang="en-US">
+                <a:latin typeface="Meiryo UI" panose="020B0604030504040204" pitchFamily="34" charset="-128"/>
+                <a:ea typeface="Meiryo UI" panose="020B0604030504040204" pitchFamily="34" charset="-128"/>
+              </a:rPr>
+              <a:t>を使用しています。</a:t>
+            </a:r>
+            <a:endParaRPr kumimoji="1" lang="en-US" altLang="ja-JP" dirty="0">
+              <a:latin typeface="Meiryo UI" panose="020B0604030504040204" pitchFamily="34" charset="-128"/>
+              <a:ea typeface="Meiryo UI" panose="020B0604030504040204" pitchFamily="34" charset="-128"/>
+            </a:endParaRPr>
+          </a:p>
+          <a:p>
+            <a:r>
+              <a:rPr kumimoji="1" lang="ja-JP" altLang="en-US">
+                <a:latin typeface="Meiryo UI" panose="020B0604030504040204" pitchFamily="34" charset="-128"/>
+                <a:ea typeface="Meiryo UI" panose="020B0604030504040204" pitchFamily="34" charset="-128"/>
+              </a:rPr>
+              <a:t>インデックスは</a:t>
+            </a:r>
+            <a:r>
+              <a:rPr kumimoji="1" lang="en-US" altLang="ja-JP" dirty="0">
+                <a:latin typeface="Meiryo UI" panose="020B0604030504040204" pitchFamily="34" charset="-128"/>
+                <a:ea typeface="Meiryo UI" panose="020B0604030504040204" pitchFamily="34" charset="-128"/>
+              </a:rPr>
+              <a:t>FAISS</a:t>
+            </a:r>
+            <a:r>
+              <a:rPr kumimoji="1" lang="ja-JP" altLang="en-US">
+                <a:latin typeface="Meiryo UI" panose="020B0604030504040204" pitchFamily="34" charset="-128"/>
+                <a:ea typeface="Meiryo UI" panose="020B0604030504040204" pitchFamily="34" charset="-128"/>
+              </a:rPr>
+              <a:t>を使用して</a:t>
+            </a:r>
+            <a:r>
+              <a:rPr kumimoji="1" lang="en-US" altLang="ja-JP" dirty="0">
+                <a:latin typeface="Meiryo UI" panose="020B0604030504040204" pitchFamily="34" charset="-128"/>
+                <a:ea typeface="Meiryo UI" panose="020B0604030504040204" pitchFamily="34" charset="-128"/>
+              </a:rPr>
+              <a:t>SQLite</a:t>
+            </a:r>
+            <a:r>
+              <a:rPr kumimoji="1" lang="ja-JP" altLang="en-US">
+                <a:latin typeface="Meiryo UI" panose="020B0604030504040204" pitchFamily="34" charset="-128"/>
+                <a:ea typeface="Meiryo UI" panose="020B0604030504040204" pitchFamily="34" charset="-128"/>
+              </a:rPr>
+              <a:t>のテーブルに保存しています。そのため同じタスクの会話履歴の更新はできません。</a:t>
+            </a:r>
           </a:p>
         </p:txBody>
       </p:sp>
     </p:spTree>
     <p:extLst>
       <p:ext uri="{BB962C8B-B14F-4D97-AF65-F5344CB8AC3E}">
-        <p14:creationId xmlns:p14="http://schemas.microsoft.com/office/powerpoint/2010/main" val="3218111129"/>
+        <p14:creationId xmlns:p14="http://schemas.microsoft.com/office/powerpoint/2010/main" val="158960971"/>
       </p:ext>
     </p:extLst>
   </p:cSld>
@@ -4620,7 +4842,7 @@
           <p:cNvPr id="2" name="タイトル 1">
             <a:extLst>
               <a:ext uri="{FF2B5EF4-FFF2-40B4-BE49-F238E27FC236}">
-                <a16:creationId xmlns:a16="http://schemas.microsoft.com/office/drawing/2014/main" id="{D7CCE14C-19BE-FF62-32CF-70497FA075D2}"/>
+                <a16:creationId xmlns:a16="http://schemas.microsoft.com/office/drawing/2014/main" id="{5756C473-EB26-8C89-D66C-90915F8826DE}"/>
               </a:ext>
             </a:extLst>
           </p:cNvPr>
@@ -4641,7 +4863,7 @@
                 <a:latin typeface="Meiryo UI" panose="020B0604030504040204" pitchFamily="34" charset="-128"/>
                 <a:ea typeface="Meiryo UI" panose="020B0604030504040204" pitchFamily="34" charset="-128"/>
               </a:rPr>
-              <a:t>ワークフロー実行</a:t>
+              <a:t>回答の評価</a:t>
             </a:r>
             <a:endParaRPr kumimoji="1" lang="ja-JP" altLang="en-US"/>
           </a:p>
@@ -4652,7 +4874,7 @@
           <p:cNvPr id="3" name="コンテンツ プレースホルダー 2">
             <a:extLst>
               <a:ext uri="{FF2B5EF4-FFF2-40B4-BE49-F238E27FC236}">
-                <a16:creationId xmlns:a16="http://schemas.microsoft.com/office/drawing/2014/main" id="{D5B5CECF-6EC1-1410-00BE-41AE8ED4B0C2}"/>
+                <a16:creationId xmlns:a16="http://schemas.microsoft.com/office/drawing/2014/main" id="{23FF930C-3FA0-BFBC-D119-F436BEBE8984}"/>
               </a:ext>
             </a:extLst>
           </p:cNvPr>
@@ -4669,26 +4891,44 @@
           <a:lstStyle/>
           <a:p>
             <a:r>
-              <a:rPr lang="ja-JP" altLang="en-US" sz="2800">
-                <a:latin typeface="Meiryo UI" panose="020B0604030504040204" pitchFamily="34" charset="-128"/>
-                <a:ea typeface="Meiryo UI" panose="020B0604030504040204" pitchFamily="34" charset="-128"/>
-              </a:rPr>
-              <a:t>会話生成→質問と回答の生成→ベクトル化→回答の評価までの一連のワークフローを実行します。</a:t>
-            </a:r>
-            <a:endParaRPr lang="en-US" altLang="ja-JP" sz="2800" dirty="0">
+              <a:rPr kumimoji="1" lang="en-US" altLang="ja-JP" dirty="0">
+                <a:latin typeface="Meiryo UI" panose="020B0604030504040204" pitchFamily="34" charset="-128"/>
+                <a:ea typeface="Meiryo UI" panose="020B0604030504040204" pitchFamily="34" charset="-128"/>
+              </a:rPr>
+              <a:t>5</a:t>
+            </a:r>
+            <a:r>
+              <a:rPr kumimoji="1" lang="ja-JP" altLang="en-US">
+                <a:latin typeface="Meiryo UI" panose="020B0604030504040204" pitchFamily="34" charset="-128"/>
+                <a:ea typeface="Meiryo UI" panose="020B0604030504040204" pitchFamily="34" charset="-128"/>
+              </a:rPr>
+              <a:t>つの</a:t>
+            </a:r>
+            <a:r>
+              <a:rPr kumimoji="1" lang="en-US" altLang="ja-JP" dirty="0">
+                <a:latin typeface="Meiryo UI" panose="020B0604030504040204" pitchFamily="34" charset="-128"/>
+                <a:ea typeface="Meiryo UI" panose="020B0604030504040204" pitchFamily="34" charset="-128"/>
+              </a:rPr>
+              <a:t>RAG</a:t>
+            </a:r>
+            <a:r>
+              <a:rPr kumimoji="1" lang="ja-JP" altLang="en-US">
+                <a:latin typeface="Meiryo UI" panose="020B0604030504040204" pitchFamily="34" charset="-128"/>
+                <a:ea typeface="Meiryo UI" panose="020B0604030504040204" pitchFamily="34" charset="-128"/>
+              </a:rPr>
+              <a:t>モデルが走ります</a:t>
+            </a:r>
+            <a:endParaRPr kumimoji="1" lang="en-US" altLang="ja-JP" dirty="0">
               <a:latin typeface="Meiryo UI" panose="020B0604030504040204" pitchFamily="34" charset="-128"/>
               <a:ea typeface="Meiryo UI" panose="020B0604030504040204" pitchFamily="34" charset="-128"/>
             </a:endParaRPr>
           </a:p>
-          <a:p>
-            <a:endParaRPr kumimoji="1" lang="ja-JP" altLang="en-US"/>
-          </a:p>
         </p:txBody>
       </p:sp>
     </p:spTree>
     <p:extLst>
       <p:ext uri="{BB962C8B-B14F-4D97-AF65-F5344CB8AC3E}">
-        <p14:creationId xmlns:p14="http://schemas.microsoft.com/office/powerpoint/2010/main" val="1417609238"/>
+        <p14:creationId xmlns:p14="http://schemas.microsoft.com/office/powerpoint/2010/main" val="3218111129"/>
       </p:ext>
     </p:extLst>
   </p:cSld>
@@ -4720,7 +4960,7 @@
           <p:cNvPr id="2" name="タイトル 1">
             <a:extLst>
               <a:ext uri="{FF2B5EF4-FFF2-40B4-BE49-F238E27FC236}">
-                <a16:creationId xmlns:a16="http://schemas.microsoft.com/office/drawing/2014/main" id="{32B989E1-8125-E3F2-025B-3E1C02CEB965}"/>
+                <a16:creationId xmlns:a16="http://schemas.microsoft.com/office/drawing/2014/main" id="{D7CCE14C-19BE-FF62-32CF-70497FA075D2}"/>
               </a:ext>
             </a:extLst>
           </p:cNvPr>
@@ -4741,7 +4981,7 @@
                 <a:latin typeface="Meiryo UI" panose="020B0604030504040204" pitchFamily="34" charset="-128"/>
                 <a:ea typeface="Meiryo UI" panose="020B0604030504040204" pitchFamily="34" charset="-128"/>
               </a:rPr>
-              <a:t>分析ダッシュボード</a:t>
+              <a:t>ワークフロー実行</a:t>
             </a:r>
             <a:endParaRPr kumimoji="1" lang="ja-JP" altLang="en-US"/>
           </a:p>
@@ -4752,7 +4992,7 @@
           <p:cNvPr id="3" name="コンテンツ プレースホルダー 2">
             <a:extLst>
               <a:ext uri="{FF2B5EF4-FFF2-40B4-BE49-F238E27FC236}">
-                <a16:creationId xmlns:a16="http://schemas.microsoft.com/office/drawing/2014/main" id="{71C83403-7770-5F7E-2C75-E398DDA6C553}"/>
+                <a16:creationId xmlns:a16="http://schemas.microsoft.com/office/drawing/2014/main" id="{D5B5CECF-6EC1-1410-00BE-41AE8ED4B0C2}"/>
               </a:ext>
             </a:extLst>
           </p:cNvPr>
@@ -4769,39 +5009,188 @@
           <a:lstStyle/>
           <a:p>
             <a:r>
-              <a:rPr kumimoji="1" lang="ja-JP" altLang="en-US"/>
-              <a:t>まず分析したい機能をラジオボタンで選びます</a:t>
-            </a:r>
-            <a:endParaRPr kumimoji="1" lang="en-US" altLang="ja-JP" dirty="0"/>
-          </a:p>
-          <a:p>
-            <a:pPr marL="0" indent="0">
-              <a:buNone/>
-            </a:pPr>
-            <a:r>
-              <a:rPr kumimoji="1" lang="ja-JP" altLang="en-US"/>
-              <a:t>・グラフ表示→タスクをチェックしてグラフ表示できます</a:t>
-            </a:r>
-            <a:endParaRPr kumimoji="1" lang="en-US" altLang="ja-JP" dirty="0"/>
-          </a:p>
-          <a:p>
-            <a:pPr marL="0" indent="0">
-              <a:buNone/>
-            </a:pPr>
-            <a:r>
-              <a:rPr lang="ja-JP" altLang="en-US"/>
-              <a:t>・完全一致表→タスクをチェックして取得情報が正答と合っている表を表示します</a:t>
-            </a:r>
-            <a:endParaRPr lang="en-US" altLang="ja-JP" dirty="0"/>
-          </a:p>
-          <a:p>
-            <a:pPr marL="0" indent="0">
-              <a:buNone/>
-            </a:pPr>
-            <a:r>
-              <a:rPr kumimoji="1" lang="ja-JP" altLang="en-US"/>
-              <a:t>・タスク削除→タスク名をチェックして削除できます</a:t>
-            </a:r>
+              <a:rPr lang="ja-JP" altLang="en-US" sz="2800">
+                <a:latin typeface="Meiryo UI" panose="020B0604030504040204" pitchFamily="34" charset="-128"/>
+                <a:ea typeface="Meiryo UI" panose="020B0604030504040204" pitchFamily="34" charset="-128"/>
+              </a:rPr>
+              <a:t>会話生成→質問と回答の生成→ベクトル化→回答の評価までの一連のワークフローを実行します。</a:t>
+            </a:r>
+            <a:endParaRPr lang="en-US" altLang="ja-JP" sz="2800" dirty="0">
+              <a:latin typeface="Meiryo UI" panose="020B0604030504040204" pitchFamily="34" charset="-128"/>
+              <a:ea typeface="Meiryo UI" panose="020B0604030504040204" pitchFamily="34" charset="-128"/>
+            </a:endParaRPr>
+          </a:p>
+          <a:p>
+            <a:endParaRPr kumimoji="1" lang="ja-JP" altLang="en-US"/>
+          </a:p>
+        </p:txBody>
+      </p:sp>
+    </p:spTree>
+    <p:extLst>
+      <p:ext uri="{BB962C8B-B14F-4D97-AF65-F5344CB8AC3E}">
+        <p14:creationId xmlns:p14="http://schemas.microsoft.com/office/powerpoint/2010/main" val="1417609238"/>
+      </p:ext>
+    </p:extLst>
+  </p:cSld>
+  <p:clrMapOvr>
+    <a:masterClrMapping/>
+  </p:clrMapOvr>
+</p:sld>
+</file>
+
+<file path=ppt/slides/slide15.xml><?xml version="1.0" encoding="utf-8"?>
+<p:sld xmlns:a="http://schemas.openxmlformats.org/drawingml/2006/main" xmlns:r="http://schemas.openxmlformats.org/officeDocument/2006/relationships" xmlns:p="http://schemas.openxmlformats.org/presentationml/2006/main">
+  <p:cSld>
+    <p:spTree>
+      <p:nvGrpSpPr>
+        <p:cNvPr id="1" name=""/>
+        <p:cNvGrpSpPr/>
+        <p:nvPr/>
+      </p:nvGrpSpPr>
+      <p:grpSpPr>
+        <a:xfrm>
+          <a:off x="0" y="0"/>
+          <a:ext cx="0" cy="0"/>
+          <a:chOff x="0" y="0"/>
+          <a:chExt cx="0" cy="0"/>
+        </a:xfrm>
+      </p:grpSpPr>
+      <p:sp>
+        <p:nvSpPr>
+          <p:cNvPr id="2" name="タイトル 1">
+            <a:extLst>
+              <a:ext uri="{FF2B5EF4-FFF2-40B4-BE49-F238E27FC236}">
+                <a16:creationId xmlns:a16="http://schemas.microsoft.com/office/drawing/2014/main" id="{32B989E1-8125-E3F2-025B-3E1C02CEB965}"/>
+              </a:ext>
+            </a:extLst>
+          </p:cNvPr>
+          <p:cNvSpPr>
+            <a:spLocks noGrp="1"/>
+          </p:cNvSpPr>
+          <p:nvPr>
+            <p:ph type="title"/>
+          </p:nvPr>
+        </p:nvSpPr>
+        <p:spPr/>
+        <p:txBody>
+          <a:bodyPr/>
+          <a:lstStyle/>
+          <a:p>
+            <a:r>
+              <a:rPr lang="ja-JP" altLang="en-US">
+                <a:latin typeface="Meiryo UI" panose="020B0604030504040204" pitchFamily="34" charset="-128"/>
+                <a:ea typeface="Meiryo UI" panose="020B0604030504040204" pitchFamily="34" charset="-128"/>
+              </a:rPr>
+              <a:t>分析ダッシュボード</a:t>
+            </a:r>
+            <a:endParaRPr kumimoji="1" lang="ja-JP" altLang="en-US">
+              <a:latin typeface="Meiryo UI" panose="020B0604030504040204" pitchFamily="34" charset="-128"/>
+              <a:ea typeface="Meiryo UI" panose="020B0604030504040204" pitchFamily="34" charset="-128"/>
+            </a:endParaRPr>
+          </a:p>
+        </p:txBody>
+      </p:sp>
+      <p:sp>
+        <p:nvSpPr>
+          <p:cNvPr id="3" name="コンテンツ プレースホルダー 2">
+            <a:extLst>
+              <a:ext uri="{FF2B5EF4-FFF2-40B4-BE49-F238E27FC236}">
+                <a16:creationId xmlns:a16="http://schemas.microsoft.com/office/drawing/2014/main" id="{71C83403-7770-5F7E-2C75-E398DDA6C553}"/>
+              </a:ext>
+            </a:extLst>
+          </p:cNvPr>
+          <p:cNvSpPr>
+            <a:spLocks noGrp="1"/>
+          </p:cNvSpPr>
+          <p:nvPr>
+            <p:ph idx="1"/>
+          </p:nvPr>
+        </p:nvSpPr>
+        <p:spPr/>
+        <p:txBody>
+          <a:bodyPr/>
+          <a:lstStyle/>
+          <a:p>
+            <a:r>
+              <a:rPr kumimoji="1" lang="ja-JP" altLang="en-US">
+                <a:latin typeface="Meiryo UI" panose="020B0604030504040204" pitchFamily="34" charset="-128"/>
+                <a:ea typeface="Meiryo UI" panose="020B0604030504040204" pitchFamily="34" charset="-128"/>
+              </a:rPr>
+              <a:t>クロス集計</a:t>
+            </a:r>
+            <a:r>
+              <a:rPr kumimoji="1" lang="en-US" altLang="ja-JP" dirty="0">
+                <a:latin typeface="Meiryo UI" panose="020B0604030504040204" pitchFamily="34" charset="-128"/>
+                <a:ea typeface="Meiryo UI" panose="020B0604030504040204" pitchFamily="34" charset="-128"/>
+              </a:rPr>
+              <a:t>:</a:t>
+            </a:r>
+            <a:r>
+              <a:rPr kumimoji="1" lang="ja-JP" altLang="en-US">
+                <a:latin typeface="Meiryo UI" panose="020B0604030504040204" pitchFamily="34" charset="-128"/>
+                <a:ea typeface="Meiryo UI" panose="020B0604030504040204" pitchFamily="34" charset="-128"/>
+              </a:rPr>
+              <a:t>生成した質問に対して、</a:t>
+            </a:r>
+            <a:r>
+              <a:rPr kumimoji="1" lang="en-US" altLang="ja-JP" dirty="0">
+                <a:latin typeface="Meiryo UI" panose="020B0604030504040204" pitchFamily="34" charset="-128"/>
+                <a:ea typeface="Meiryo UI" panose="020B0604030504040204" pitchFamily="34" charset="-128"/>
+              </a:rPr>
+              <a:t>RAG</a:t>
+            </a:r>
+            <a:r>
+              <a:rPr kumimoji="1" lang="ja-JP" altLang="en-US">
+                <a:latin typeface="Meiryo UI" panose="020B0604030504040204" pitchFamily="34" charset="-128"/>
+                <a:ea typeface="Meiryo UI" panose="020B0604030504040204" pitchFamily="34" charset="-128"/>
+              </a:rPr>
+              <a:t>モデルが質問生成時に参照した会話履歴を取得できているか表にしています。（取得できていない場合エラー</a:t>
+            </a:r>
+            <a:r>
+              <a:rPr kumimoji="1" lang="en-US" altLang="ja-JP" dirty="0">
+                <a:latin typeface="Meiryo UI" panose="020B0604030504040204" pitchFamily="34" charset="-128"/>
+                <a:ea typeface="Meiryo UI" panose="020B0604030504040204" pitchFamily="34" charset="-128"/>
+              </a:rPr>
+              <a:t>1</a:t>
+            </a:r>
+            <a:r>
+              <a:rPr kumimoji="1" lang="ja-JP" altLang="en-US">
+                <a:latin typeface="Meiryo UI" panose="020B0604030504040204" pitchFamily="34" charset="-128"/>
+                <a:ea typeface="Meiryo UI" panose="020B0604030504040204" pitchFamily="34" charset="-128"/>
+              </a:rPr>
+              <a:t>）</a:t>
+            </a:r>
+            <a:r>
+              <a:rPr kumimoji="1" lang="en-US" altLang="ja-JP" dirty="0">
+                <a:latin typeface="Meiryo UI" panose="020B0604030504040204" pitchFamily="34" charset="-128"/>
+                <a:ea typeface="Meiryo UI" panose="020B0604030504040204" pitchFamily="34" charset="-128"/>
+              </a:rPr>
+              <a:t>RAG</a:t>
+            </a:r>
+            <a:r>
+              <a:rPr lang="ja-JP" altLang="en-US">
+                <a:latin typeface="Meiryo UI" panose="020B0604030504040204" pitchFamily="34" charset="-128"/>
+                <a:ea typeface="Meiryo UI" panose="020B0604030504040204" pitchFamily="34" charset="-128"/>
+              </a:rPr>
+              <a:t>モデルの処理速度も表示できます。</a:t>
+            </a:r>
+            <a:endParaRPr lang="en-US" altLang="ja-JP" dirty="0">
+              <a:latin typeface="Meiryo UI" panose="020B0604030504040204" pitchFamily="34" charset="-128"/>
+              <a:ea typeface="Meiryo UI" panose="020B0604030504040204" pitchFamily="34" charset="-128"/>
+            </a:endParaRPr>
+          </a:p>
+          <a:p>
+            <a:r>
+              <a:rPr kumimoji="1" lang="ja-JP" altLang="en-US">
+                <a:latin typeface="Meiryo UI" panose="020B0604030504040204" pitchFamily="34" charset="-128"/>
+                <a:ea typeface="Meiryo UI" panose="020B0604030504040204" pitchFamily="34" charset="-128"/>
+              </a:rPr>
+              <a:t>主成分分析もできます。初回はベクトル化が走るので重いです。</a:t>
+            </a:r>
+            <a:endParaRPr kumimoji="1" lang="en-US" altLang="ja-JP" dirty="0">
+              <a:latin typeface="Meiryo UI" panose="020B0604030504040204" pitchFamily="34" charset="-128"/>
+              <a:ea typeface="Meiryo UI" panose="020B0604030504040204" pitchFamily="34" charset="-128"/>
+            </a:endParaRPr>
           </a:p>
         </p:txBody>
       </p:sp>
@@ -4809,6 +5198,340 @@
     <p:extLst>
       <p:ext uri="{BB962C8B-B14F-4D97-AF65-F5344CB8AC3E}">
         <p14:creationId xmlns:p14="http://schemas.microsoft.com/office/powerpoint/2010/main" val="4230178061"/>
+      </p:ext>
+    </p:extLst>
+  </p:cSld>
+  <p:clrMapOvr>
+    <a:masterClrMapping/>
+  </p:clrMapOvr>
+</p:sld>
+</file>
+
+<file path=ppt/slides/slide16.xml><?xml version="1.0" encoding="utf-8"?>
+<p:sld xmlns:a="http://schemas.openxmlformats.org/drawingml/2006/main" xmlns:r="http://schemas.openxmlformats.org/officeDocument/2006/relationships" xmlns:p="http://schemas.openxmlformats.org/presentationml/2006/main">
+  <p:cSld>
+    <p:spTree>
+      <p:nvGrpSpPr>
+        <p:cNvPr id="1" name=""/>
+        <p:cNvGrpSpPr/>
+        <p:nvPr/>
+      </p:nvGrpSpPr>
+      <p:grpSpPr>
+        <a:xfrm>
+          <a:off x="0" y="0"/>
+          <a:ext cx="0" cy="0"/>
+          <a:chOff x="0" y="0"/>
+          <a:chExt cx="0" cy="0"/>
+        </a:xfrm>
+      </p:grpSpPr>
+      <p:sp>
+        <p:nvSpPr>
+          <p:cNvPr id="2" name="タイトル 1">
+            <a:extLst>
+              <a:ext uri="{FF2B5EF4-FFF2-40B4-BE49-F238E27FC236}">
+                <a16:creationId xmlns:a16="http://schemas.microsoft.com/office/drawing/2014/main" id="{13BA1F2B-7519-789C-145D-D46ECDC5505A}"/>
+              </a:ext>
+            </a:extLst>
+          </p:cNvPr>
+          <p:cNvSpPr>
+            <a:spLocks noGrp="1"/>
+          </p:cNvSpPr>
+          <p:nvPr>
+            <p:ph type="title"/>
+          </p:nvPr>
+        </p:nvSpPr>
+        <p:spPr/>
+        <p:txBody>
+          <a:bodyPr/>
+          <a:lstStyle/>
+          <a:p>
+            <a:r>
+              <a:rPr kumimoji="1" lang="ja-JP" altLang="en-US">
+                <a:latin typeface="Meiryo UI" panose="020B0604030504040204" pitchFamily="34" charset="-128"/>
+                <a:ea typeface="Meiryo UI" panose="020B0604030504040204" pitchFamily="34" charset="-128"/>
+              </a:rPr>
+              <a:t>カスタマイズ</a:t>
+            </a:r>
+          </a:p>
+        </p:txBody>
+      </p:sp>
+      <p:sp>
+        <p:nvSpPr>
+          <p:cNvPr id="3" name="コンテンツ プレースホルダー 2">
+            <a:extLst>
+              <a:ext uri="{FF2B5EF4-FFF2-40B4-BE49-F238E27FC236}">
+                <a16:creationId xmlns:a16="http://schemas.microsoft.com/office/drawing/2014/main" id="{868D727D-237B-319E-8A28-88D5D74D54B5}"/>
+              </a:ext>
+            </a:extLst>
+          </p:cNvPr>
+          <p:cNvSpPr>
+            <a:spLocks noGrp="1"/>
+          </p:cNvSpPr>
+          <p:nvPr>
+            <p:ph idx="1"/>
+          </p:nvPr>
+        </p:nvSpPr>
+        <p:spPr/>
+        <p:txBody>
+          <a:bodyPr/>
+          <a:lstStyle/>
+          <a:p>
+            <a:r>
+              <a:rPr kumimoji="1" lang="en-US" altLang="ja-JP" dirty="0">
+                <a:latin typeface="Meiryo UI" panose="020B0604030504040204" pitchFamily="34" charset="-128"/>
+                <a:ea typeface="Meiryo UI" panose="020B0604030504040204" pitchFamily="34" charset="-128"/>
+              </a:rPr>
+              <a:t>RAG</a:t>
+            </a:r>
+            <a:r>
+              <a:rPr kumimoji="1" lang="ja-JP" altLang="en-US">
+                <a:latin typeface="Meiryo UI" panose="020B0604030504040204" pitchFamily="34" charset="-128"/>
+                <a:ea typeface="Meiryo UI" panose="020B0604030504040204" pitchFamily="34" charset="-128"/>
+              </a:rPr>
+              <a:t>評価ツールなので、自分の作った</a:t>
+            </a:r>
+            <a:r>
+              <a:rPr kumimoji="1" lang="en-US" altLang="ja-JP" dirty="0">
+                <a:latin typeface="Meiryo UI" panose="020B0604030504040204" pitchFamily="34" charset="-128"/>
+                <a:ea typeface="Meiryo UI" panose="020B0604030504040204" pitchFamily="34" charset="-128"/>
+              </a:rPr>
+              <a:t>RAG</a:t>
+            </a:r>
+            <a:r>
+              <a:rPr kumimoji="1" lang="ja-JP" altLang="en-US">
+                <a:latin typeface="Meiryo UI" panose="020B0604030504040204" pitchFamily="34" charset="-128"/>
+                <a:ea typeface="Meiryo UI" panose="020B0604030504040204" pitchFamily="34" charset="-128"/>
+              </a:rPr>
+              <a:t>を評価させることもできます。</a:t>
+            </a:r>
+            <a:endParaRPr kumimoji="1" lang="en-US" altLang="ja-JP" dirty="0">
+              <a:latin typeface="Meiryo UI" panose="020B0604030504040204" pitchFamily="34" charset="-128"/>
+              <a:ea typeface="Meiryo UI" panose="020B0604030504040204" pitchFamily="34" charset="-128"/>
+            </a:endParaRPr>
+          </a:p>
+          <a:p>
+            <a:r>
+              <a:rPr lang="en-US" altLang="ja-JP" dirty="0" err="1">
+                <a:latin typeface="Meiryo UI" panose="020B0604030504040204" pitchFamily="34" charset="-128"/>
+                <a:ea typeface="Meiryo UI" panose="020B0604030504040204" pitchFamily="34" charset="-128"/>
+              </a:rPr>
+              <a:t>mcrag</a:t>
+            </a:r>
+            <a:r>
+              <a:rPr lang="en-US" altLang="ja-JP" dirty="0">
+                <a:latin typeface="Meiryo UI" panose="020B0604030504040204" pitchFamily="34" charset="-128"/>
+                <a:ea typeface="Meiryo UI" panose="020B0604030504040204" pitchFamily="34" charset="-128"/>
+              </a:rPr>
+              <a:t>-backend</a:t>
+            </a:r>
+            <a:r>
+              <a:rPr lang="ja-JP" altLang="en-US">
+                <a:latin typeface="Meiryo UI" panose="020B0604030504040204" pitchFamily="34" charset="-128"/>
+                <a:ea typeface="Meiryo UI" panose="020B0604030504040204" pitchFamily="34" charset="-128"/>
+              </a:rPr>
+              <a:t>側の</a:t>
+            </a:r>
+            <a:r>
+              <a:rPr lang="en-US" altLang="ja-JP" dirty="0">
+                <a:latin typeface="Meiryo UI" panose="020B0604030504040204" pitchFamily="34" charset="-128"/>
+                <a:ea typeface="Meiryo UI" panose="020B0604030504040204" pitchFamily="34" charset="-128"/>
+              </a:rPr>
+              <a:t>/</a:t>
+            </a:r>
+            <a:r>
+              <a:rPr lang="en-US" altLang="ja-JP" dirty="0" err="1">
+                <a:latin typeface="Meiryo UI" panose="020B0604030504040204" pitchFamily="34" charset="-128"/>
+                <a:ea typeface="Meiryo UI" panose="020B0604030504040204" pitchFamily="34" charset="-128"/>
+              </a:rPr>
+              <a:t>rag_models</a:t>
+            </a:r>
+            <a:r>
+              <a:rPr lang="ja-JP" altLang="en-US">
+                <a:latin typeface="Meiryo UI" panose="020B0604030504040204" pitchFamily="34" charset="-128"/>
+                <a:ea typeface="Meiryo UI" panose="020B0604030504040204" pitchFamily="34" charset="-128"/>
+              </a:rPr>
+              <a:t>フォルダの中に</a:t>
+            </a:r>
+            <a:endParaRPr lang="en-US" altLang="ja-JP" dirty="0">
+              <a:latin typeface="Meiryo UI" panose="020B0604030504040204" pitchFamily="34" charset="-128"/>
+              <a:ea typeface="Meiryo UI" panose="020B0604030504040204" pitchFamily="34" charset="-128"/>
+            </a:endParaRPr>
+          </a:p>
+          <a:p>
+            <a:pPr marL="0" indent="0">
+              <a:buNone/>
+            </a:pPr>
+            <a:r>
+              <a:rPr kumimoji="1" lang="en-US" altLang="ja-JP" dirty="0" err="1">
+                <a:latin typeface="Meiryo UI" panose="020B0604030504040204" pitchFamily="34" charset="-128"/>
+                <a:ea typeface="Meiryo UI" panose="020B0604030504040204" pitchFamily="34" charset="-128"/>
+              </a:rPr>
+              <a:t>base_model.py</a:t>
+            </a:r>
+            <a:r>
+              <a:rPr kumimoji="1" lang="ja-JP" altLang="en-US">
+                <a:latin typeface="Meiryo UI" panose="020B0604030504040204" pitchFamily="34" charset="-128"/>
+                <a:ea typeface="Meiryo UI" panose="020B0604030504040204" pitchFamily="34" charset="-128"/>
+              </a:rPr>
+              <a:t>の</a:t>
+            </a:r>
+            <a:r>
+              <a:rPr lang="en" altLang="ja-JP" b="0" dirty="0" err="1">
+                <a:effectLst/>
+                <a:latin typeface="Meiryo UI" panose="020B0604030504040204" pitchFamily="34" charset="-128"/>
+                <a:ea typeface="Meiryo UI" panose="020B0604030504040204" pitchFamily="34" charset="-128"/>
+              </a:rPr>
+              <a:t>BaseRAGModel</a:t>
+            </a:r>
+            <a:r>
+              <a:rPr kumimoji="1" lang="ja-JP" altLang="en-US">
+                <a:latin typeface="Meiryo UI" panose="020B0604030504040204" pitchFamily="34" charset="-128"/>
+                <a:ea typeface="Meiryo UI" panose="020B0604030504040204" pitchFamily="34" charset="-128"/>
+              </a:rPr>
+              <a:t>を継承して</a:t>
+            </a:r>
+            <a:r>
+              <a:rPr lang="en" altLang="ja-JP" b="0" dirty="0" err="1">
+                <a:effectLst/>
+                <a:latin typeface="Meiryo UI" panose="020B0604030504040204" pitchFamily="34" charset="-128"/>
+                <a:ea typeface="Meiryo UI" panose="020B0604030504040204" pitchFamily="34" charset="-128"/>
+              </a:rPr>
+              <a:t>retrieve_context</a:t>
+            </a:r>
+            <a:r>
+              <a:rPr kumimoji="1" lang="ja-JP" altLang="en-US">
+                <a:latin typeface="Meiryo UI" panose="020B0604030504040204" pitchFamily="34" charset="-128"/>
+                <a:ea typeface="Meiryo UI" panose="020B0604030504040204" pitchFamily="34" charset="-128"/>
+              </a:rPr>
+              <a:t>関数を使用します。</a:t>
+            </a:r>
+            <a:endParaRPr kumimoji="1" lang="en-US" altLang="ja-JP" dirty="0">
+              <a:latin typeface="Meiryo UI" panose="020B0604030504040204" pitchFamily="34" charset="-128"/>
+              <a:ea typeface="Meiryo UI" panose="020B0604030504040204" pitchFamily="34" charset="-128"/>
+            </a:endParaRPr>
+          </a:p>
+          <a:p>
+            <a:pPr marL="0" indent="0">
+              <a:buNone/>
+            </a:pPr>
+            <a:r>
+              <a:rPr lang="en-US" altLang="ja-JP" dirty="0" err="1">
+                <a:latin typeface="Meiryo UI" panose="020B0604030504040204" pitchFamily="34" charset="-128"/>
+                <a:ea typeface="Meiryo UI" panose="020B0604030504040204" pitchFamily="34" charset="-128"/>
+              </a:rPr>
+              <a:t>a</a:t>
+            </a:r>
+            <a:r>
+              <a:rPr kumimoji="1" lang="en-US" altLang="ja-JP" dirty="0" err="1">
+                <a:latin typeface="Meiryo UI" panose="020B0604030504040204" pitchFamily="34" charset="-128"/>
+                <a:ea typeface="Meiryo UI" panose="020B0604030504040204" pitchFamily="34" charset="-128"/>
+              </a:rPr>
+              <a:t>nswer_evaluator.py</a:t>
+            </a:r>
+            <a:r>
+              <a:rPr kumimoji="1" lang="ja-JP" altLang="en-US">
+                <a:latin typeface="Meiryo UI" panose="020B0604030504040204" pitchFamily="34" charset="-128"/>
+                <a:ea typeface="Meiryo UI" panose="020B0604030504040204" pitchFamily="34" charset="-128"/>
+              </a:rPr>
+              <a:t>の中の</a:t>
+            </a:r>
+            <a:r>
+              <a:rPr lang="en" altLang="ja-JP" dirty="0">
+                <a:effectLst/>
+                <a:latin typeface="Meiryo UI" panose="020B0604030504040204" pitchFamily="34" charset="-128"/>
+                <a:ea typeface="Meiryo UI" panose="020B0604030504040204" pitchFamily="34" charset="-128"/>
+              </a:rPr>
+              <a:t> </a:t>
+            </a:r>
+            <a:r>
+              <a:rPr lang="en" altLang="ja-JP" dirty="0" err="1">
+                <a:effectLst/>
+                <a:latin typeface="Meiryo UI" panose="020B0604030504040204" pitchFamily="34" charset="-128"/>
+                <a:ea typeface="Meiryo UI" panose="020B0604030504040204" pitchFamily="34" charset="-128"/>
+              </a:rPr>
+              <a:t>self.rag_models</a:t>
+            </a:r>
+            <a:r>
+              <a:rPr lang="en" altLang="ja-JP" dirty="0">
+                <a:effectLst/>
+                <a:latin typeface="Meiryo UI" panose="020B0604030504040204" pitchFamily="34" charset="-128"/>
+                <a:ea typeface="Meiryo UI" panose="020B0604030504040204" pitchFamily="34" charset="-128"/>
+              </a:rPr>
+              <a:t> </a:t>
+            </a:r>
+          </a:p>
+          <a:p>
+            <a:pPr marL="0" indent="0">
+              <a:buNone/>
+            </a:pPr>
+            <a:r>
+              <a:rPr kumimoji="1" lang="ja-JP" altLang="en-US">
+                <a:latin typeface="Meiryo UI" panose="020B0604030504040204" pitchFamily="34" charset="-128"/>
+                <a:ea typeface="Meiryo UI" panose="020B0604030504040204" pitchFamily="34" charset="-128"/>
+              </a:rPr>
+              <a:t>に自身が作成し</a:t>
+            </a:r>
+            <a:r>
+              <a:rPr lang="ja-JP" altLang="en-US">
+                <a:latin typeface="Meiryo UI" panose="020B0604030504040204" pitchFamily="34" charset="-128"/>
+                <a:ea typeface="Meiryo UI" panose="020B0604030504040204" pitchFamily="34" charset="-128"/>
+              </a:rPr>
+              <a:t>た</a:t>
+            </a:r>
+            <a:r>
+              <a:rPr lang="en-US" altLang="ja-JP" dirty="0">
+                <a:latin typeface="Meiryo UI" panose="020B0604030504040204" pitchFamily="34" charset="-128"/>
+                <a:ea typeface="Meiryo UI" panose="020B0604030504040204" pitchFamily="34" charset="-128"/>
+              </a:rPr>
+              <a:t>RAG</a:t>
+            </a:r>
+            <a:r>
+              <a:rPr lang="ja-JP" altLang="en-US">
+                <a:latin typeface="Meiryo UI" panose="020B0604030504040204" pitchFamily="34" charset="-128"/>
+                <a:ea typeface="Meiryo UI" panose="020B0604030504040204" pitchFamily="34" charset="-128"/>
+              </a:rPr>
+              <a:t>モデルのインスタンスを追加したら完了です。デフォルトでは</a:t>
+            </a:r>
+            <a:r>
+              <a:rPr lang="en" altLang="ja-JP" b="0" dirty="0" err="1">
+                <a:effectLst/>
+                <a:latin typeface="Meiryo UI" panose="020B0604030504040204" pitchFamily="34" charset="-128"/>
+                <a:ea typeface="Meiryo UI" panose="020B0604030504040204" pitchFamily="34" charset="-128"/>
+              </a:rPr>
+              <a:t>retrieve_context</a:t>
+            </a:r>
+            <a:r>
+              <a:rPr kumimoji="1" lang="ja-JP" altLang="en-US">
+                <a:latin typeface="Meiryo UI" panose="020B0604030504040204" pitchFamily="34" charset="-128"/>
+                <a:ea typeface="Meiryo UI" panose="020B0604030504040204" pitchFamily="34" charset="-128"/>
+              </a:rPr>
+              <a:t>関数は</a:t>
+            </a:r>
+            <a:r>
+              <a:rPr kumimoji="1" lang="en-US" altLang="ja-JP" dirty="0">
+                <a:latin typeface="Meiryo UI" panose="020B0604030504040204" pitchFamily="34" charset="-128"/>
+                <a:ea typeface="Meiryo UI" panose="020B0604030504040204" pitchFamily="34" charset="-128"/>
+              </a:rPr>
+              <a:t>5</a:t>
+            </a:r>
+            <a:r>
+              <a:rPr kumimoji="1" lang="ja-JP" altLang="en-US">
+                <a:latin typeface="Meiryo UI" panose="020B0604030504040204" pitchFamily="34" charset="-128"/>
+                <a:ea typeface="Meiryo UI" panose="020B0604030504040204" pitchFamily="34" charset="-128"/>
+              </a:rPr>
+              <a:t>件の会話履歴を取得します。</a:t>
+            </a:r>
+            <a:endParaRPr kumimoji="1" lang="en-US" altLang="ja-JP" dirty="0">
+              <a:latin typeface="Meiryo UI" panose="020B0604030504040204" pitchFamily="34" charset="-128"/>
+              <a:ea typeface="Meiryo UI" panose="020B0604030504040204" pitchFamily="34" charset="-128"/>
+            </a:endParaRPr>
+          </a:p>
+        </p:txBody>
+      </p:sp>
+    </p:spTree>
+    <p:extLst>
+      <p:ext uri="{BB962C8B-B14F-4D97-AF65-F5344CB8AC3E}">
+        <p14:creationId xmlns:p14="http://schemas.microsoft.com/office/powerpoint/2010/main" val="1942846531"/>
       </p:ext>
     </p:extLst>
   </p:cSld>
@@ -5238,7 +5961,7 @@
           <p:cNvPr id="2" name="タイトル 1">
             <a:extLst>
               <a:ext uri="{FF2B5EF4-FFF2-40B4-BE49-F238E27FC236}">
-                <a16:creationId xmlns:a16="http://schemas.microsoft.com/office/drawing/2014/main" id="{851E89CD-8ADB-7432-D86F-144754EEE57E}"/>
+                <a16:creationId xmlns:a16="http://schemas.microsoft.com/office/drawing/2014/main" id="{46A309D9-D07D-A704-F8C7-7B3E69FEA61C}"/>
               </a:ext>
             </a:extLst>
           </p:cNvPr>
@@ -5259,7 +5982,7 @@
                 <a:latin typeface="Meiryo UI" panose="020B0604030504040204" pitchFamily="34" charset="-128"/>
                 <a:ea typeface="Meiryo UI" panose="020B0604030504040204" pitchFamily="34" charset="-128"/>
               </a:rPr>
-              <a:t>使用モデル・設定</a:t>
+              <a:t>背景</a:t>
             </a:r>
           </a:p>
         </p:txBody>
@@ -5269,7 +5992,7 @@
           <p:cNvPr id="3" name="コンテンツ プレースホルダー 2">
             <a:extLst>
               <a:ext uri="{FF2B5EF4-FFF2-40B4-BE49-F238E27FC236}">
-                <a16:creationId xmlns:a16="http://schemas.microsoft.com/office/drawing/2014/main" id="{69FD2357-0D24-02F1-03A3-63E61C6FB1A5}"/>
+                <a16:creationId xmlns:a16="http://schemas.microsoft.com/office/drawing/2014/main" id="{B8BA9A83-6900-4F77-0CC2-43641B4A167D}"/>
               </a:ext>
             </a:extLst>
           </p:cNvPr>
@@ -5285,79 +6008,26 @@
           <a:bodyPr/>
           <a:lstStyle/>
           <a:p>
-            <a:pPr marL="0" indent="0">
-              <a:buNone/>
-            </a:pPr>
-            <a:r>
-              <a:rPr kumimoji="1" lang="en-US" altLang="ja-JP" dirty="0">
-                <a:latin typeface="Meiryo UI" panose="020B0604030504040204" pitchFamily="34" charset="-128"/>
-                <a:ea typeface="Meiryo UI" panose="020B0604030504040204" pitchFamily="34" charset="-128"/>
-              </a:rPr>
-              <a:t>OpenAI</a:t>
-            </a:r>
-            <a:r>
-              <a:rPr kumimoji="1" lang="ja-JP" altLang="en-US">
-                <a:latin typeface="Meiryo UI" panose="020B0604030504040204" pitchFamily="34" charset="-128"/>
-                <a:ea typeface="Meiryo UI" panose="020B0604030504040204" pitchFamily="34" charset="-128"/>
-              </a:rPr>
-              <a:t>モデル</a:t>
-            </a:r>
-            <a:endParaRPr kumimoji="1" lang="en-US" altLang="ja-JP" dirty="0">
-              <a:latin typeface="Meiryo UI" panose="020B0604030504040204" pitchFamily="34" charset="-128"/>
-              <a:ea typeface="Meiryo UI" panose="020B0604030504040204" pitchFamily="34" charset="-128"/>
-            </a:endParaRPr>
-          </a:p>
-          <a:p>
-            <a:r>
-              <a:rPr kumimoji="1" lang="en-US" altLang="ja-JP" dirty="0">
-                <a:latin typeface="Meiryo UI" panose="020B0604030504040204" pitchFamily="34" charset="-128"/>
-                <a:ea typeface="Meiryo UI" panose="020B0604030504040204" pitchFamily="34" charset="-128"/>
-              </a:rPr>
-              <a:t>LLM: gpt-4o-mini-2024-07-18 (</a:t>
-            </a:r>
-            <a:r>
-              <a:rPr kumimoji="1" lang="ja-JP" altLang="en-US">
-                <a:latin typeface="Meiryo UI" panose="020B0604030504040204" pitchFamily="34" charset="-128"/>
-                <a:ea typeface="Meiryo UI" panose="020B0604030504040204" pitchFamily="34" charset="-128"/>
-              </a:rPr>
-              <a:t>固定</a:t>
-            </a:r>
-            <a:r>
-              <a:rPr kumimoji="1" lang="en-US" altLang="ja-JP" dirty="0">
-                <a:latin typeface="Meiryo UI" panose="020B0604030504040204" pitchFamily="34" charset="-128"/>
-                <a:ea typeface="Meiryo UI" panose="020B0604030504040204" pitchFamily="34" charset="-128"/>
-              </a:rPr>
-              <a:t>)</a:t>
-            </a:r>
-          </a:p>
-          <a:p>
             <a:r>
               <a:rPr lang="en-US" altLang="ja-JP" dirty="0">
                 <a:latin typeface="Meiryo UI" panose="020B0604030504040204" pitchFamily="34" charset="-128"/>
                 <a:ea typeface="Meiryo UI" panose="020B0604030504040204" pitchFamily="34" charset="-128"/>
               </a:rPr>
-              <a:t>Embedding: text-embedding-3-large</a:t>
-            </a:r>
-            <a:r>
-              <a:rPr kumimoji="1" lang="en-US" altLang="ja-JP" dirty="0">
-                <a:latin typeface="Meiryo UI" panose="020B0604030504040204" pitchFamily="34" charset="-128"/>
-                <a:ea typeface="Meiryo UI" panose="020B0604030504040204" pitchFamily="34" charset="-128"/>
-              </a:rPr>
-              <a:t> (</a:t>
-            </a:r>
-            <a:r>
-              <a:rPr kumimoji="1" lang="ja-JP" altLang="en-US">
-                <a:latin typeface="Meiryo UI" panose="020B0604030504040204" pitchFamily="34" charset="-128"/>
-                <a:ea typeface="Meiryo UI" panose="020B0604030504040204" pitchFamily="34" charset="-128"/>
-              </a:rPr>
-              <a:t>固定</a:t>
-            </a:r>
-            <a:r>
-              <a:rPr kumimoji="1" lang="en-US" altLang="ja-JP" dirty="0">
-                <a:latin typeface="Meiryo UI" panose="020B0604030504040204" pitchFamily="34" charset="-128"/>
-                <a:ea typeface="Meiryo UI" panose="020B0604030504040204" pitchFamily="34" charset="-128"/>
-              </a:rPr>
-              <a:t>)</a:t>
+              <a:t>MCRAG </a:t>
+            </a:r>
+            <a:r>
+              <a:rPr lang="en-US" altLang="ja-JP" dirty="0" err="1">
+                <a:latin typeface="Meiryo UI" panose="020B0604030504040204" pitchFamily="34" charset="-128"/>
+                <a:ea typeface="Meiryo UI" panose="020B0604030504040204" pitchFamily="34" charset="-128"/>
+              </a:rPr>
+              <a:t>ver.mcp</a:t>
+            </a:r>
+            <a:r>
+              <a:rPr lang="ja-JP" altLang="en-US">
+                <a:latin typeface="Meiryo UI" panose="020B0604030504040204" pitchFamily="34" charset="-128"/>
+                <a:ea typeface="Meiryo UI" panose="020B0604030504040204" pitchFamily="34" charset="-128"/>
+              </a:rPr>
+              <a:t>は修士修了課題の実験データ取得用に開発しました。修士論文のタイトルは</a:t>
             </a:r>
             <a:endParaRPr lang="en-US" altLang="ja-JP" dirty="0">
               <a:latin typeface="Meiryo UI" panose="020B0604030504040204" pitchFamily="34" charset="-128"/>
@@ -5365,123 +6035,109 @@
             </a:endParaRPr>
           </a:p>
           <a:p>
-            <a:r>
-              <a:rPr kumimoji="1" lang="en-US" altLang="ja-JP" dirty="0" err="1">
-                <a:latin typeface="Meiryo UI" panose="020B0604030504040204" pitchFamily="34" charset="-128"/>
-                <a:ea typeface="Meiryo UI" panose="020B0604030504040204" pitchFamily="34" charset="-128"/>
-              </a:rPr>
-              <a:t>MaxTokens</a:t>
-            </a:r>
-            <a:r>
-              <a:rPr kumimoji="1" lang="en-US" altLang="ja-JP" dirty="0">
-                <a:latin typeface="Meiryo UI" panose="020B0604030504040204" pitchFamily="34" charset="-128"/>
-                <a:ea typeface="Meiryo UI" panose="020B0604030504040204" pitchFamily="34" charset="-128"/>
-              </a:rPr>
-              <a:t>:</a:t>
-            </a:r>
-            <a:r>
-              <a:rPr lang="en-US" altLang="ja-JP" dirty="0">
-                <a:latin typeface="Meiryo UI" panose="020B0604030504040204" pitchFamily="34" charset="-128"/>
-                <a:ea typeface="Meiryo UI" panose="020B0604030504040204" pitchFamily="34" charset="-128"/>
-              </a:rPr>
-              <a:t> </a:t>
-            </a:r>
-            <a:r>
-              <a:rPr kumimoji="1" lang="en-US" altLang="ja-JP" dirty="0">
-                <a:latin typeface="Meiryo UI" panose="020B0604030504040204" pitchFamily="34" charset="-128"/>
-                <a:ea typeface="Meiryo UI" panose="020B0604030504040204" pitchFamily="34" charset="-128"/>
-              </a:rPr>
-              <a:t>2000(</a:t>
-            </a:r>
-            <a:r>
-              <a:rPr kumimoji="1" lang="ja-JP" altLang="en-US">
-                <a:latin typeface="Meiryo UI" panose="020B0604030504040204" pitchFamily="34" charset="-128"/>
-                <a:ea typeface="Meiryo UI" panose="020B0604030504040204" pitchFamily="34" charset="-128"/>
-              </a:rPr>
-              <a:t>固定</a:t>
-            </a:r>
-            <a:r>
-              <a:rPr kumimoji="1" lang="en-US" altLang="ja-JP" dirty="0">
-                <a:latin typeface="Meiryo UI" panose="020B0604030504040204" pitchFamily="34" charset="-128"/>
-                <a:ea typeface="Meiryo UI" panose="020B0604030504040204" pitchFamily="34" charset="-128"/>
-              </a:rPr>
-              <a:t>)</a:t>
-            </a:r>
-          </a:p>
-          <a:p>
-            <a:r>
-              <a:rPr lang="en-US" altLang="ja-JP" dirty="0">
-                <a:latin typeface="Meiryo UI" panose="020B0604030504040204" pitchFamily="34" charset="-128"/>
-                <a:ea typeface="Meiryo UI" panose="020B0604030504040204" pitchFamily="34" charset="-128"/>
-              </a:rPr>
-              <a:t>Seed: 42</a:t>
-            </a:r>
-            <a:r>
-              <a:rPr kumimoji="1" lang="en-US" altLang="ja-JP" dirty="0">
-                <a:latin typeface="Meiryo UI" panose="020B0604030504040204" pitchFamily="34" charset="-128"/>
-                <a:ea typeface="Meiryo UI" panose="020B0604030504040204" pitchFamily="34" charset="-128"/>
-              </a:rPr>
-              <a:t> (</a:t>
-            </a:r>
-            <a:r>
-              <a:rPr kumimoji="1" lang="ja-JP" altLang="en-US">
-                <a:latin typeface="Meiryo UI" panose="020B0604030504040204" pitchFamily="34" charset="-128"/>
-                <a:ea typeface="Meiryo UI" panose="020B0604030504040204" pitchFamily="34" charset="-128"/>
-              </a:rPr>
-              <a:t>固定</a:t>
-            </a:r>
-            <a:r>
-              <a:rPr kumimoji="1" lang="en-US" altLang="ja-JP" dirty="0">
-                <a:latin typeface="Meiryo UI" panose="020B0604030504040204" pitchFamily="34" charset="-128"/>
-                <a:ea typeface="Meiryo UI" panose="020B0604030504040204" pitchFamily="34" charset="-128"/>
-              </a:rPr>
-              <a:t>)</a:t>
-            </a:r>
-            <a:endParaRPr lang="en-US" altLang="ja-JP" dirty="0">
+            <a:pPr marL="0" indent="0">
+              <a:buNone/>
+            </a:pPr>
+            <a:r>
+              <a:rPr kumimoji="1" lang="ja-JP" altLang="en-US" b="1">
+                <a:latin typeface="Meiryo UI" panose="020B0604030504040204" pitchFamily="34" charset="-128"/>
+                <a:ea typeface="Meiryo UI" panose="020B0604030504040204" pitchFamily="34" charset="-128"/>
+              </a:rPr>
+              <a:t>「</a:t>
+            </a:r>
+            <a:r>
+              <a:rPr lang="ja-JP" altLang="en-US" b="1">
+                <a:solidFill>
+                  <a:srgbClr val="000000"/>
+                </a:solidFill>
+                <a:effectLst/>
+                <a:latin typeface="Meiryo UI" panose="020B0604030504040204" pitchFamily="34" charset="-128"/>
+                <a:ea typeface="Meiryo UI" panose="020B0604030504040204" pitchFamily="34" charset="-128"/>
+              </a:rPr>
+              <a:t>エンターテイメントを目的としたキャラクター会話にお</a:t>
+            </a:r>
+          </a:p>
+          <a:p>
+            <a:pPr marL="0" indent="0">
+              <a:buNone/>
+            </a:pPr>
+            <a:r>
+              <a:rPr lang="ja-JP" altLang="en-US" b="1">
+                <a:solidFill>
+                  <a:srgbClr val="000000"/>
+                </a:solidFill>
+                <a:effectLst/>
+                <a:latin typeface="Meiryo UI" panose="020B0604030504040204" pitchFamily="34" charset="-128"/>
+                <a:ea typeface="Meiryo UI" panose="020B0604030504040204" pitchFamily="34" charset="-128"/>
+              </a:rPr>
+              <a:t>ける </a:t>
+            </a:r>
+            <a:r>
+              <a:rPr lang="en" altLang="ja-JP" b="1" dirty="0">
+                <a:solidFill>
+                  <a:srgbClr val="000000"/>
+                </a:solidFill>
+                <a:effectLst/>
+                <a:latin typeface="Meiryo UI" panose="020B0604030504040204" pitchFamily="34" charset="-128"/>
+                <a:ea typeface="Meiryo UI" panose="020B0604030504040204" pitchFamily="34" charset="-128"/>
+              </a:rPr>
+              <a:t>RAG </a:t>
+            </a:r>
+            <a:r>
+              <a:rPr lang="ja-JP" altLang="en-US" b="1">
+                <a:solidFill>
+                  <a:srgbClr val="000000"/>
+                </a:solidFill>
+                <a:effectLst/>
+                <a:latin typeface="Meiryo UI" panose="020B0604030504040204" pitchFamily="34" charset="-128"/>
+                <a:ea typeface="Meiryo UI" panose="020B0604030504040204" pitchFamily="34" charset="-128"/>
+              </a:rPr>
+              <a:t>の評価手法の提案</a:t>
+            </a:r>
+            <a:r>
+              <a:rPr kumimoji="1" lang="ja-JP" altLang="en-US" b="1">
+                <a:latin typeface="Meiryo UI" panose="020B0604030504040204" pitchFamily="34" charset="-128"/>
+                <a:ea typeface="Meiryo UI" panose="020B0604030504040204" pitchFamily="34" charset="-128"/>
+              </a:rPr>
+              <a:t>」</a:t>
+            </a:r>
+            <a:endParaRPr kumimoji="1" lang="en-US" altLang="ja-JP" b="1" dirty="0">
               <a:latin typeface="Meiryo UI" panose="020B0604030504040204" pitchFamily="34" charset="-128"/>
               <a:ea typeface="Meiryo UI" panose="020B0604030504040204" pitchFamily="34" charset="-128"/>
             </a:endParaRPr>
           </a:p>
           <a:p>
-            <a:r>
-              <a:rPr kumimoji="1" lang="en-US" altLang="ja-JP" dirty="0" err="1">
-                <a:latin typeface="Meiryo UI" panose="020B0604030504040204" pitchFamily="34" charset="-128"/>
-                <a:ea typeface="Meiryo UI" panose="020B0604030504040204" pitchFamily="34" charset="-128"/>
-              </a:rPr>
-              <a:t>Tem</a:t>
-            </a:r>
-            <a:r>
-              <a:rPr lang="en-US" altLang="ja-JP" dirty="0" err="1">
-                <a:latin typeface="Meiryo UI" panose="020B0604030504040204" pitchFamily="34" charset="-128"/>
-                <a:ea typeface="Meiryo UI" panose="020B0604030504040204" pitchFamily="34" charset="-128"/>
-              </a:rPr>
-              <a:t>parature</a:t>
-            </a:r>
-            <a:r>
-              <a:rPr lang="en-US" altLang="ja-JP" dirty="0">
-                <a:latin typeface="Meiryo UI" panose="020B0604030504040204" pitchFamily="34" charset="-128"/>
-                <a:ea typeface="Meiryo UI" panose="020B0604030504040204" pitchFamily="34" charset="-128"/>
-              </a:rPr>
-              <a:t>: 0-2.0</a:t>
-            </a:r>
-            <a:r>
-              <a:rPr lang="ja-JP" altLang="en-US">
-                <a:latin typeface="Meiryo UI" panose="020B0604030504040204" pitchFamily="34" charset="-128"/>
-                <a:ea typeface="Meiryo UI" panose="020B0604030504040204" pitchFamily="34" charset="-128"/>
-              </a:rPr>
-              <a:t>までの間で任意</a:t>
-            </a:r>
-            <a:endParaRPr kumimoji="1" lang="ja-JP" altLang="en-US">
-              <a:latin typeface="Meiryo UI" panose="020B0604030504040204" pitchFamily="34" charset="-128"/>
-              <a:ea typeface="Meiryo UI" panose="020B0604030504040204" pitchFamily="34" charset="-128"/>
-            </a:endParaRPr>
+            <a:pPr marL="0" indent="0">
+              <a:buNone/>
+            </a:pPr>
+            <a:r>
+              <a:rPr kumimoji="1" lang="ja-JP" altLang="en-US">
+                <a:latin typeface="Meiryo UI" panose="020B0604030504040204" pitchFamily="34" charset="-128"/>
+                <a:ea typeface="Meiryo UI" panose="020B0604030504040204" pitchFamily="34" charset="-128"/>
+              </a:rPr>
+              <a:t>会話の中で、固有名詞が途中で「あれ」「それ」などの指示代名詞に変わってしまい、後でデータ抽出が難しくなる現象を再現しながら自由会話の</a:t>
+            </a:r>
+            <a:r>
+              <a:rPr kumimoji="1" lang="en-US" altLang="ja-JP" dirty="0">
+                <a:latin typeface="Meiryo UI" panose="020B0604030504040204" pitchFamily="34" charset="-128"/>
+                <a:ea typeface="Meiryo UI" panose="020B0604030504040204" pitchFamily="34" charset="-128"/>
+              </a:rPr>
+              <a:t>RAG</a:t>
+            </a:r>
+            <a:r>
+              <a:rPr kumimoji="1" lang="ja-JP" altLang="en-US">
+                <a:latin typeface="Meiryo UI" panose="020B0604030504040204" pitchFamily="34" charset="-128"/>
+                <a:ea typeface="Meiryo UI" panose="020B0604030504040204" pitchFamily="34" charset="-128"/>
+              </a:rPr>
+              <a:t>の評価を可能にしています。</a:t>
+            </a:r>
           </a:p>
         </p:txBody>
       </p:sp>
     </p:spTree>
     <p:extLst>
       <p:ext uri="{BB962C8B-B14F-4D97-AF65-F5344CB8AC3E}">
-        <p14:creationId xmlns:p14="http://schemas.microsoft.com/office/powerpoint/2010/main" val="2022958706"/>
+        <p14:creationId xmlns:p14="http://schemas.microsoft.com/office/powerpoint/2010/main" val="587699240"/>
       </p:ext>
     </p:extLst>
   </p:cSld>
@@ -5513,7 +6169,7 @@
           <p:cNvPr id="2" name="タイトル 1">
             <a:extLst>
               <a:ext uri="{FF2B5EF4-FFF2-40B4-BE49-F238E27FC236}">
-                <a16:creationId xmlns:a16="http://schemas.microsoft.com/office/drawing/2014/main" id="{7B2D15A5-1EE4-06E3-C8C7-B2DA53D23B15}"/>
+                <a16:creationId xmlns:a16="http://schemas.microsoft.com/office/drawing/2014/main" id="{851E89CD-8ADB-7432-D86F-144754EEE57E}"/>
               </a:ext>
             </a:extLst>
           </p:cNvPr>
@@ -5534,7 +6190,7 @@
                 <a:latin typeface="Meiryo UI" panose="020B0604030504040204" pitchFamily="34" charset="-128"/>
                 <a:ea typeface="Meiryo UI" panose="020B0604030504040204" pitchFamily="34" charset="-128"/>
               </a:rPr>
-              <a:t>目次</a:t>
+              <a:t>使用モデル・設定</a:t>
             </a:r>
           </a:p>
         </p:txBody>
@@ -5544,7 +6200,7 @@
           <p:cNvPr id="3" name="コンテンツ プレースホルダー 2">
             <a:extLst>
               <a:ext uri="{FF2B5EF4-FFF2-40B4-BE49-F238E27FC236}">
-                <a16:creationId xmlns:a16="http://schemas.microsoft.com/office/drawing/2014/main" id="{783E899B-D99E-4FE6-5953-C2052C580006}"/>
+                <a16:creationId xmlns:a16="http://schemas.microsoft.com/office/drawing/2014/main" id="{69FD2357-0D24-02F1-03A3-63E61C6FB1A5}"/>
               </a:ext>
             </a:extLst>
           </p:cNvPr>
@@ -5557,21 +6213,25 @@
         </p:nvSpPr>
         <p:spPr/>
         <p:txBody>
-          <a:bodyPr>
-            <a:normAutofit/>
-          </a:bodyPr>
+          <a:bodyPr/>
           <a:lstStyle/>
           <a:p>
-            <a:pPr marL="514350" indent="-514350">
-              <a:buFont typeface="+mj-lt"/>
-              <a:buAutoNum type="arabicPeriod"/>
+            <a:pPr marL="0" indent="0">
+              <a:buNone/>
             </a:pPr>
             <a:r>
+              <a:rPr kumimoji="1" lang="en-US" altLang="ja-JP" dirty="0">
+                <a:latin typeface="Meiryo UI" panose="020B0604030504040204" pitchFamily="34" charset="-128"/>
+                <a:ea typeface="Meiryo UI" panose="020B0604030504040204" pitchFamily="34" charset="-128"/>
+              </a:rPr>
+              <a:t>OpenAI</a:t>
+            </a:r>
+            <a:r>
               <a:rPr kumimoji="1" lang="ja-JP" altLang="en-US">
                 <a:latin typeface="Meiryo UI" panose="020B0604030504040204" pitchFamily="34" charset="-128"/>
                 <a:ea typeface="Meiryo UI" panose="020B0604030504040204" pitchFamily="34" charset="-128"/>
               </a:rPr>
-              <a:t>サイドバーメニュー</a:t>
+              <a:t>モデル</a:t>
             </a:r>
             <a:endParaRPr kumimoji="1" lang="en-US" altLang="ja-JP" dirty="0">
               <a:latin typeface="Meiryo UI" panose="020B0604030504040204" pitchFamily="34" charset="-128"/>
@@ -5579,84 +6239,56 @@
             </a:endParaRPr>
           </a:p>
           <a:p>
-            <a:pPr marL="514350" indent="-514350">
-              <a:buFont typeface="+mj-lt"/>
-              <a:buAutoNum type="arabicPeriod"/>
-            </a:pPr>
+            <a:r>
+              <a:rPr kumimoji="1" lang="en-US" altLang="ja-JP" dirty="0">
+                <a:latin typeface="Meiryo UI" panose="020B0604030504040204" pitchFamily="34" charset="-128"/>
+                <a:ea typeface="Meiryo UI" panose="020B0604030504040204" pitchFamily="34" charset="-128"/>
+              </a:rPr>
+              <a:t>LLM: gpt-4o-mini-2024-07-18 (</a:t>
+            </a:r>
             <a:r>
               <a:rPr kumimoji="1" lang="ja-JP" altLang="en-US">
                 <a:latin typeface="Meiryo UI" panose="020B0604030504040204" pitchFamily="34" charset="-128"/>
                 <a:ea typeface="Meiryo UI" panose="020B0604030504040204" pitchFamily="34" charset="-128"/>
               </a:rPr>
-              <a:t>ホーム</a:t>
-            </a:r>
-            <a:endParaRPr kumimoji="1" lang="en-US" altLang="ja-JP" dirty="0">
-              <a:latin typeface="Meiryo UI" panose="020B0604030504040204" pitchFamily="34" charset="-128"/>
-              <a:ea typeface="Meiryo UI" panose="020B0604030504040204" pitchFamily="34" charset="-128"/>
-            </a:endParaRPr>
-          </a:p>
-          <a:p>
-            <a:pPr marL="514350" indent="-514350">
-              <a:buFont typeface="+mj-lt"/>
-              <a:buAutoNum type="arabicPeriod"/>
-            </a:pPr>
+              <a:t>固定</a:t>
+            </a:r>
+            <a:r>
+              <a:rPr kumimoji="1" lang="en-US" altLang="ja-JP" dirty="0">
+                <a:latin typeface="Meiryo UI" panose="020B0604030504040204" pitchFamily="34" charset="-128"/>
+                <a:ea typeface="Meiryo UI" panose="020B0604030504040204" pitchFamily="34" charset="-128"/>
+              </a:rPr>
+              <a:t>)</a:t>
+            </a:r>
+          </a:p>
+          <a:p>
+            <a:r>
+              <a:rPr lang="en-US" altLang="ja-JP" dirty="0">
+                <a:latin typeface="Meiryo UI" panose="020B0604030504040204" pitchFamily="34" charset="-128"/>
+                <a:ea typeface="Meiryo UI" panose="020B0604030504040204" pitchFamily="34" charset="-128"/>
+              </a:rPr>
+              <a:t>Embedding: text-embedding-3-large</a:t>
+            </a:r>
+            <a:r>
+              <a:rPr kumimoji="1" lang="en-US" altLang="ja-JP" dirty="0">
+                <a:latin typeface="Meiryo UI" panose="020B0604030504040204" pitchFamily="34" charset="-128"/>
+                <a:ea typeface="Meiryo UI" panose="020B0604030504040204" pitchFamily="34" charset="-128"/>
+              </a:rPr>
+              <a:t> (</a:t>
+            </a:r>
             <a:r>
               <a:rPr kumimoji="1" lang="ja-JP" altLang="en-US">
                 <a:latin typeface="Meiryo UI" panose="020B0604030504040204" pitchFamily="34" charset="-128"/>
                 <a:ea typeface="Meiryo UI" panose="020B0604030504040204" pitchFamily="34" charset="-128"/>
               </a:rPr>
-              <a:t>会話生成</a:t>
-            </a:r>
-            <a:endParaRPr kumimoji="1" lang="en-US" altLang="ja-JP" dirty="0">
-              <a:latin typeface="Meiryo UI" panose="020B0604030504040204" pitchFamily="34" charset="-128"/>
-              <a:ea typeface="Meiryo UI" panose="020B0604030504040204" pitchFamily="34" charset="-128"/>
-            </a:endParaRPr>
-          </a:p>
-          <a:p>
-            <a:pPr marL="514350" indent="-514350">
-              <a:buFont typeface="+mj-lt"/>
-              <a:buAutoNum type="arabicPeriod"/>
-            </a:pPr>
-            <a:r>
-              <a:rPr kumimoji="1" lang="ja-JP" altLang="en-US">
-                <a:latin typeface="Meiryo UI" panose="020B0604030504040204" pitchFamily="34" charset="-128"/>
-                <a:ea typeface="Meiryo UI" panose="020B0604030504040204" pitchFamily="34" charset="-128"/>
-              </a:rPr>
-              <a:t>質問と回答の生成</a:t>
-            </a:r>
-            <a:endParaRPr kumimoji="1" lang="en-US" altLang="ja-JP" dirty="0">
-              <a:latin typeface="Meiryo UI" panose="020B0604030504040204" pitchFamily="34" charset="-128"/>
-              <a:ea typeface="Meiryo UI" panose="020B0604030504040204" pitchFamily="34" charset="-128"/>
-            </a:endParaRPr>
-          </a:p>
-          <a:p>
-            <a:pPr marL="514350" indent="-514350">
-              <a:buFont typeface="+mj-lt"/>
-              <a:buAutoNum type="arabicPeriod"/>
-            </a:pPr>
-            <a:r>
-              <a:rPr lang="ja-JP" altLang="en-US">
-                <a:latin typeface="Meiryo UI" panose="020B0604030504040204" pitchFamily="34" charset="-128"/>
-                <a:ea typeface="Meiryo UI" panose="020B0604030504040204" pitchFamily="34" charset="-128"/>
-              </a:rPr>
-              <a:t>ベクトル化</a:t>
-            </a:r>
-            <a:endParaRPr kumimoji="1" lang="en-US" altLang="ja-JP" dirty="0">
-              <a:latin typeface="Meiryo UI" panose="020B0604030504040204" pitchFamily="34" charset="-128"/>
-              <a:ea typeface="Meiryo UI" panose="020B0604030504040204" pitchFamily="34" charset="-128"/>
-            </a:endParaRPr>
-          </a:p>
-          <a:p>
-            <a:pPr marL="514350" indent="-514350">
-              <a:buFont typeface="+mj-lt"/>
-              <a:buAutoNum type="arabicPeriod"/>
-            </a:pPr>
-            <a:r>
-              <a:rPr lang="ja-JP" altLang="en-US">
-                <a:latin typeface="Meiryo UI" panose="020B0604030504040204" pitchFamily="34" charset="-128"/>
-                <a:ea typeface="Meiryo UI" panose="020B0604030504040204" pitchFamily="34" charset="-128"/>
-              </a:rPr>
-              <a:t>回答の評価</a:t>
+              <a:t>固定</a:t>
+            </a:r>
+            <a:r>
+              <a:rPr kumimoji="1" lang="en-US" altLang="ja-JP" dirty="0">
+                <a:latin typeface="Meiryo UI" panose="020B0604030504040204" pitchFamily="34" charset="-128"/>
+                <a:ea typeface="Meiryo UI" panose="020B0604030504040204" pitchFamily="34" charset="-128"/>
+              </a:rPr>
+              <a:t>)</a:t>
             </a:r>
             <a:endParaRPr lang="en-US" altLang="ja-JP" dirty="0">
               <a:latin typeface="Meiryo UI" panose="020B0604030504040204" pitchFamily="34" charset="-128"/>
@@ -5664,16 +6296,77 @@
             </a:endParaRPr>
           </a:p>
           <a:p>
-            <a:pPr marL="514350" indent="-514350">
-              <a:buFont typeface="+mj-lt"/>
-              <a:buAutoNum type="arabicPeriod"/>
-            </a:pPr>
-            <a:r>
-              <a:rPr lang="ja-JP" altLang="en-US">
-                <a:latin typeface="Meiryo UI" panose="020B0604030504040204" pitchFamily="34" charset="-128"/>
-                <a:ea typeface="Meiryo UI" panose="020B0604030504040204" pitchFamily="34" charset="-128"/>
-              </a:rPr>
-              <a:t>ワークフロー実行</a:t>
+            <a:r>
+              <a:rPr kumimoji="1" lang="en-US" altLang="ja-JP" dirty="0" err="1">
+                <a:latin typeface="Meiryo UI" panose="020B0604030504040204" pitchFamily="34" charset="-128"/>
+                <a:ea typeface="Meiryo UI" panose="020B0604030504040204" pitchFamily="34" charset="-128"/>
+              </a:rPr>
+              <a:t>MaxTokens</a:t>
+            </a:r>
+            <a:r>
+              <a:rPr kumimoji="1" lang="en-US" altLang="ja-JP" dirty="0">
+                <a:latin typeface="Meiryo UI" panose="020B0604030504040204" pitchFamily="34" charset="-128"/>
+                <a:ea typeface="Meiryo UI" panose="020B0604030504040204" pitchFamily="34" charset="-128"/>
+              </a:rPr>
+              <a:t>:</a:t>
+            </a:r>
+            <a:r>
+              <a:rPr lang="en-US" altLang="ja-JP" dirty="0">
+                <a:latin typeface="Meiryo UI" panose="020B0604030504040204" pitchFamily="34" charset="-128"/>
+                <a:ea typeface="Meiryo UI" panose="020B0604030504040204" pitchFamily="34" charset="-128"/>
+              </a:rPr>
+              <a:t> </a:t>
+            </a:r>
+            <a:r>
+              <a:rPr kumimoji="1" lang="en-US" altLang="ja-JP" dirty="0">
+                <a:latin typeface="Meiryo UI" panose="020B0604030504040204" pitchFamily="34" charset="-128"/>
+                <a:ea typeface="Meiryo UI" panose="020B0604030504040204" pitchFamily="34" charset="-128"/>
+              </a:rPr>
+              <a:t>2000(</a:t>
+            </a:r>
+            <a:r>
+              <a:rPr kumimoji="1" lang="ja-JP" altLang="en-US">
+                <a:latin typeface="Meiryo UI" panose="020B0604030504040204" pitchFamily="34" charset="-128"/>
+                <a:ea typeface="Meiryo UI" panose="020B0604030504040204" pitchFamily="34" charset="-128"/>
+              </a:rPr>
+              <a:t>固定</a:t>
+            </a:r>
+            <a:r>
+              <a:rPr kumimoji="1" lang="en-US" altLang="ja-JP" dirty="0">
+                <a:latin typeface="Meiryo UI" panose="020B0604030504040204" pitchFamily="34" charset="-128"/>
+                <a:ea typeface="Meiryo UI" panose="020B0604030504040204" pitchFamily="34" charset="-128"/>
+              </a:rPr>
+              <a:t>)</a:t>
+            </a:r>
+          </a:p>
+          <a:p>
+            <a:r>
+              <a:rPr lang="en-US" altLang="ja-JP" dirty="0">
+                <a:latin typeface="Meiryo UI" panose="020B0604030504040204" pitchFamily="34" charset="-128"/>
+                <a:ea typeface="Meiryo UI" panose="020B0604030504040204" pitchFamily="34" charset="-128"/>
+              </a:rPr>
+              <a:t>Seed: 42</a:t>
+            </a:r>
+            <a:r>
+              <a:rPr kumimoji="1" lang="en-US" altLang="ja-JP" dirty="0">
+                <a:latin typeface="Meiryo UI" panose="020B0604030504040204" pitchFamily="34" charset="-128"/>
+                <a:ea typeface="Meiryo UI" panose="020B0604030504040204" pitchFamily="34" charset="-128"/>
+              </a:rPr>
+              <a:t> (</a:t>
+            </a:r>
+            <a:r>
+              <a:rPr kumimoji="1" lang="ja-JP" altLang="en-US">
+                <a:latin typeface="Meiryo UI" panose="020B0604030504040204" pitchFamily="34" charset="-128"/>
+                <a:ea typeface="Meiryo UI" panose="020B0604030504040204" pitchFamily="34" charset="-128"/>
+              </a:rPr>
+              <a:t>固定</a:t>
+            </a:r>
+            <a:r>
+              <a:rPr kumimoji="1" lang="en-US" altLang="ja-JP" dirty="0">
+                <a:latin typeface="Meiryo UI" panose="020B0604030504040204" pitchFamily="34" charset="-128"/>
+                <a:ea typeface="Meiryo UI" panose="020B0604030504040204" pitchFamily="34" charset="-128"/>
+              </a:rPr>
+              <a:t>)</a:t>
             </a:r>
             <a:endParaRPr lang="en-US" altLang="ja-JP" dirty="0">
               <a:latin typeface="Meiryo UI" panose="020B0604030504040204" pitchFamily="34" charset="-128"/>
@@ -5681,27 +6374,34 @@
             </a:endParaRPr>
           </a:p>
           <a:p>
-            <a:pPr marL="514350" indent="-514350">
-              <a:buFont typeface="+mj-lt"/>
-              <a:buAutoNum type="arabicPeriod"/>
-            </a:pPr>
+            <a:r>
+              <a:rPr kumimoji="1" lang="en-US" altLang="ja-JP" dirty="0" err="1">
+                <a:latin typeface="Meiryo UI" panose="020B0604030504040204" pitchFamily="34" charset="-128"/>
+                <a:ea typeface="Meiryo UI" panose="020B0604030504040204" pitchFamily="34" charset="-128"/>
+              </a:rPr>
+              <a:t>Tem</a:t>
+            </a:r>
+            <a:r>
+              <a:rPr lang="en-US" altLang="ja-JP" dirty="0" err="1">
+                <a:latin typeface="Meiryo UI" panose="020B0604030504040204" pitchFamily="34" charset="-128"/>
+                <a:ea typeface="Meiryo UI" panose="020B0604030504040204" pitchFamily="34" charset="-128"/>
+              </a:rPr>
+              <a:t>parature</a:t>
+            </a:r>
+            <a:r>
+              <a:rPr lang="en-US" altLang="ja-JP" dirty="0">
+                <a:latin typeface="Meiryo UI" panose="020B0604030504040204" pitchFamily="34" charset="-128"/>
+                <a:ea typeface="Meiryo UI" panose="020B0604030504040204" pitchFamily="34" charset="-128"/>
+              </a:rPr>
+              <a:t>: 0-2.0</a:t>
+            </a:r>
             <a:r>
               <a:rPr lang="ja-JP" altLang="en-US">
                 <a:latin typeface="Meiryo UI" panose="020B0604030504040204" pitchFamily="34" charset="-128"/>
                 <a:ea typeface="Meiryo UI" panose="020B0604030504040204" pitchFamily="34" charset="-128"/>
               </a:rPr>
-              <a:t>分析ダッシュボード</a:t>
-            </a:r>
-            <a:endParaRPr lang="en-US" altLang="ja-JP" dirty="0">
-              <a:latin typeface="Meiryo UI" panose="020B0604030504040204" pitchFamily="34" charset="-128"/>
-              <a:ea typeface="Meiryo UI" panose="020B0604030504040204" pitchFamily="34" charset="-128"/>
-            </a:endParaRPr>
-          </a:p>
-          <a:p>
-            <a:pPr marL="514350" indent="-514350">
-              <a:buFont typeface="+mj-lt"/>
-              <a:buAutoNum type="arabicPeriod"/>
-            </a:pPr>
+              <a:t>までの間で任意</a:t>
+            </a:r>
             <a:endParaRPr kumimoji="1" lang="ja-JP" altLang="en-US">
               <a:latin typeface="Meiryo UI" panose="020B0604030504040204" pitchFamily="34" charset="-128"/>
               <a:ea typeface="Meiryo UI" panose="020B0604030504040204" pitchFamily="34" charset="-128"/>
@@ -5712,7 +6412,7 @@
     </p:spTree>
     <p:extLst>
       <p:ext uri="{BB962C8B-B14F-4D97-AF65-F5344CB8AC3E}">
-        <p14:creationId xmlns:p14="http://schemas.microsoft.com/office/powerpoint/2010/main" val="2134666940"/>
+        <p14:creationId xmlns:p14="http://schemas.microsoft.com/office/powerpoint/2010/main" val="2022958706"/>
       </p:ext>
     </p:extLst>
   </p:cSld>
@@ -5744,7 +6444,7 @@
           <p:cNvPr id="2" name="タイトル 1">
             <a:extLst>
               <a:ext uri="{FF2B5EF4-FFF2-40B4-BE49-F238E27FC236}">
-                <a16:creationId xmlns:a16="http://schemas.microsoft.com/office/drawing/2014/main" id="{5B4BC245-9222-B390-C1E3-DFD054FDDCD1}"/>
+                <a16:creationId xmlns:a16="http://schemas.microsoft.com/office/drawing/2014/main" id="{7B2D15A5-1EE4-06E3-C8C7-B2DA53D23B15}"/>
               </a:ext>
             </a:extLst>
           </p:cNvPr>
@@ -5761,18 +6461,11 @@
           <a:lstStyle/>
           <a:p>
             <a:r>
-              <a:rPr kumimoji="1" lang="en-US" altLang="ja-JP" dirty="0">
-                <a:latin typeface="Meiryo UI" panose="020B0604030504040204" pitchFamily="34" charset="-128"/>
-                <a:ea typeface="Meiryo UI" panose="020B0604030504040204" pitchFamily="34" charset="-128"/>
-              </a:rPr>
-              <a:t>1. </a:t>
-            </a:r>
-            <a:r>
               <a:rPr kumimoji="1" lang="ja-JP" altLang="en-US">
                 <a:latin typeface="Meiryo UI" panose="020B0604030504040204" pitchFamily="34" charset="-128"/>
                 <a:ea typeface="Meiryo UI" panose="020B0604030504040204" pitchFamily="34" charset="-128"/>
               </a:rPr>
-              <a:t>サイドバーメニュー</a:t>
+              <a:t>目次</a:t>
             </a:r>
           </a:p>
         </p:txBody>
@@ -5782,7 +6475,7 @@
           <p:cNvPr id="3" name="コンテンツ プレースホルダー 2">
             <a:extLst>
               <a:ext uri="{FF2B5EF4-FFF2-40B4-BE49-F238E27FC236}">
-                <a16:creationId xmlns:a16="http://schemas.microsoft.com/office/drawing/2014/main" id="{5E2E8B0B-1CF9-A388-DFB0-6905698807A4}"/>
+                <a16:creationId xmlns:a16="http://schemas.microsoft.com/office/drawing/2014/main" id="{783E899B-D99E-4FE6-5953-C2052C580006}"/>
               </a:ext>
             </a:extLst>
           </p:cNvPr>
@@ -5793,252 +6486,164 @@
             <p:ph idx="1"/>
           </p:nvPr>
         </p:nvSpPr>
-        <p:spPr>
-          <a:xfrm>
-            <a:off x="838200" y="1371600"/>
-            <a:ext cx="10515600" cy="5486399"/>
-          </a:xfrm>
-        </p:spPr>
+        <p:spPr/>
         <p:txBody>
           <a:bodyPr>
             <a:normAutofit/>
           </a:bodyPr>
           <a:lstStyle/>
           <a:p>
-            <a:r>
-              <a:rPr kumimoji="1" lang="ja-JP" altLang="en-US" sz="2000">
-                <a:latin typeface="Meiryo UI" panose="020B0604030504040204" pitchFamily="34" charset="-128"/>
-                <a:ea typeface="Meiryo UI" panose="020B0604030504040204" pitchFamily="34" charset="-128"/>
-              </a:rPr>
-              <a:t>ホーム</a:t>
-            </a:r>
-            <a:br>
-              <a:rPr lang="en-US" altLang="ja-JP" sz="2000" dirty="0">
-                <a:latin typeface="Meiryo UI" panose="020B0604030504040204" pitchFamily="34" charset="-128"/>
-                <a:ea typeface="Meiryo UI" panose="020B0604030504040204" pitchFamily="34" charset="-128"/>
-              </a:rPr>
-            </a:br>
-            <a:r>
-              <a:rPr lang="ja-JP" altLang="en-US" sz="2000">
-                <a:latin typeface="Meiryo UI" panose="020B0604030504040204" pitchFamily="34" charset="-128"/>
-                <a:ea typeface="Meiryo UI" panose="020B0604030504040204" pitchFamily="34" charset="-128"/>
-              </a:rPr>
-              <a:t>説明書とサンプルがダウンロードできます。</a:t>
-            </a:r>
-            <a:endParaRPr kumimoji="1" lang="en-US" altLang="ja-JP" sz="2000" dirty="0">
+            <a:pPr marL="514350" indent="-514350">
+              <a:buFont typeface="+mj-lt"/>
+              <a:buAutoNum type="arabicPeriod"/>
+            </a:pPr>
+            <a:r>
+              <a:rPr kumimoji="1" lang="ja-JP" altLang="en-US">
+                <a:latin typeface="Meiryo UI" panose="020B0604030504040204" pitchFamily="34" charset="-128"/>
+                <a:ea typeface="Meiryo UI" panose="020B0604030504040204" pitchFamily="34" charset="-128"/>
+              </a:rPr>
+              <a:t>サイドバーメニュー</a:t>
+            </a:r>
+            <a:endParaRPr kumimoji="1" lang="en-US" altLang="ja-JP" dirty="0">
               <a:latin typeface="Meiryo UI" panose="020B0604030504040204" pitchFamily="34" charset="-128"/>
               <a:ea typeface="Meiryo UI" panose="020B0604030504040204" pitchFamily="34" charset="-128"/>
             </a:endParaRPr>
           </a:p>
           <a:p>
-            <a:r>
-              <a:rPr lang="ja-JP" altLang="en-US" sz="2000">
-                <a:latin typeface="Meiryo UI" panose="020B0604030504040204" pitchFamily="34" charset="-128"/>
-                <a:ea typeface="Meiryo UI" panose="020B0604030504040204" pitchFamily="34" charset="-128"/>
-              </a:rPr>
-              <a:t>会話生成</a:t>
-            </a:r>
-            <a:br>
-              <a:rPr lang="en-US" altLang="ja-JP" sz="2000" dirty="0">
-                <a:latin typeface="Meiryo UI" panose="020B0604030504040204" pitchFamily="34" charset="-128"/>
-                <a:ea typeface="Meiryo UI" panose="020B0604030504040204" pitchFamily="34" charset="-128"/>
-              </a:rPr>
-            </a:br>
-            <a:r>
-              <a:rPr lang="ja-JP" altLang="en-US" sz="2000">
-                <a:latin typeface="Meiryo UI" panose="020B0604030504040204" pitchFamily="34" charset="-128"/>
-                <a:ea typeface="Meiryo UI" panose="020B0604030504040204" pitchFamily="34" charset="-128"/>
-              </a:rPr>
-              <a:t>サンプルまたは任意のワード、情報、プロンプトで会話生成できます。</a:t>
-            </a:r>
-            <a:endParaRPr lang="en-US" altLang="ja-JP" sz="2000" dirty="0">
+            <a:pPr marL="514350" indent="-514350">
+              <a:buFont typeface="+mj-lt"/>
+              <a:buAutoNum type="arabicPeriod"/>
+            </a:pPr>
+            <a:r>
+              <a:rPr kumimoji="1" lang="ja-JP" altLang="en-US">
+                <a:latin typeface="Meiryo UI" panose="020B0604030504040204" pitchFamily="34" charset="-128"/>
+                <a:ea typeface="Meiryo UI" panose="020B0604030504040204" pitchFamily="34" charset="-128"/>
+              </a:rPr>
+              <a:t>ホーム</a:t>
+            </a:r>
+            <a:endParaRPr kumimoji="1" lang="en-US" altLang="ja-JP" dirty="0">
               <a:latin typeface="Meiryo UI" panose="020B0604030504040204" pitchFamily="34" charset="-128"/>
               <a:ea typeface="Meiryo UI" panose="020B0604030504040204" pitchFamily="34" charset="-128"/>
             </a:endParaRPr>
           </a:p>
           <a:p>
-            <a:r>
-              <a:rPr kumimoji="1" lang="ja-JP" altLang="en-US" sz="2000">
-                <a:latin typeface="Meiryo UI" panose="020B0604030504040204" pitchFamily="34" charset="-128"/>
-                <a:ea typeface="Meiryo UI" panose="020B0604030504040204" pitchFamily="34" charset="-128"/>
-              </a:rPr>
-              <a:t>質問と回答の生成</a:t>
-            </a:r>
-            <a:br>
-              <a:rPr kumimoji="1" lang="en-US" altLang="ja-JP" sz="2000" dirty="0">
-                <a:latin typeface="Meiryo UI" panose="020B0604030504040204" pitchFamily="34" charset="-128"/>
-                <a:ea typeface="Meiryo UI" panose="020B0604030504040204" pitchFamily="34" charset="-128"/>
-              </a:rPr>
-            </a:br>
-            <a:r>
-              <a:rPr kumimoji="1" lang="ja-JP" altLang="en-US" sz="2000">
-                <a:latin typeface="Meiryo UI" panose="020B0604030504040204" pitchFamily="34" charset="-128"/>
-                <a:ea typeface="Meiryo UI" panose="020B0604030504040204" pitchFamily="34" charset="-128"/>
-              </a:rPr>
-              <a:t>会話生成で生成した会話を元に質問とその回答を生成します。</a:t>
-            </a:r>
-            <a:endParaRPr kumimoji="1" lang="en-US" altLang="ja-JP" sz="2000" dirty="0">
+            <a:pPr marL="514350" indent="-514350">
+              <a:buFont typeface="+mj-lt"/>
+              <a:buAutoNum type="arabicPeriod"/>
+            </a:pPr>
+            <a:r>
+              <a:rPr kumimoji="1" lang="ja-JP" altLang="en-US">
+                <a:latin typeface="Meiryo UI" panose="020B0604030504040204" pitchFamily="34" charset="-128"/>
+                <a:ea typeface="Meiryo UI" panose="020B0604030504040204" pitchFamily="34" charset="-128"/>
+              </a:rPr>
+              <a:t>会話生成</a:t>
+            </a:r>
+            <a:endParaRPr kumimoji="1" lang="en-US" altLang="ja-JP" dirty="0">
               <a:latin typeface="Meiryo UI" panose="020B0604030504040204" pitchFamily="34" charset="-128"/>
               <a:ea typeface="Meiryo UI" panose="020B0604030504040204" pitchFamily="34" charset="-128"/>
             </a:endParaRPr>
           </a:p>
           <a:p>
-            <a:r>
-              <a:rPr lang="ja-JP" altLang="en-US" sz="2000">
-                <a:latin typeface="Meiryo UI" panose="020B0604030504040204" pitchFamily="34" charset="-128"/>
-                <a:ea typeface="Meiryo UI" panose="020B0604030504040204" pitchFamily="34" charset="-128"/>
-              </a:rPr>
-              <a:t>ベクトル化</a:t>
-            </a:r>
-            <a:br>
-              <a:rPr lang="en-US" altLang="ja-JP" sz="2000" dirty="0">
-                <a:latin typeface="Meiryo UI" panose="020B0604030504040204" pitchFamily="34" charset="-128"/>
-                <a:ea typeface="Meiryo UI" panose="020B0604030504040204" pitchFamily="34" charset="-128"/>
-              </a:rPr>
-            </a:br>
-            <a:r>
-              <a:rPr kumimoji="1" lang="ja-JP" altLang="en-US" sz="2000">
-                <a:latin typeface="Meiryo UI" panose="020B0604030504040204" pitchFamily="34" charset="-128"/>
-                <a:ea typeface="Meiryo UI" panose="020B0604030504040204" pitchFamily="34" charset="-128"/>
-              </a:rPr>
-              <a:t>生成した会話履歴をベクトル化します。</a:t>
-            </a:r>
-            <a:endParaRPr kumimoji="1" lang="en-US" altLang="ja-JP" sz="2000" dirty="0">
+            <a:pPr marL="514350" indent="-514350">
+              <a:buFont typeface="+mj-lt"/>
+              <a:buAutoNum type="arabicPeriod"/>
+            </a:pPr>
+            <a:r>
+              <a:rPr kumimoji="1" lang="ja-JP" altLang="en-US">
+                <a:latin typeface="Meiryo UI" panose="020B0604030504040204" pitchFamily="34" charset="-128"/>
+                <a:ea typeface="Meiryo UI" panose="020B0604030504040204" pitchFamily="34" charset="-128"/>
+              </a:rPr>
+              <a:t>質問と回答の生成</a:t>
+            </a:r>
+            <a:endParaRPr kumimoji="1" lang="en-US" altLang="ja-JP" dirty="0">
               <a:latin typeface="Meiryo UI" panose="020B0604030504040204" pitchFamily="34" charset="-128"/>
               <a:ea typeface="Meiryo UI" panose="020B0604030504040204" pitchFamily="34" charset="-128"/>
             </a:endParaRPr>
           </a:p>
           <a:p>
-            <a:r>
-              <a:rPr lang="ja-JP" altLang="en-US" sz="2000">
-                <a:latin typeface="Meiryo UI" panose="020B0604030504040204" pitchFamily="34" charset="-128"/>
-                <a:ea typeface="Meiryo UI" panose="020B0604030504040204" pitchFamily="34" charset="-128"/>
-              </a:rPr>
-              <a:t>回答の評価</a:t>
-            </a:r>
-            <a:br>
-              <a:rPr lang="en-US" altLang="ja-JP" sz="2000" dirty="0">
-                <a:latin typeface="Meiryo UI" panose="020B0604030504040204" pitchFamily="34" charset="-128"/>
-                <a:ea typeface="Meiryo UI" panose="020B0604030504040204" pitchFamily="34" charset="-128"/>
-              </a:rPr>
-            </a:br>
-            <a:r>
-              <a:rPr lang="ja-JP" altLang="en-US" sz="2000">
-                <a:latin typeface="Meiryo UI" panose="020B0604030504040204" pitchFamily="34" charset="-128"/>
-                <a:ea typeface="Meiryo UI" panose="020B0604030504040204" pitchFamily="34" charset="-128"/>
-              </a:rPr>
-              <a:t>使用する</a:t>
-            </a:r>
-            <a:r>
-              <a:rPr lang="en-US" altLang="ja-JP" sz="2000" dirty="0">
-                <a:latin typeface="Meiryo UI" panose="020B0604030504040204" pitchFamily="34" charset="-128"/>
-                <a:ea typeface="Meiryo UI" panose="020B0604030504040204" pitchFamily="34" charset="-128"/>
-              </a:rPr>
-              <a:t>RAG</a:t>
-            </a:r>
-            <a:r>
-              <a:rPr lang="ja-JP" altLang="en-US" sz="2000">
-                <a:latin typeface="Meiryo UI" panose="020B0604030504040204" pitchFamily="34" charset="-128"/>
-                <a:ea typeface="Meiryo UI" panose="020B0604030504040204" pitchFamily="34" charset="-128"/>
-              </a:rPr>
-              <a:t>を選んで、質問と回答で生成したクエリを使用して</a:t>
-            </a:r>
-            <a:br>
-              <a:rPr lang="en-US" altLang="ja-JP" sz="2000" dirty="0">
-                <a:latin typeface="Meiryo UI" panose="020B0604030504040204" pitchFamily="34" charset="-128"/>
-                <a:ea typeface="Meiryo UI" panose="020B0604030504040204" pitchFamily="34" charset="-128"/>
-              </a:rPr>
-            </a:br>
-            <a:r>
-              <a:rPr lang="ja-JP" altLang="en-US" sz="2000">
-                <a:latin typeface="Meiryo UI" panose="020B0604030504040204" pitchFamily="34" charset="-128"/>
-                <a:ea typeface="Meiryo UI" panose="020B0604030504040204" pitchFamily="34" charset="-128"/>
-              </a:rPr>
-              <a:t>会話生成で使用した会話履歴を用いて</a:t>
-            </a:r>
-            <a:r>
-              <a:rPr lang="en-US" altLang="ja-JP" sz="2000" dirty="0">
-                <a:latin typeface="Meiryo UI" panose="020B0604030504040204" pitchFamily="34" charset="-128"/>
-                <a:ea typeface="Meiryo UI" panose="020B0604030504040204" pitchFamily="34" charset="-128"/>
-              </a:rPr>
-              <a:t>RAG</a:t>
-            </a:r>
-            <a:r>
-              <a:rPr lang="ja-JP" altLang="en-US" sz="2000">
-                <a:latin typeface="Meiryo UI" panose="020B0604030504040204" pitchFamily="34" charset="-128"/>
-                <a:ea typeface="Meiryo UI" panose="020B0604030504040204" pitchFamily="34" charset="-128"/>
-              </a:rPr>
-              <a:t>の回答評価をします。</a:t>
-            </a:r>
-            <a:endParaRPr lang="en-US" altLang="ja-JP" sz="2000" dirty="0">
+            <a:pPr marL="514350" indent="-514350">
+              <a:buFont typeface="+mj-lt"/>
+              <a:buAutoNum type="arabicPeriod"/>
+            </a:pPr>
+            <a:r>
+              <a:rPr lang="ja-JP" altLang="en-US">
+                <a:latin typeface="Meiryo UI" panose="020B0604030504040204" pitchFamily="34" charset="-128"/>
+                <a:ea typeface="Meiryo UI" panose="020B0604030504040204" pitchFamily="34" charset="-128"/>
+              </a:rPr>
+              <a:t>ベクトル化</a:t>
+            </a:r>
+            <a:endParaRPr kumimoji="1" lang="en-US" altLang="ja-JP" dirty="0">
               <a:latin typeface="Meiryo UI" panose="020B0604030504040204" pitchFamily="34" charset="-128"/>
               <a:ea typeface="Meiryo UI" panose="020B0604030504040204" pitchFamily="34" charset="-128"/>
             </a:endParaRPr>
           </a:p>
           <a:p>
-            <a:r>
-              <a:rPr lang="ja-JP" altLang="en-US" sz="2000">
-                <a:latin typeface="Meiryo UI" panose="020B0604030504040204" pitchFamily="34" charset="-128"/>
-                <a:ea typeface="Meiryo UI" panose="020B0604030504040204" pitchFamily="34" charset="-128"/>
-              </a:rPr>
-              <a:t>ワークフロー実行</a:t>
-            </a:r>
-            <a:br>
-              <a:rPr lang="en-US" altLang="ja-JP" sz="2000" dirty="0">
-                <a:latin typeface="Meiryo UI" panose="020B0604030504040204" pitchFamily="34" charset="-128"/>
-                <a:ea typeface="Meiryo UI" panose="020B0604030504040204" pitchFamily="34" charset="-128"/>
-              </a:rPr>
-            </a:br>
-            <a:r>
-              <a:rPr lang="ja-JP" altLang="en-US" sz="2000">
-                <a:latin typeface="Meiryo UI" panose="020B0604030504040204" pitchFamily="34" charset="-128"/>
-                <a:ea typeface="Meiryo UI" panose="020B0604030504040204" pitchFamily="34" charset="-128"/>
-              </a:rPr>
-              <a:t>会話生成→質問と回答の生成→ベクトル化→回答の評価までの一連のワークフローを実行します。</a:t>
-            </a:r>
-            <a:endParaRPr lang="en-US" altLang="ja-JP" sz="2000" dirty="0">
+            <a:pPr marL="514350" indent="-514350">
+              <a:buFont typeface="+mj-lt"/>
+              <a:buAutoNum type="arabicPeriod"/>
+            </a:pPr>
+            <a:r>
+              <a:rPr lang="ja-JP" altLang="en-US">
+                <a:latin typeface="Meiryo UI" panose="020B0604030504040204" pitchFamily="34" charset="-128"/>
+                <a:ea typeface="Meiryo UI" panose="020B0604030504040204" pitchFamily="34" charset="-128"/>
+              </a:rPr>
+              <a:t>回答の評価</a:t>
+            </a:r>
+            <a:endParaRPr lang="en-US" altLang="ja-JP" dirty="0">
               <a:latin typeface="Meiryo UI" panose="020B0604030504040204" pitchFamily="34" charset="-128"/>
               <a:ea typeface="Meiryo UI" panose="020B0604030504040204" pitchFamily="34" charset="-128"/>
             </a:endParaRPr>
           </a:p>
           <a:p>
-            <a:r>
-              <a:rPr lang="ja-JP" altLang="en-US" sz="2000">
-                <a:latin typeface="Meiryo UI" panose="020B0604030504040204" pitchFamily="34" charset="-128"/>
-                <a:ea typeface="Meiryo UI" panose="020B0604030504040204" pitchFamily="34" charset="-128"/>
-              </a:rPr>
-              <a:t>分析ダッシュボード</a:t>
-            </a:r>
-            <a:br>
-              <a:rPr lang="en-US" altLang="ja-JP" sz="2000" dirty="0">
-                <a:latin typeface="Meiryo UI" panose="020B0604030504040204" pitchFamily="34" charset="-128"/>
-                <a:ea typeface="Meiryo UI" panose="020B0604030504040204" pitchFamily="34" charset="-128"/>
-              </a:rPr>
-            </a:br>
-            <a:r>
-              <a:rPr lang="ja-JP" altLang="en-US" sz="2000">
-                <a:latin typeface="Meiryo UI" panose="020B0604030504040204" pitchFamily="34" charset="-128"/>
-                <a:ea typeface="Meiryo UI" panose="020B0604030504040204" pitchFamily="34" charset="-128"/>
-              </a:rPr>
-              <a:t>選択したタスクの会話の分析を行います。</a:t>
-            </a:r>
-            <a:endParaRPr lang="en-US" altLang="ja-JP" sz="2000" dirty="0">
+            <a:pPr marL="514350" indent="-514350">
+              <a:buFont typeface="+mj-lt"/>
+              <a:buAutoNum type="arabicPeriod"/>
+            </a:pPr>
+            <a:r>
+              <a:rPr lang="ja-JP" altLang="en-US">
+                <a:latin typeface="Meiryo UI" panose="020B0604030504040204" pitchFamily="34" charset="-128"/>
+                <a:ea typeface="Meiryo UI" panose="020B0604030504040204" pitchFamily="34" charset="-128"/>
+              </a:rPr>
+              <a:t>ワークフロー実行</a:t>
+            </a:r>
+            <a:endParaRPr lang="en-US" altLang="ja-JP" dirty="0">
               <a:latin typeface="Meiryo UI" panose="020B0604030504040204" pitchFamily="34" charset="-128"/>
               <a:ea typeface="Meiryo UI" panose="020B0604030504040204" pitchFamily="34" charset="-128"/>
             </a:endParaRPr>
           </a:p>
           <a:p>
-            <a:endParaRPr kumimoji="1" lang="ja-JP" altLang="en-US" sz="2000">
+            <a:pPr marL="514350" indent="-514350">
+              <a:buFont typeface="+mj-lt"/>
+              <a:buAutoNum type="arabicPeriod"/>
+            </a:pPr>
+            <a:r>
+              <a:rPr lang="ja-JP" altLang="en-US">
+                <a:latin typeface="Meiryo UI" panose="020B0604030504040204" pitchFamily="34" charset="-128"/>
+                <a:ea typeface="Meiryo UI" panose="020B0604030504040204" pitchFamily="34" charset="-128"/>
+              </a:rPr>
+              <a:t>分析ダッシュボード</a:t>
+            </a:r>
+            <a:endParaRPr lang="en-US" altLang="ja-JP" dirty="0">
               <a:latin typeface="Meiryo UI" panose="020B0604030504040204" pitchFamily="34" charset="-128"/>
               <a:ea typeface="Meiryo UI" panose="020B0604030504040204" pitchFamily="34" charset="-128"/>
             </a:endParaRPr>
           </a:p>
+          <a:p>
+            <a:pPr marL="514350" indent="-514350">
+              <a:buFont typeface="+mj-lt"/>
+              <a:buAutoNum type="arabicPeriod"/>
+            </a:pPr>
+            <a:endParaRPr kumimoji="1" lang="ja-JP" altLang="en-US">
+              <a:latin typeface="Meiryo UI" panose="020B0604030504040204" pitchFamily="34" charset="-128"/>
+              <a:ea typeface="Meiryo UI" panose="020B0604030504040204" pitchFamily="34" charset="-128"/>
+            </a:endParaRPr>
+          </a:p>
         </p:txBody>
       </p:sp>
     </p:spTree>
     <p:extLst>
       <p:ext uri="{BB962C8B-B14F-4D97-AF65-F5344CB8AC3E}">
-        <p14:creationId xmlns:p14="http://schemas.microsoft.com/office/powerpoint/2010/main" val="2554802156"/>
+        <p14:creationId xmlns:p14="http://schemas.microsoft.com/office/powerpoint/2010/main" val="2134666940"/>
       </p:ext>
     </p:extLst>
   </p:cSld>
@@ -6070,7 +6675,7 @@
           <p:cNvPr id="2" name="タイトル 1">
             <a:extLst>
               <a:ext uri="{FF2B5EF4-FFF2-40B4-BE49-F238E27FC236}">
-                <a16:creationId xmlns:a16="http://schemas.microsoft.com/office/drawing/2014/main" id="{C0AAD8CF-B942-315A-1C6E-BE9C0E028B4A}"/>
+                <a16:creationId xmlns:a16="http://schemas.microsoft.com/office/drawing/2014/main" id="{5B4BC245-9222-B390-C1E3-DFD054FDDCD1}"/>
               </a:ext>
             </a:extLst>
           </p:cNvPr>
@@ -6091,32 +6696,320 @@
                 <a:latin typeface="Meiryo UI" panose="020B0604030504040204" pitchFamily="34" charset="-128"/>
                 <a:ea typeface="Meiryo UI" panose="020B0604030504040204" pitchFamily="34" charset="-128"/>
               </a:rPr>
-              <a:t>2. </a:t>
+              <a:t>1. </a:t>
             </a:r>
             <a:r>
               <a:rPr kumimoji="1" lang="ja-JP" altLang="en-US">
                 <a:latin typeface="Meiryo UI" panose="020B0604030504040204" pitchFamily="34" charset="-128"/>
                 <a:ea typeface="Meiryo UI" panose="020B0604030504040204" pitchFamily="34" charset="-128"/>
               </a:rPr>
+              <a:t>サイドバーメニュー</a:t>
+            </a:r>
+          </a:p>
+        </p:txBody>
+      </p:sp>
+      <p:sp>
+        <p:nvSpPr>
+          <p:cNvPr id="3" name="コンテンツ プレースホルダー 2">
+            <a:extLst>
+              <a:ext uri="{FF2B5EF4-FFF2-40B4-BE49-F238E27FC236}">
+                <a16:creationId xmlns:a16="http://schemas.microsoft.com/office/drawing/2014/main" id="{5E2E8B0B-1CF9-A388-DFB0-6905698807A4}"/>
+              </a:ext>
+            </a:extLst>
+          </p:cNvPr>
+          <p:cNvSpPr>
+            <a:spLocks noGrp="1"/>
+          </p:cNvSpPr>
+          <p:nvPr>
+            <p:ph idx="1"/>
+          </p:nvPr>
+        </p:nvSpPr>
+        <p:spPr>
+          <a:xfrm>
+            <a:off x="838200" y="1371600"/>
+            <a:ext cx="10515600" cy="5486399"/>
+          </a:xfrm>
+        </p:spPr>
+        <p:txBody>
+          <a:bodyPr>
+            <a:normAutofit/>
+          </a:bodyPr>
+          <a:lstStyle/>
+          <a:p>
+            <a:r>
+              <a:rPr kumimoji="1" lang="ja-JP" altLang="en-US" sz="2000">
+                <a:latin typeface="Meiryo UI" panose="020B0604030504040204" pitchFamily="34" charset="-128"/>
+                <a:ea typeface="Meiryo UI" panose="020B0604030504040204" pitchFamily="34" charset="-128"/>
+              </a:rPr>
               <a:t>ホーム</a:t>
             </a:r>
-          </a:p>
-        </p:txBody>
-      </p:sp>
-      <p:sp>
-        <p:nvSpPr>
-          <p:cNvPr id="3" name="コンテンツ プレースホルダー 2">
-            <a:extLst>
-              <a:ext uri="{FF2B5EF4-FFF2-40B4-BE49-F238E27FC236}">
-                <a16:creationId xmlns:a16="http://schemas.microsoft.com/office/drawing/2014/main" id="{330DC671-2736-AE24-CB7C-C8405952AC0B}"/>
-              </a:ext>
-            </a:extLst>
-          </p:cNvPr>
-          <p:cNvSpPr>
-            <a:spLocks noGrp="1"/>
-          </p:cNvSpPr>
-          <p:nvPr>
-            <p:ph idx="1"/>
+            <a:br>
+              <a:rPr lang="en-US" altLang="ja-JP" sz="2000" dirty="0">
+                <a:latin typeface="Meiryo UI" panose="020B0604030504040204" pitchFamily="34" charset="-128"/>
+                <a:ea typeface="Meiryo UI" panose="020B0604030504040204" pitchFamily="34" charset="-128"/>
+              </a:rPr>
+            </a:br>
+            <a:r>
+              <a:rPr lang="ja-JP" altLang="en-US" sz="2000">
+                <a:latin typeface="Meiryo UI" panose="020B0604030504040204" pitchFamily="34" charset="-128"/>
+                <a:ea typeface="Meiryo UI" panose="020B0604030504040204" pitchFamily="34" charset="-128"/>
+              </a:rPr>
+              <a:t>説明書とサンプルがダウンロードできます。</a:t>
+            </a:r>
+            <a:endParaRPr kumimoji="1" lang="en-US" altLang="ja-JP" sz="2000" dirty="0">
+              <a:latin typeface="Meiryo UI" panose="020B0604030504040204" pitchFamily="34" charset="-128"/>
+              <a:ea typeface="Meiryo UI" panose="020B0604030504040204" pitchFamily="34" charset="-128"/>
+            </a:endParaRPr>
+          </a:p>
+          <a:p>
+            <a:r>
+              <a:rPr lang="ja-JP" altLang="en-US" sz="2000">
+                <a:latin typeface="Meiryo UI" panose="020B0604030504040204" pitchFamily="34" charset="-128"/>
+                <a:ea typeface="Meiryo UI" panose="020B0604030504040204" pitchFamily="34" charset="-128"/>
+              </a:rPr>
+              <a:t>会話生成</a:t>
+            </a:r>
+            <a:br>
+              <a:rPr lang="en-US" altLang="ja-JP" sz="2000" dirty="0">
+                <a:latin typeface="Meiryo UI" panose="020B0604030504040204" pitchFamily="34" charset="-128"/>
+                <a:ea typeface="Meiryo UI" panose="020B0604030504040204" pitchFamily="34" charset="-128"/>
+              </a:rPr>
+            </a:br>
+            <a:r>
+              <a:rPr lang="ja-JP" altLang="en-US" sz="2000">
+                <a:latin typeface="Meiryo UI" panose="020B0604030504040204" pitchFamily="34" charset="-128"/>
+                <a:ea typeface="Meiryo UI" panose="020B0604030504040204" pitchFamily="34" charset="-128"/>
+              </a:rPr>
+              <a:t>サンプルまたは任意のワード、情報、プロンプトで会話生成できます。</a:t>
+            </a:r>
+            <a:endParaRPr lang="en-US" altLang="ja-JP" sz="2000" dirty="0">
+              <a:latin typeface="Meiryo UI" panose="020B0604030504040204" pitchFamily="34" charset="-128"/>
+              <a:ea typeface="Meiryo UI" panose="020B0604030504040204" pitchFamily="34" charset="-128"/>
+            </a:endParaRPr>
+          </a:p>
+          <a:p>
+            <a:r>
+              <a:rPr kumimoji="1" lang="ja-JP" altLang="en-US" sz="2000">
+                <a:latin typeface="Meiryo UI" panose="020B0604030504040204" pitchFamily="34" charset="-128"/>
+                <a:ea typeface="Meiryo UI" panose="020B0604030504040204" pitchFamily="34" charset="-128"/>
+              </a:rPr>
+              <a:t>質問と回答の生成</a:t>
+            </a:r>
+            <a:br>
+              <a:rPr kumimoji="1" lang="en-US" altLang="ja-JP" sz="2000" dirty="0">
+                <a:latin typeface="Meiryo UI" panose="020B0604030504040204" pitchFamily="34" charset="-128"/>
+                <a:ea typeface="Meiryo UI" panose="020B0604030504040204" pitchFamily="34" charset="-128"/>
+              </a:rPr>
+            </a:br>
+            <a:r>
+              <a:rPr kumimoji="1" lang="ja-JP" altLang="en-US" sz="2000">
+                <a:latin typeface="Meiryo UI" panose="020B0604030504040204" pitchFamily="34" charset="-128"/>
+                <a:ea typeface="Meiryo UI" panose="020B0604030504040204" pitchFamily="34" charset="-128"/>
+              </a:rPr>
+              <a:t>会話生成で生成した会話を元に質問とその回答を生成します。</a:t>
+            </a:r>
+            <a:endParaRPr kumimoji="1" lang="en-US" altLang="ja-JP" sz="2000" dirty="0">
+              <a:latin typeface="Meiryo UI" panose="020B0604030504040204" pitchFamily="34" charset="-128"/>
+              <a:ea typeface="Meiryo UI" panose="020B0604030504040204" pitchFamily="34" charset="-128"/>
+            </a:endParaRPr>
+          </a:p>
+          <a:p>
+            <a:r>
+              <a:rPr lang="ja-JP" altLang="en-US" sz="2000">
+                <a:latin typeface="Meiryo UI" panose="020B0604030504040204" pitchFamily="34" charset="-128"/>
+                <a:ea typeface="Meiryo UI" panose="020B0604030504040204" pitchFamily="34" charset="-128"/>
+              </a:rPr>
+              <a:t>ベクトル化</a:t>
+            </a:r>
+            <a:br>
+              <a:rPr lang="en-US" altLang="ja-JP" sz="2000" dirty="0">
+                <a:latin typeface="Meiryo UI" panose="020B0604030504040204" pitchFamily="34" charset="-128"/>
+                <a:ea typeface="Meiryo UI" panose="020B0604030504040204" pitchFamily="34" charset="-128"/>
+              </a:rPr>
+            </a:br>
+            <a:r>
+              <a:rPr kumimoji="1" lang="ja-JP" altLang="en-US" sz="2000">
+                <a:latin typeface="Meiryo UI" panose="020B0604030504040204" pitchFamily="34" charset="-128"/>
+                <a:ea typeface="Meiryo UI" panose="020B0604030504040204" pitchFamily="34" charset="-128"/>
+              </a:rPr>
+              <a:t>生成した会話履歴をベクトル化します。</a:t>
+            </a:r>
+            <a:endParaRPr kumimoji="1" lang="en-US" altLang="ja-JP" sz="2000" dirty="0">
+              <a:latin typeface="Meiryo UI" panose="020B0604030504040204" pitchFamily="34" charset="-128"/>
+              <a:ea typeface="Meiryo UI" panose="020B0604030504040204" pitchFamily="34" charset="-128"/>
+            </a:endParaRPr>
+          </a:p>
+          <a:p>
+            <a:r>
+              <a:rPr lang="ja-JP" altLang="en-US" sz="2000">
+                <a:latin typeface="Meiryo UI" panose="020B0604030504040204" pitchFamily="34" charset="-128"/>
+                <a:ea typeface="Meiryo UI" panose="020B0604030504040204" pitchFamily="34" charset="-128"/>
+              </a:rPr>
+              <a:t>回答の評価</a:t>
+            </a:r>
+            <a:br>
+              <a:rPr lang="en-US" altLang="ja-JP" sz="2000" dirty="0">
+                <a:latin typeface="Meiryo UI" panose="020B0604030504040204" pitchFamily="34" charset="-128"/>
+                <a:ea typeface="Meiryo UI" panose="020B0604030504040204" pitchFamily="34" charset="-128"/>
+              </a:rPr>
+            </a:br>
+            <a:r>
+              <a:rPr lang="ja-JP" altLang="en-US" sz="2000">
+                <a:latin typeface="Meiryo UI" panose="020B0604030504040204" pitchFamily="34" charset="-128"/>
+                <a:ea typeface="Meiryo UI" panose="020B0604030504040204" pitchFamily="34" charset="-128"/>
+              </a:rPr>
+              <a:t>使用する</a:t>
+            </a:r>
+            <a:r>
+              <a:rPr lang="en-US" altLang="ja-JP" sz="2000" dirty="0">
+                <a:latin typeface="Meiryo UI" panose="020B0604030504040204" pitchFamily="34" charset="-128"/>
+                <a:ea typeface="Meiryo UI" panose="020B0604030504040204" pitchFamily="34" charset="-128"/>
+              </a:rPr>
+              <a:t>RAG</a:t>
+            </a:r>
+            <a:r>
+              <a:rPr lang="ja-JP" altLang="en-US" sz="2000">
+                <a:latin typeface="Meiryo UI" panose="020B0604030504040204" pitchFamily="34" charset="-128"/>
+                <a:ea typeface="Meiryo UI" panose="020B0604030504040204" pitchFamily="34" charset="-128"/>
+              </a:rPr>
+              <a:t>を選んで、質問と回答で生成したクエリを使用して</a:t>
+            </a:r>
+            <a:br>
+              <a:rPr lang="en-US" altLang="ja-JP" sz="2000" dirty="0">
+                <a:latin typeface="Meiryo UI" panose="020B0604030504040204" pitchFamily="34" charset="-128"/>
+                <a:ea typeface="Meiryo UI" panose="020B0604030504040204" pitchFamily="34" charset="-128"/>
+              </a:rPr>
+            </a:br>
+            <a:r>
+              <a:rPr lang="ja-JP" altLang="en-US" sz="2000">
+                <a:latin typeface="Meiryo UI" panose="020B0604030504040204" pitchFamily="34" charset="-128"/>
+                <a:ea typeface="Meiryo UI" panose="020B0604030504040204" pitchFamily="34" charset="-128"/>
+              </a:rPr>
+              <a:t>会話生成で使用した会話履歴を用いて</a:t>
+            </a:r>
+            <a:r>
+              <a:rPr lang="en-US" altLang="ja-JP" sz="2000" dirty="0">
+                <a:latin typeface="Meiryo UI" panose="020B0604030504040204" pitchFamily="34" charset="-128"/>
+                <a:ea typeface="Meiryo UI" panose="020B0604030504040204" pitchFamily="34" charset="-128"/>
+              </a:rPr>
+              <a:t>RAG</a:t>
+            </a:r>
+            <a:r>
+              <a:rPr lang="ja-JP" altLang="en-US" sz="2000">
+                <a:latin typeface="Meiryo UI" panose="020B0604030504040204" pitchFamily="34" charset="-128"/>
+                <a:ea typeface="Meiryo UI" panose="020B0604030504040204" pitchFamily="34" charset="-128"/>
+              </a:rPr>
+              <a:t>の回答評価をします。</a:t>
+            </a:r>
+            <a:endParaRPr lang="en-US" altLang="ja-JP" sz="2000" dirty="0">
+              <a:latin typeface="Meiryo UI" panose="020B0604030504040204" pitchFamily="34" charset="-128"/>
+              <a:ea typeface="Meiryo UI" panose="020B0604030504040204" pitchFamily="34" charset="-128"/>
+            </a:endParaRPr>
+          </a:p>
+          <a:p>
+            <a:r>
+              <a:rPr lang="ja-JP" altLang="en-US" sz="2000">
+                <a:latin typeface="Meiryo UI" panose="020B0604030504040204" pitchFamily="34" charset="-128"/>
+                <a:ea typeface="Meiryo UI" panose="020B0604030504040204" pitchFamily="34" charset="-128"/>
+              </a:rPr>
+              <a:t>ワークフロー実行</a:t>
+            </a:r>
+            <a:br>
+              <a:rPr lang="en-US" altLang="ja-JP" sz="2000" dirty="0">
+                <a:latin typeface="Meiryo UI" panose="020B0604030504040204" pitchFamily="34" charset="-128"/>
+                <a:ea typeface="Meiryo UI" panose="020B0604030504040204" pitchFamily="34" charset="-128"/>
+              </a:rPr>
+            </a:br>
+            <a:r>
+              <a:rPr lang="ja-JP" altLang="en-US" sz="2000">
+                <a:latin typeface="Meiryo UI" panose="020B0604030504040204" pitchFamily="34" charset="-128"/>
+                <a:ea typeface="Meiryo UI" panose="020B0604030504040204" pitchFamily="34" charset="-128"/>
+              </a:rPr>
+              <a:t>会話生成→質問と回答の生成→ベクトル化→回答の評価までの一連のワークフローを実行します。</a:t>
+            </a:r>
+            <a:endParaRPr lang="en-US" altLang="ja-JP" sz="2000" dirty="0">
+              <a:latin typeface="Meiryo UI" panose="020B0604030504040204" pitchFamily="34" charset="-128"/>
+              <a:ea typeface="Meiryo UI" panose="020B0604030504040204" pitchFamily="34" charset="-128"/>
+            </a:endParaRPr>
+          </a:p>
+          <a:p>
+            <a:r>
+              <a:rPr lang="ja-JP" altLang="en-US" sz="2000">
+                <a:latin typeface="Meiryo UI" panose="020B0604030504040204" pitchFamily="34" charset="-128"/>
+                <a:ea typeface="Meiryo UI" panose="020B0604030504040204" pitchFamily="34" charset="-128"/>
+              </a:rPr>
+              <a:t>分析ダッシュボード</a:t>
+            </a:r>
+            <a:br>
+              <a:rPr lang="en-US" altLang="ja-JP" sz="2000" dirty="0">
+                <a:latin typeface="Meiryo UI" panose="020B0604030504040204" pitchFamily="34" charset="-128"/>
+                <a:ea typeface="Meiryo UI" panose="020B0604030504040204" pitchFamily="34" charset="-128"/>
+              </a:rPr>
+            </a:br>
+            <a:r>
+              <a:rPr lang="ja-JP" altLang="en-US" sz="2000">
+                <a:latin typeface="Meiryo UI" panose="020B0604030504040204" pitchFamily="34" charset="-128"/>
+                <a:ea typeface="Meiryo UI" panose="020B0604030504040204" pitchFamily="34" charset="-128"/>
+              </a:rPr>
+              <a:t>選択したタスクの会話の分析を行います。</a:t>
+            </a:r>
+            <a:endParaRPr lang="en-US" altLang="ja-JP" sz="2000" dirty="0">
+              <a:latin typeface="Meiryo UI" panose="020B0604030504040204" pitchFamily="34" charset="-128"/>
+              <a:ea typeface="Meiryo UI" panose="020B0604030504040204" pitchFamily="34" charset="-128"/>
+            </a:endParaRPr>
+          </a:p>
+          <a:p>
+            <a:endParaRPr kumimoji="1" lang="ja-JP" altLang="en-US" sz="2000">
+              <a:latin typeface="Meiryo UI" panose="020B0604030504040204" pitchFamily="34" charset="-128"/>
+              <a:ea typeface="Meiryo UI" panose="020B0604030504040204" pitchFamily="34" charset="-128"/>
+            </a:endParaRPr>
+          </a:p>
+        </p:txBody>
+      </p:sp>
+    </p:spTree>
+    <p:extLst>
+      <p:ext uri="{BB962C8B-B14F-4D97-AF65-F5344CB8AC3E}">
+        <p14:creationId xmlns:p14="http://schemas.microsoft.com/office/powerpoint/2010/main" val="2554802156"/>
+      </p:ext>
+    </p:extLst>
+  </p:cSld>
+  <p:clrMapOvr>
+    <a:masterClrMapping/>
+  </p:clrMapOvr>
+</p:sld>
+</file>
+
+<file path=ppt/slides/slide7.xml><?xml version="1.0" encoding="utf-8"?>
+<p:sld xmlns:a="http://schemas.openxmlformats.org/drawingml/2006/main" xmlns:r="http://schemas.openxmlformats.org/officeDocument/2006/relationships" xmlns:p="http://schemas.openxmlformats.org/presentationml/2006/main">
+  <p:cSld>
+    <p:spTree>
+      <p:nvGrpSpPr>
+        <p:cNvPr id="1" name=""/>
+        <p:cNvGrpSpPr/>
+        <p:nvPr/>
+      </p:nvGrpSpPr>
+      <p:grpSpPr>
+        <a:xfrm>
+          <a:off x="0" y="0"/>
+          <a:ext cx="0" cy="0"/>
+          <a:chOff x="0" y="0"/>
+          <a:chExt cx="0" cy="0"/>
+        </a:xfrm>
+      </p:grpSpPr>
+      <p:sp>
+        <p:nvSpPr>
+          <p:cNvPr id="2" name="タイトル 1">
+            <a:extLst>
+              <a:ext uri="{FF2B5EF4-FFF2-40B4-BE49-F238E27FC236}">
+                <a16:creationId xmlns:a16="http://schemas.microsoft.com/office/drawing/2014/main" id="{C0AAD8CF-B942-315A-1C6E-BE9C0E028B4A}"/>
+              </a:ext>
+            </a:extLst>
+          </p:cNvPr>
+          <p:cNvSpPr>
+            <a:spLocks noGrp="1"/>
+          </p:cNvSpPr>
+          <p:nvPr>
+            <p:ph type="title"/>
           </p:nvPr>
         </p:nvSpPr>
         <p:spPr/>
@@ -6125,33 +7018,92 @@
           <a:lstStyle/>
           <a:p>
             <a:r>
-              <a:rPr kumimoji="1" lang="ja-JP" altLang="en-US"/>
+              <a:rPr kumimoji="1" lang="en-US" altLang="ja-JP" dirty="0">
+                <a:latin typeface="Meiryo UI" panose="020B0604030504040204" pitchFamily="34" charset="-128"/>
+                <a:ea typeface="Meiryo UI" panose="020B0604030504040204" pitchFamily="34" charset="-128"/>
+              </a:rPr>
+              <a:t>2. </a:t>
+            </a:r>
+            <a:r>
+              <a:rPr kumimoji="1" lang="ja-JP" altLang="en-US">
+                <a:latin typeface="Meiryo UI" panose="020B0604030504040204" pitchFamily="34" charset="-128"/>
+                <a:ea typeface="Meiryo UI" panose="020B0604030504040204" pitchFamily="34" charset="-128"/>
+              </a:rPr>
+              <a:t>ホーム</a:t>
+            </a:r>
+          </a:p>
+        </p:txBody>
+      </p:sp>
+      <p:sp>
+        <p:nvSpPr>
+          <p:cNvPr id="3" name="コンテンツ プレースホルダー 2">
+            <a:extLst>
+              <a:ext uri="{FF2B5EF4-FFF2-40B4-BE49-F238E27FC236}">
+                <a16:creationId xmlns:a16="http://schemas.microsoft.com/office/drawing/2014/main" id="{330DC671-2736-AE24-CB7C-C8405952AC0B}"/>
+              </a:ext>
+            </a:extLst>
+          </p:cNvPr>
+          <p:cNvSpPr>
+            <a:spLocks noGrp="1"/>
+          </p:cNvSpPr>
+          <p:nvPr>
+            <p:ph idx="1"/>
+          </p:nvPr>
+        </p:nvSpPr>
+        <p:spPr/>
+        <p:txBody>
+          <a:bodyPr/>
+          <a:lstStyle/>
+          <a:p>
+            <a:r>
+              <a:rPr kumimoji="1" lang="ja-JP" altLang="en-US">
+                <a:latin typeface="Meiryo UI" panose="020B0604030504040204" pitchFamily="34" charset="-128"/>
+                <a:ea typeface="Meiryo UI" panose="020B0604030504040204" pitchFamily="34" charset="-128"/>
+              </a:rPr>
               <a:t>マニュアルとサンプルが入った</a:t>
             </a:r>
             <a:r>
-              <a:rPr kumimoji="1" lang="en-US" altLang="ja-JP" dirty="0"/>
+              <a:rPr kumimoji="1" lang="en-US" altLang="ja-JP" dirty="0">
+                <a:latin typeface="Meiryo UI" panose="020B0604030504040204" pitchFamily="34" charset="-128"/>
+                <a:ea typeface="Meiryo UI" panose="020B0604030504040204" pitchFamily="34" charset="-128"/>
+              </a:rPr>
               <a:t>zip</a:t>
             </a:r>
             <a:r>
-              <a:rPr kumimoji="1" lang="ja-JP" altLang="en-US"/>
+              <a:rPr kumimoji="1" lang="ja-JP" altLang="en-US">
+                <a:latin typeface="Meiryo UI" panose="020B0604030504040204" pitchFamily="34" charset="-128"/>
+                <a:ea typeface="Meiryo UI" panose="020B0604030504040204" pitchFamily="34" charset="-128"/>
+              </a:rPr>
               <a:t>をダウンロードできます</a:t>
             </a:r>
-            <a:endParaRPr kumimoji="1" lang="en-US" altLang="ja-JP" dirty="0"/>
+            <a:endParaRPr kumimoji="1" lang="en-US" altLang="ja-JP" dirty="0">
+              <a:latin typeface="Meiryo UI" panose="020B0604030504040204" pitchFamily="34" charset="-128"/>
+              <a:ea typeface="Meiryo UI" panose="020B0604030504040204" pitchFamily="34" charset="-128"/>
+            </a:endParaRPr>
           </a:p>
           <a:p>
             <a:pPr marL="0" indent="0">
               <a:buNone/>
             </a:pPr>
             <a:r>
-              <a:rPr lang="en-US" altLang="ja-JP" dirty="0"/>
+              <a:rPr lang="en-US" altLang="ja-JP" dirty="0">
+                <a:latin typeface="Meiryo UI" panose="020B0604030504040204" pitchFamily="34" charset="-128"/>
+                <a:ea typeface="Meiryo UI" panose="020B0604030504040204" pitchFamily="34" charset="-128"/>
+              </a:rPr>
               <a:t>[</a:t>
             </a:r>
             <a:r>
-              <a:rPr lang="ja-JP" altLang="en-US"/>
+              <a:rPr lang="ja-JP" altLang="en-US">
+                <a:latin typeface="Meiryo UI" panose="020B0604030504040204" pitchFamily="34" charset="-128"/>
+                <a:ea typeface="Meiryo UI" panose="020B0604030504040204" pitchFamily="34" charset="-128"/>
+              </a:rPr>
               <a:t>中身</a:t>
             </a:r>
             <a:r>
-              <a:rPr lang="en-US" altLang="ja-JP" dirty="0"/>
+              <a:rPr lang="en-US" altLang="ja-JP" dirty="0">
+                <a:latin typeface="Meiryo UI" panose="020B0604030504040204" pitchFamily="34" charset="-128"/>
+                <a:ea typeface="Meiryo UI" panose="020B0604030504040204" pitchFamily="34" charset="-128"/>
+              </a:rPr>
               <a:t>]</a:t>
             </a:r>
           </a:p>
@@ -6160,79 +7112,133 @@
               <a:buNone/>
             </a:pPr>
             <a:r>
-              <a:rPr lang="en-US" altLang="ja-JP" dirty="0" err="1"/>
+              <a:rPr lang="en-US" altLang="ja-JP" dirty="0" err="1">
+                <a:latin typeface="Meiryo UI" panose="020B0604030504040204" pitchFamily="34" charset="-128"/>
+                <a:ea typeface="Meiryo UI" panose="020B0604030504040204" pitchFamily="34" charset="-128"/>
+              </a:rPr>
               <a:t>m</a:t>
             </a:r>
             <a:r>
-              <a:rPr kumimoji="1" lang="en-US" altLang="ja-JP" dirty="0" err="1"/>
+              <a:rPr kumimoji="1" lang="en-US" altLang="ja-JP" dirty="0" err="1">
+                <a:latin typeface="Meiryo UI" panose="020B0604030504040204" pitchFamily="34" charset="-128"/>
+                <a:ea typeface="Meiryo UI" panose="020B0604030504040204" pitchFamily="34" charset="-128"/>
+              </a:rPr>
               <a:t>cr</a:t>
             </a:r>
             <a:r>
-              <a:rPr lang="en-US" altLang="ja-JP" dirty="0" err="1"/>
+              <a:rPr lang="en-US" altLang="ja-JP" dirty="0" err="1">
+                <a:latin typeface="Meiryo UI" panose="020B0604030504040204" pitchFamily="34" charset="-128"/>
+                <a:ea typeface="Meiryo UI" panose="020B0604030504040204" pitchFamily="34" charset="-128"/>
+              </a:rPr>
               <a:t>ag_mcp</a:t>
             </a:r>
             <a:r>
-              <a:rPr lang="en-US" altLang="ja-JP" dirty="0"/>
+              <a:rPr lang="en-US" altLang="ja-JP" dirty="0">
+                <a:latin typeface="Meiryo UI" panose="020B0604030504040204" pitchFamily="34" charset="-128"/>
+                <a:ea typeface="Meiryo UI" panose="020B0604030504040204" pitchFamily="34" charset="-128"/>
+              </a:rPr>
               <a:t>_</a:t>
             </a:r>
             <a:r>
-              <a:rPr lang="ja-JP" altLang="en-US"/>
+              <a:rPr lang="ja-JP" altLang="en-US">
+                <a:latin typeface="Meiryo UI" panose="020B0604030504040204" pitchFamily="34" charset="-128"/>
+                <a:ea typeface="Meiryo UI" panose="020B0604030504040204" pitchFamily="34" charset="-128"/>
+              </a:rPr>
               <a:t>マニュアル</a:t>
             </a:r>
             <a:r>
-              <a:rPr lang="en-US" altLang="ja-JP" dirty="0"/>
+              <a:rPr lang="en-US" altLang="ja-JP" dirty="0">
+                <a:latin typeface="Meiryo UI" panose="020B0604030504040204" pitchFamily="34" charset="-128"/>
+                <a:ea typeface="Meiryo UI" panose="020B0604030504040204" pitchFamily="34" charset="-128"/>
+              </a:rPr>
               <a:t>.pdf…</a:t>
             </a:r>
             <a:r>
-              <a:rPr lang="ja-JP" altLang="en-US"/>
+              <a:rPr lang="ja-JP" altLang="en-US">
+                <a:latin typeface="Meiryo UI" panose="020B0604030504040204" pitchFamily="34" charset="-128"/>
+                <a:ea typeface="Meiryo UI" panose="020B0604030504040204" pitchFamily="34" charset="-128"/>
+              </a:rPr>
               <a:t>本書。</a:t>
             </a:r>
             <a:r>
-              <a:rPr lang="en-US" altLang="ja-JP" dirty="0"/>
+              <a:rPr lang="en-US" altLang="ja-JP" dirty="0">
+                <a:latin typeface="Meiryo UI" panose="020B0604030504040204" pitchFamily="34" charset="-128"/>
+                <a:ea typeface="Meiryo UI" panose="020B0604030504040204" pitchFamily="34" charset="-128"/>
+              </a:rPr>
               <a:t>MCRAG</a:t>
             </a:r>
             <a:r>
-              <a:rPr lang="ja-JP" altLang="en-US"/>
+              <a:rPr lang="ja-JP" altLang="en-US">
+                <a:latin typeface="Meiryo UI" panose="020B0604030504040204" pitchFamily="34" charset="-128"/>
+                <a:ea typeface="Meiryo UI" panose="020B0604030504040204" pitchFamily="34" charset="-128"/>
+              </a:rPr>
               <a:t>の使用方法などを記載。</a:t>
             </a:r>
-            <a:endParaRPr lang="en-US" altLang="ja-JP" dirty="0"/>
+            <a:endParaRPr lang="en-US" altLang="ja-JP" dirty="0">
+              <a:latin typeface="Meiryo UI" panose="020B0604030504040204" pitchFamily="34" charset="-128"/>
+              <a:ea typeface="Meiryo UI" panose="020B0604030504040204" pitchFamily="34" charset="-128"/>
+            </a:endParaRPr>
           </a:p>
           <a:p>
             <a:pPr marL="0" indent="0">
               <a:buNone/>
             </a:pPr>
             <a:r>
-              <a:rPr lang="en-US" altLang="ja-JP" dirty="0" err="1"/>
+              <a:rPr lang="en-US" altLang="ja-JP" dirty="0" err="1">
+                <a:latin typeface="Meiryo UI" panose="020B0604030504040204" pitchFamily="34" charset="-128"/>
+                <a:ea typeface="Meiryo UI" panose="020B0604030504040204" pitchFamily="34" charset="-128"/>
+              </a:rPr>
               <a:t>sample.csv</a:t>
             </a:r>
             <a:r>
-              <a:rPr lang="en-US" altLang="ja-JP" dirty="0"/>
+              <a:rPr lang="en-US" altLang="ja-JP" dirty="0">
+                <a:latin typeface="Meiryo UI" panose="020B0604030504040204" pitchFamily="34" charset="-128"/>
+                <a:ea typeface="Meiryo UI" panose="020B0604030504040204" pitchFamily="34" charset="-128"/>
+              </a:rPr>
               <a:t>…</a:t>
             </a:r>
             <a:r>
-              <a:rPr lang="ja-JP" altLang="en-US"/>
+              <a:rPr lang="ja-JP" altLang="en-US">
+                <a:latin typeface="Meiryo UI" panose="020B0604030504040204" pitchFamily="34" charset="-128"/>
+                <a:ea typeface="Meiryo UI" panose="020B0604030504040204" pitchFamily="34" charset="-128"/>
+              </a:rPr>
               <a:t>アプリに使用できるサンプルの単語とその情報</a:t>
             </a:r>
-            <a:endParaRPr lang="en-US" altLang="ja-JP" dirty="0"/>
+            <a:endParaRPr lang="en-US" altLang="ja-JP" dirty="0">
+              <a:latin typeface="Meiryo UI" panose="020B0604030504040204" pitchFamily="34" charset="-128"/>
+              <a:ea typeface="Meiryo UI" panose="020B0604030504040204" pitchFamily="34" charset="-128"/>
+            </a:endParaRPr>
           </a:p>
           <a:p>
             <a:pPr marL="0" indent="0">
               <a:buNone/>
             </a:pPr>
             <a:r>
-              <a:rPr lang="en-US" altLang="ja-JP" dirty="0" err="1"/>
+              <a:rPr lang="en-US" altLang="ja-JP" dirty="0" err="1">
+                <a:latin typeface="Meiryo UI" panose="020B0604030504040204" pitchFamily="34" charset="-128"/>
+                <a:ea typeface="Meiryo UI" panose="020B0604030504040204" pitchFamily="34" charset="-128"/>
+              </a:rPr>
               <a:t>format.csv</a:t>
             </a:r>
             <a:r>
-              <a:rPr lang="en-US" altLang="ja-JP" dirty="0"/>
+              <a:rPr lang="en-US" altLang="ja-JP" dirty="0">
+                <a:latin typeface="Meiryo UI" panose="020B0604030504040204" pitchFamily="34" charset="-128"/>
+                <a:ea typeface="Meiryo UI" panose="020B0604030504040204" pitchFamily="34" charset="-128"/>
+              </a:rPr>
               <a:t>…</a:t>
             </a:r>
             <a:r>
-              <a:rPr lang="ja-JP" altLang="en-US"/>
+              <a:rPr lang="ja-JP" altLang="en-US">
+                <a:latin typeface="Meiryo UI" panose="020B0604030504040204" pitchFamily="34" charset="-128"/>
+                <a:ea typeface="Meiryo UI" panose="020B0604030504040204" pitchFamily="34" charset="-128"/>
+              </a:rPr>
               <a:t>ヘッダー部分だけが記載された</a:t>
             </a:r>
             <a:r>
-              <a:rPr lang="en-US" altLang="ja-JP" dirty="0"/>
+              <a:rPr lang="en-US" altLang="ja-JP" dirty="0">
+                <a:latin typeface="Meiryo UI" panose="020B0604030504040204" pitchFamily="34" charset="-128"/>
+                <a:ea typeface="Meiryo UI" panose="020B0604030504040204" pitchFamily="34" charset="-128"/>
+              </a:rPr>
               <a:t>csv</a:t>
             </a:r>
           </a:p>
@@ -6241,36 +7247,60 @@
               <a:buNone/>
             </a:pPr>
             <a:r>
-              <a:rPr lang="en-US" altLang="ja-JP" dirty="0" err="1"/>
+              <a:rPr lang="en-US" altLang="ja-JP" dirty="0" err="1">
+                <a:latin typeface="Meiryo UI" panose="020B0604030504040204" pitchFamily="34" charset="-128"/>
+                <a:ea typeface="Meiryo UI" panose="020B0604030504040204" pitchFamily="34" charset="-128"/>
+              </a:rPr>
               <a:t>character_prompt.txt</a:t>
             </a:r>
             <a:r>
-              <a:rPr lang="en-US" altLang="ja-JP" dirty="0"/>
+              <a:rPr lang="en-US" altLang="ja-JP" dirty="0">
+                <a:latin typeface="Meiryo UI" panose="020B0604030504040204" pitchFamily="34" charset="-128"/>
+                <a:ea typeface="Meiryo UI" panose="020B0604030504040204" pitchFamily="34" charset="-128"/>
+              </a:rPr>
               <a:t>…</a:t>
             </a:r>
             <a:r>
-              <a:rPr lang="ja-JP" altLang="en-US"/>
+              <a:rPr lang="ja-JP" altLang="en-US">
+                <a:latin typeface="Meiryo UI" panose="020B0604030504040204" pitchFamily="34" charset="-128"/>
+                <a:ea typeface="Meiryo UI" panose="020B0604030504040204" pitchFamily="34" charset="-128"/>
+              </a:rPr>
               <a:t>アプリに使用できるキャラクタープロンプト</a:t>
             </a:r>
-            <a:endParaRPr lang="en-US" altLang="ja-JP" dirty="0"/>
+            <a:endParaRPr lang="en-US" altLang="ja-JP" dirty="0">
+              <a:latin typeface="Meiryo UI" panose="020B0604030504040204" pitchFamily="34" charset="-128"/>
+              <a:ea typeface="Meiryo UI" panose="020B0604030504040204" pitchFamily="34" charset="-128"/>
+            </a:endParaRPr>
           </a:p>
           <a:p>
             <a:pPr marL="0" indent="0">
               <a:buNone/>
             </a:pPr>
             <a:r>
-              <a:rPr lang="en-US" altLang="ja-JP" dirty="0" err="1"/>
+              <a:rPr lang="en-US" altLang="ja-JP" dirty="0" err="1">
+                <a:latin typeface="Meiryo UI" panose="020B0604030504040204" pitchFamily="34" charset="-128"/>
+                <a:ea typeface="Meiryo UI" panose="020B0604030504040204" pitchFamily="34" charset="-128"/>
+              </a:rPr>
               <a:t>user_prompt.txt</a:t>
             </a:r>
             <a:r>
-              <a:rPr lang="en-US" altLang="ja-JP" dirty="0"/>
+              <a:rPr lang="en-US" altLang="ja-JP" dirty="0">
+                <a:latin typeface="Meiryo UI" panose="020B0604030504040204" pitchFamily="34" charset="-128"/>
+                <a:ea typeface="Meiryo UI" panose="020B0604030504040204" pitchFamily="34" charset="-128"/>
+              </a:rPr>
               <a:t>…</a:t>
             </a:r>
             <a:r>
-              <a:rPr lang="ja-JP" altLang="en-US"/>
+              <a:rPr lang="ja-JP" altLang="en-US">
+                <a:latin typeface="Meiryo UI" panose="020B0604030504040204" pitchFamily="34" charset="-128"/>
+                <a:ea typeface="Meiryo UI" panose="020B0604030504040204" pitchFamily="34" charset="-128"/>
+              </a:rPr>
               <a:t>アプリに使用できるユーザープロンプト</a:t>
             </a:r>
-            <a:endParaRPr lang="en-US" altLang="ja-JP" dirty="0"/>
+            <a:endParaRPr lang="en-US" altLang="ja-JP" dirty="0">
+              <a:latin typeface="Meiryo UI" panose="020B0604030504040204" pitchFamily="34" charset="-128"/>
+              <a:ea typeface="Meiryo UI" panose="020B0604030504040204" pitchFamily="34" charset="-128"/>
+            </a:endParaRPr>
           </a:p>
         </p:txBody>
       </p:sp>
@@ -6287,7 +7317,7 @@
 </p:sld>
 </file>
 
-<file path=ppt/slides/slide7.xml><?xml version="1.0" encoding="utf-8"?>
+<file path=ppt/slides/slide8.xml><?xml version="1.0" encoding="utf-8"?>
 <p:sld xmlns:a="http://schemas.openxmlformats.org/drawingml/2006/main" xmlns:r="http://schemas.openxmlformats.org/officeDocument/2006/relationships" xmlns:p="http://schemas.openxmlformats.org/presentationml/2006/main">
   <p:cSld>
     <p:spTree>
@@ -6367,7 +7397,7 @@
         <p:spPr/>
         <p:txBody>
           <a:bodyPr>
-            <a:normAutofit lnSpcReduction="10000"/>
+            <a:normAutofit/>
           </a:bodyPr>
           <a:lstStyle/>
           <a:p>
@@ -6376,18 +7406,30 @@
               <a:buAutoNum type="arabicPeriod"/>
             </a:pPr>
             <a:r>
-              <a:rPr lang="ja-JP" altLang="en-US"/>
+              <a:rPr lang="ja-JP" altLang="en-US">
+                <a:latin typeface="Meiryo UI" panose="020B0604030504040204" pitchFamily="34" charset="-128"/>
+                <a:ea typeface="Meiryo UI" panose="020B0604030504040204" pitchFamily="34" charset="-128"/>
+              </a:rPr>
               <a:t>タスク名の入力→他のフローでも使用するタスク名を入力します。同じタスク名は</a:t>
             </a:r>
             <a:r>
-              <a:rPr lang="en-US" altLang="ja-JP" dirty="0"/>
+              <a:rPr lang="en-US" altLang="ja-JP" dirty="0">
+                <a:latin typeface="Meiryo UI" panose="020B0604030504040204" pitchFamily="34" charset="-128"/>
+                <a:ea typeface="Meiryo UI" panose="020B0604030504040204" pitchFamily="34" charset="-128"/>
+              </a:rPr>
               <a:t>2</a:t>
             </a:r>
             <a:r>
-              <a:rPr lang="ja-JP" altLang="en-US"/>
+              <a:rPr lang="ja-JP" altLang="en-US">
+                <a:latin typeface="Meiryo UI" panose="020B0604030504040204" pitchFamily="34" charset="-128"/>
+                <a:ea typeface="Meiryo UI" panose="020B0604030504040204" pitchFamily="34" charset="-128"/>
+              </a:rPr>
               <a:t>回使えません。</a:t>
             </a:r>
-            <a:endParaRPr lang="en-US" altLang="ja-JP" dirty="0"/>
+            <a:endParaRPr lang="en-US" altLang="ja-JP" dirty="0">
+              <a:latin typeface="Meiryo UI" panose="020B0604030504040204" pitchFamily="34" charset="-128"/>
+              <a:ea typeface="Meiryo UI" panose="020B0604030504040204" pitchFamily="34" charset="-128"/>
+            </a:endParaRPr>
           </a:p>
           <a:p>
             <a:pPr marL="514350" indent="-514350">
@@ -6395,34 +7437,58 @@
               <a:buAutoNum type="arabicPeriod"/>
             </a:pPr>
             <a:r>
-              <a:rPr lang="ja-JP" altLang="en-US"/>
+              <a:rPr lang="ja-JP" altLang="en-US">
+                <a:latin typeface="Meiryo UI" panose="020B0604030504040204" pitchFamily="34" charset="-128"/>
+                <a:ea typeface="Meiryo UI" panose="020B0604030504040204" pitchFamily="34" charset="-128"/>
+              </a:rPr>
               <a:t>ワードの入力→会話の話題となる単語を入力できます。</a:t>
             </a:r>
             <a:r>
-              <a:rPr lang="en-US" altLang="ja-JP" dirty="0"/>
+              <a:rPr lang="en-US" altLang="ja-JP" dirty="0">
+                <a:latin typeface="Meiryo UI" panose="020B0604030504040204" pitchFamily="34" charset="-128"/>
+                <a:ea typeface="Meiryo UI" panose="020B0604030504040204" pitchFamily="34" charset="-128"/>
+              </a:rPr>
               <a:t>CSV</a:t>
             </a:r>
             <a:r>
-              <a:rPr lang="ja-JP" altLang="en-US"/>
+              <a:rPr lang="ja-JP" altLang="en-US">
+                <a:latin typeface="Meiryo UI" panose="020B0604030504040204" pitchFamily="34" charset="-128"/>
+                <a:ea typeface="Meiryo UI" panose="020B0604030504040204" pitchFamily="34" charset="-128"/>
+              </a:rPr>
               <a:t>ファイルでアップする場合はヘッダーが決まっているので</a:t>
             </a:r>
             <a:r>
-              <a:rPr lang="en-US" altLang="ja-JP" dirty="0" err="1"/>
+              <a:rPr lang="en-US" altLang="ja-JP" dirty="0" err="1">
+                <a:latin typeface="Meiryo UI" panose="020B0604030504040204" pitchFamily="34" charset="-128"/>
+                <a:ea typeface="Meiryo UI" panose="020B0604030504040204" pitchFamily="34" charset="-128"/>
+              </a:rPr>
               <a:t>format.csv</a:t>
             </a:r>
             <a:r>
-              <a:rPr lang="ja-JP" altLang="en-US"/>
+              <a:rPr lang="ja-JP" altLang="en-US">
+                <a:latin typeface="Meiryo UI" panose="020B0604030504040204" pitchFamily="34" charset="-128"/>
+                <a:ea typeface="Meiryo UI" panose="020B0604030504040204" pitchFamily="34" charset="-128"/>
+              </a:rPr>
               <a:t>をお使いください。サンプルを試したい場合は</a:t>
             </a:r>
             <a:r>
-              <a:rPr lang="en-US" altLang="ja-JP" dirty="0" err="1"/>
+              <a:rPr lang="en-US" altLang="ja-JP" dirty="0" err="1">
+                <a:latin typeface="Meiryo UI" panose="020B0604030504040204" pitchFamily="34" charset="-128"/>
+                <a:ea typeface="Meiryo UI" panose="020B0604030504040204" pitchFamily="34" charset="-128"/>
+              </a:rPr>
               <a:t>sample.csv</a:t>
             </a:r>
             <a:r>
-              <a:rPr lang="ja-JP" altLang="en-US"/>
+              <a:rPr lang="ja-JP" altLang="en-US">
+                <a:latin typeface="Meiryo UI" panose="020B0604030504040204" pitchFamily="34" charset="-128"/>
+                <a:ea typeface="Meiryo UI" panose="020B0604030504040204" pitchFamily="34" charset="-128"/>
+              </a:rPr>
               <a:t>をお使いください。</a:t>
             </a:r>
-            <a:endParaRPr lang="en-US" altLang="ja-JP" dirty="0"/>
+            <a:endParaRPr lang="en-US" altLang="ja-JP" dirty="0">
+              <a:latin typeface="Meiryo UI" panose="020B0604030504040204" pitchFamily="34" charset="-128"/>
+              <a:ea typeface="Meiryo UI" panose="020B0604030504040204" pitchFamily="34" charset="-128"/>
+            </a:endParaRPr>
           </a:p>
           <a:p>
             <a:pPr marL="514350" indent="-514350">
@@ -6430,42 +7496,72 @@
               <a:buAutoNum type="arabicPeriod"/>
             </a:pPr>
             <a:r>
-              <a:rPr lang="ja-JP" altLang="en-US"/>
+              <a:rPr lang="ja-JP" altLang="en-US">
+                <a:latin typeface="Meiryo UI" panose="020B0604030504040204" pitchFamily="34" charset="-128"/>
+                <a:ea typeface="Meiryo UI" panose="020B0604030504040204" pitchFamily="34" charset="-128"/>
+              </a:rPr>
               <a:t>ワードの情報を入力→１つの単語に対してその単語を表す情報を複数入力します。例えば「ニンジン」という単語の情報</a:t>
             </a:r>
             <a:r>
-              <a:rPr lang="en-US" altLang="ja-JP" dirty="0"/>
+              <a:rPr lang="en-US" altLang="ja-JP" dirty="0">
+                <a:latin typeface="Meiryo UI" panose="020B0604030504040204" pitchFamily="34" charset="-128"/>
+                <a:ea typeface="Meiryo UI" panose="020B0604030504040204" pitchFamily="34" charset="-128"/>
+              </a:rPr>
               <a:t>1</a:t>
             </a:r>
             <a:r>
-              <a:rPr lang="ja-JP" altLang="en-US"/>
+              <a:rPr lang="ja-JP" altLang="en-US">
+                <a:latin typeface="Meiryo UI" panose="020B0604030504040204" pitchFamily="34" charset="-128"/>
+                <a:ea typeface="Meiryo UI" panose="020B0604030504040204" pitchFamily="34" charset="-128"/>
+              </a:rPr>
               <a:t>は「オレンジ色の野菜」、情報</a:t>
             </a:r>
             <a:r>
-              <a:rPr lang="en-US" altLang="ja-JP" dirty="0"/>
+              <a:rPr lang="en-US" altLang="ja-JP" dirty="0">
+                <a:latin typeface="Meiryo UI" panose="020B0604030504040204" pitchFamily="34" charset="-128"/>
+                <a:ea typeface="Meiryo UI" panose="020B0604030504040204" pitchFamily="34" charset="-128"/>
+              </a:rPr>
               <a:t>2</a:t>
             </a:r>
             <a:r>
-              <a:rPr lang="ja-JP" altLang="en-US"/>
+              <a:rPr lang="ja-JP" altLang="en-US">
+                <a:latin typeface="Meiryo UI" panose="020B0604030504040204" pitchFamily="34" charset="-128"/>
+                <a:ea typeface="Meiryo UI" panose="020B0604030504040204" pitchFamily="34" charset="-128"/>
+              </a:rPr>
               <a:t>は「</a:t>
             </a:r>
             <a:r>
-              <a:rPr lang="en-US" altLang="ja-JP" dirty="0"/>
+              <a:rPr lang="en-US" altLang="ja-JP" dirty="0">
+                <a:latin typeface="Meiryo UI" panose="020B0604030504040204" pitchFamily="34" charset="-128"/>
+                <a:ea typeface="Meiryo UI" panose="020B0604030504040204" pitchFamily="34" charset="-128"/>
+              </a:rPr>
               <a:t>β</a:t>
             </a:r>
             <a:r>
-              <a:rPr lang="ja-JP" altLang="en-US"/>
+              <a:rPr lang="ja-JP" altLang="en-US">
+                <a:latin typeface="Meiryo UI" panose="020B0604030504040204" pitchFamily="34" charset="-128"/>
+                <a:ea typeface="Meiryo UI" panose="020B0604030504040204" pitchFamily="34" charset="-128"/>
+              </a:rPr>
               <a:t>カロチンが多く含まれている」などです。</a:t>
             </a:r>
             <a:r>
-              <a:rPr lang="en-US" altLang="ja-JP" dirty="0"/>
+              <a:rPr lang="en-US" altLang="ja-JP" dirty="0">
+                <a:latin typeface="Meiryo UI" panose="020B0604030504040204" pitchFamily="34" charset="-128"/>
+                <a:ea typeface="Meiryo UI" panose="020B0604030504040204" pitchFamily="34" charset="-128"/>
+              </a:rPr>
               <a:t>CSV</a:t>
             </a:r>
             <a:r>
-              <a:rPr lang="ja-JP" altLang="en-US"/>
+              <a:rPr lang="ja-JP" altLang="en-US">
+                <a:latin typeface="Meiryo UI" panose="020B0604030504040204" pitchFamily="34" charset="-128"/>
+                <a:ea typeface="Meiryo UI" panose="020B0604030504040204" pitchFamily="34" charset="-128"/>
+              </a:rPr>
               <a:t>でアップすると単語と一緒に入力されます。</a:t>
             </a:r>
-            <a:endParaRPr lang="en-US" altLang="ja-JP" dirty="0"/>
+            <a:endParaRPr lang="en-US" altLang="ja-JP" dirty="0">
+              <a:latin typeface="Meiryo UI" panose="020B0604030504040204" pitchFamily="34" charset="-128"/>
+              <a:ea typeface="Meiryo UI" panose="020B0604030504040204" pitchFamily="34" charset="-128"/>
+            </a:endParaRPr>
           </a:p>
         </p:txBody>
       </p:sp>
@@ -6473,253 +7569,6 @@
     <p:extLst>
       <p:ext uri="{BB962C8B-B14F-4D97-AF65-F5344CB8AC3E}">
         <p14:creationId xmlns:p14="http://schemas.microsoft.com/office/powerpoint/2010/main" val="4078050854"/>
-      </p:ext>
-    </p:extLst>
-  </p:cSld>
-  <p:clrMapOvr>
-    <a:masterClrMapping/>
-  </p:clrMapOvr>
-</p:sld>
-</file>
-
-<file path=ppt/slides/slide8.xml><?xml version="1.0" encoding="utf-8"?>
-<p:sld xmlns:a="http://schemas.openxmlformats.org/drawingml/2006/main" xmlns:r="http://schemas.openxmlformats.org/officeDocument/2006/relationships" xmlns:p="http://schemas.openxmlformats.org/presentationml/2006/main">
-  <p:cSld>
-    <p:spTree>
-      <p:nvGrpSpPr>
-        <p:cNvPr id="1" name=""/>
-        <p:cNvGrpSpPr/>
-        <p:nvPr/>
-      </p:nvGrpSpPr>
-      <p:grpSpPr>
-        <a:xfrm>
-          <a:off x="0" y="0"/>
-          <a:ext cx="0" cy="0"/>
-          <a:chOff x="0" y="0"/>
-          <a:chExt cx="0" cy="0"/>
-        </a:xfrm>
-      </p:grpSpPr>
-      <p:sp>
-        <p:nvSpPr>
-          <p:cNvPr id="2" name="タイトル 1">
-            <a:extLst>
-              <a:ext uri="{FF2B5EF4-FFF2-40B4-BE49-F238E27FC236}">
-                <a16:creationId xmlns:a16="http://schemas.microsoft.com/office/drawing/2014/main" id="{AAE76EE5-1FA8-0ADB-DB3E-FB8A3859CC50}"/>
-              </a:ext>
-            </a:extLst>
-          </p:cNvPr>
-          <p:cNvSpPr>
-            <a:spLocks noGrp="1"/>
-          </p:cNvSpPr>
-          <p:nvPr>
-            <p:ph type="title"/>
-          </p:nvPr>
-        </p:nvSpPr>
-        <p:spPr/>
-        <p:txBody>
-          <a:bodyPr/>
-          <a:lstStyle/>
-          <a:p>
-            <a:r>
-              <a:rPr kumimoji="1" lang="en-US" altLang="ja-JP" dirty="0"/>
-              <a:t>TIPS</a:t>
-            </a:r>
-            <a:r>
-              <a:rPr lang="en-US" altLang="ja-JP" dirty="0"/>
-              <a:t>1 </a:t>
-            </a:r>
-            <a:r>
-              <a:rPr lang="ja-JP" altLang="en-US"/>
-              <a:t>アップロードする単語の</a:t>
-            </a:r>
-            <a:r>
-              <a:rPr lang="en-US" altLang="ja-JP" dirty="0"/>
-              <a:t>csv</a:t>
-            </a:r>
-            <a:r>
-              <a:rPr lang="ja-JP" altLang="en-US"/>
-              <a:t>をエクセルで作ると楽</a:t>
-            </a:r>
-            <a:endParaRPr kumimoji="1" lang="ja-JP" altLang="en-US"/>
-          </a:p>
-        </p:txBody>
-      </p:sp>
-      <p:pic>
-        <p:nvPicPr>
-          <p:cNvPr id="7" name="図 6" descr="グラフィカル ユーザー インターフェイス, アプリケーション&#10;&#10;自動的に生成された説明">
-            <a:extLst>
-              <a:ext uri="{FF2B5EF4-FFF2-40B4-BE49-F238E27FC236}">
-                <a16:creationId xmlns:a16="http://schemas.microsoft.com/office/drawing/2014/main" id="{C359D954-5C86-1243-D704-55D4B4616232}"/>
-              </a:ext>
-            </a:extLst>
-          </p:cNvPr>
-          <p:cNvPicPr>
-            <a:picLocks noChangeAspect="1"/>
-          </p:cNvPicPr>
-          <p:nvPr/>
-        </p:nvPicPr>
-        <p:blipFill>
-          <a:blip r:embed="rId2"/>
-          <a:srcRect l="13803" t="61086"/>
-          <a:stretch/>
-        </p:blipFill>
-        <p:spPr>
-          <a:xfrm>
-            <a:off x="1066798" y="4535179"/>
-            <a:ext cx="5555412" cy="1396806"/>
-          </a:xfrm>
-          <a:prstGeom prst="rect">
-            <a:avLst/>
-          </a:prstGeom>
-        </p:spPr>
-      </p:pic>
-      <p:sp>
-        <p:nvSpPr>
-          <p:cNvPr id="8" name="テキスト ボックス 7">
-            <a:extLst>
-              <a:ext uri="{FF2B5EF4-FFF2-40B4-BE49-F238E27FC236}">
-                <a16:creationId xmlns:a16="http://schemas.microsoft.com/office/drawing/2014/main" id="{A70C5AA1-8AA6-FBF2-FA9E-267467830DAC}"/>
-              </a:ext>
-            </a:extLst>
-          </p:cNvPr>
-          <p:cNvSpPr txBox="1"/>
-          <p:nvPr/>
-        </p:nvSpPr>
-        <p:spPr>
-          <a:xfrm>
-            <a:off x="7435969" y="2228671"/>
-            <a:ext cx="3623094" cy="1200329"/>
-          </a:xfrm>
-          <a:prstGeom prst="rect">
-            <a:avLst/>
-          </a:prstGeom>
-          <a:noFill/>
-        </p:spPr>
-        <p:txBody>
-          <a:bodyPr wrap="square" rtlCol="0">
-            <a:spAutoFit/>
-          </a:bodyPr>
-          <a:lstStyle/>
-          <a:p>
-            <a:r>
-              <a:rPr kumimoji="1" lang="ja-JP" altLang="en-US"/>
-              <a:t>ヘッダーは</a:t>
-            </a:r>
-            <a:r>
-              <a:rPr kumimoji="1" lang="en-US" altLang="ja-JP" dirty="0" err="1"/>
-              <a:t>format.csv</a:t>
-            </a:r>
-            <a:r>
-              <a:rPr kumimoji="1" lang="ja-JP" altLang="en-US"/>
-              <a:t>から変えずに</a:t>
-            </a:r>
-            <a:r>
-              <a:rPr lang="ja-JP" altLang="en-US"/>
-              <a:t>。</a:t>
-            </a:r>
-            <a:endParaRPr lang="en-US" altLang="ja-JP" dirty="0"/>
-          </a:p>
-          <a:p>
-            <a:r>
-              <a:rPr kumimoji="1" lang="ja-JP" altLang="en-US"/>
-              <a:t>その下に追加したい単語とその情報を書いていく</a:t>
-            </a:r>
-            <a:endParaRPr kumimoji="1" lang="en-US" altLang="ja-JP" dirty="0"/>
-          </a:p>
-        </p:txBody>
-      </p:sp>
-      <p:pic>
-        <p:nvPicPr>
-          <p:cNvPr id="12" name="コンテンツ プレースホルダー 11" descr="テーブル&#10;&#10;自動的に生成された説明">
-            <a:extLst>
-              <a:ext uri="{FF2B5EF4-FFF2-40B4-BE49-F238E27FC236}">
-                <a16:creationId xmlns:a16="http://schemas.microsoft.com/office/drawing/2014/main" id="{98C0BD58-A5AC-8A4E-6C54-7478EE2EF035}"/>
-              </a:ext>
-            </a:extLst>
-          </p:cNvPr>
-          <p:cNvPicPr>
-            <a:picLocks noGrp="1" noChangeAspect="1"/>
-          </p:cNvPicPr>
-          <p:nvPr>
-            <p:ph idx="1"/>
-          </p:nvPr>
-        </p:nvPicPr>
-        <p:blipFill>
-          <a:blip r:embed="rId3"/>
-          <a:stretch>
-            <a:fillRect/>
-          </a:stretch>
-        </p:blipFill>
-        <p:spPr>
-          <a:xfrm>
-            <a:off x="663154" y="2046636"/>
-            <a:ext cx="6362700" cy="1625600"/>
-          </a:xfrm>
-        </p:spPr>
-      </p:pic>
-      <p:sp>
-        <p:nvSpPr>
-          <p:cNvPr id="14" name="テキスト ボックス 13">
-            <a:extLst>
-              <a:ext uri="{FF2B5EF4-FFF2-40B4-BE49-F238E27FC236}">
-                <a16:creationId xmlns:a16="http://schemas.microsoft.com/office/drawing/2014/main" id="{A745A1FD-070D-4A16-578D-8EE416D215DC}"/>
-              </a:ext>
-            </a:extLst>
-          </p:cNvPr>
-          <p:cNvSpPr txBox="1"/>
-          <p:nvPr/>
-        </p:nvSpPr>
-        <p:spPr>
-          <a:xfrm>
-            <a:off x="7312324" y="4771917"/>
-            <a:ext cx="3623094" cy="923330"/>
-          </a:xfrm>
-          <a:prstGeom prst="rect">
-            <a:avLst/>
-          </a:prstGeom>
-          <a:noFill/>
-        </p:spPr>
-        <p:txBody>
-          <a:bodyPr wrap="square" rtlCol="0">
-            <a:spAutoFit/>
-          </a:bodyPr>
-          <a:lstStyle/>
-          <a:p>
-            <a:r>
-              <a:rPr lang="ja-JP" altLang="en-US"/>
-              <a:t>名前をつけて保存→</a:t>
-            </a:r>
-            <a:endParaRPr lang="en-US" altLang="ja-JP" dirty="0"/>
-          </a:p>
-          <a:p>
-            <a:r>
-              <a:rPr kumimoji="1" lang="ja-JP" altLang="en-US"/>
-              <a:t>ファイル形式を</a:t>
-            </a:r>
-            <a:r>
-              <a:rPr lang="ja-JP" altLang="en-US"/>
-              <a:t>コンマ区切りの</a:t>
-            </a:r>
-            <a:r>
-              <a:rPr lang="en-US" altLang="ja-JP" dirty="0"/>
-              <a:t>CSV</a:t>
-            </a:r>
-            <a:r>
-              <a:rPr lang="ja-JP" altLang="en-US"/>
-              <a:t>に指定して保存押せば</a:t>
-            </a:r>
-            <a:r>
-              <a:rPr lang="en-US" altLang="ja-JP" dirty="0"/>
-              <a:t>OK</a:t>
-            </a:r>
-            <a:endParaRPr kumimoji="1" lang="en-US" altLang="ja-JP" dirty="0"/>
-          </a:p>
-        </p:txBody>
-      </p:sp>
-    </p:spTree>
-    <p:extLst>
-      <p:ext uri="{BB962C8B-B14F-4D97-AF65-F5344CB8AC3E}">
-        <p14:creationId xmlns:p14="http://schemas.microsoft.com/office/powerpoint/2010/main" val="4113996911"/>
       </p:ext>
     </p:extLst>
   </p:cSld>
@@ -6751,7 +7600,7 @@
           <p:cNvPr id="2" name="タイトル 1">
             <a:extLst>
               <a:ext uri="{FF2B5EF4-FFF2-40B4-BE49-F238E27FC236}">
-                <a16:creationId xmlns:a16="http://schemas.microsoft.com/office/drawing/2014/main" id="{F7832B50-9621-75A6-474C-EB1C73AE882B}"/>
+                <a16:creationId xmlns:a16="http://schemas.microsoft.com/office/drawing/2014/main" id="{AAE76EE5-1FA8-0ADB-DB3E-FB8A3859CC50}"/>
               </a:ext>
             </a:extLst>
           </p:cNvPr>
@@ -6768,134 +7617,205 @@
           <a:lstStyle/>
           <a:p>
             <a:r>
-              <a:rPr lang="en-US" altLang="ja-JP" dirty="0">
-                <a:latin typeface="Meiryo UI" panose="020B0604030504040204" pitchFamily="34" charset="-128"/>
-                <a:ea typeface="Meiryo UI" panose="020B0604030504040204" pitchFamily="34" charset="-128"/>
-              </a:rPr>
-              <a:t>3. </a:t>
-            </a:r>
-            <a:r>
-              <a:rPr kumimoji="1" lang="ja-JP" altLang="en-US">
-                <a:latin typeface="Meiryo UI" panose="020B0604030504040204" pitchFamily="34" charset="-128"/>
-                <a:ea typeface="Meiryo UI" panose="020B0604030504040204" pitchFamily="34" charset="-128"/>
-              </a:rPr>
-              <a:t>会話生成</a:t>
-            </a:r>
-          </a:p>
-        </p:txBody>
-      </p:sp>
-      <p:sp>
-        <p:nvSpPr>
-          <p:cNvPr id="3" name="コンテンツ プレースホルダー 2">
-            <a:extLst>
-              <a:ext uri="{FF2B5EF4-FFF2-40B4-BE49-F238E27FC236}">
-                <a16:creationId xmlns:a16="http://schemas.microsoft.com/office/drawing/2014/main" id="{AC0CE64B-0E84-6E36-3643-613E13EE4205}"/>
-              </a:ext>
-            </a:extLst>
-          </p:cNvPr>
-          <p:cNvSpPr>
-            <a:spLocks noGrp="1"/>
-          </p:cNvSpPr>
+              <a:rPr kumimoji="1" lang="en-US" altLang="ja-JP" dirty="0"/>
+              <a:t>TIPS</a:t>
+            </a:r>
+            <a:r>
+              <a:rPr lang="en-US" altLang="ja-JP" dirty="0"/>
+              <a:t>1 </a:t>
+            </a:r>
+            <a:r>
+              <a:rPr lang="ja-JP" altLang="en-US"/>
+              <a:t>アップロードする単語の</a:t>
+            </a:r>
+            <a:r>
+              <a:rPr lang="en-US" altLang="ja-JP" dirty="0"/>
+              <a:t>csv</a:t>
+            </a:r>
+            <a:r>
+              <a:rPr lang="ja-JP" altLang="en-US"/>
+              <a:t>をエクセルで作ると楽</a:t>
+            </a:r>
+            <a:endParaRPr kumimoji="1" lang="ja-JP" altLang="en-US"/>
+          </a:p>
+        </p:txBody>
+      </p:sp>
+      <p:pic>
+        <p:nvPicPr>
+          <p:cNvPr id="7" name="図 6" descr="グラフィカル ユーザー インターフェイス, アプリケーション&#10;&#10;自動的に生成された説明">
+            <a:extLst>
+              <a:ext uri="{FF2B5EF4-FFF2-40B4-BE49-F238E27FC236}">
+                <a16:creationId xmlns:a16="http://schemas.microsoft.com/office/drawing/2014/main" id="{C359D954-5C86-1243-D704-55D4B4616232}"/>
+              </a:ext>
+            </a:extLst>
+          </p:cNvPr>
+          <p:cNvPicPr>
+            <a:picLocks noChangeAspect="1"/>
+          </p:cNvPicPr>
+          <p:nvPr/>
+        </p:nvPicPr>
+        <p:blipFill>
+          <a:blip r:embed="rId2"/>
+          <a:srcRect l="13803" t="61086"/>
+          <a:stretch/>
+        </p:blipFill>
+        <p:spPr>
+          <a:xfrm>
+            <a:off x="1066798" y="4535179"/>
+            <a:ext cx="5555412" cy="1396806"/>
+          </a:xfrm>
+          <a:prstGeom prst="rect">
+            <a:avLst/>
+          </a:prstGeom>
+        </p:spPr>
+      </p:pic>
+      <p:sp>
+        <p:nvSpPr>
+          <p:cNvPr id="8" name="テキスト ボックス 7">
+            <a:extLst>
+              <a:ext uri="{FF2B5EF4-FFF2-40B4-BE49-F238E27FC236}">
+                <a16:creationId xmlns:a16="http://schemas.microsoft.com/office/drawing/2014/main" id="{A70C5AA1-8AA6-FBF2-FA9E-267467830DAC}"/>
+              </a:ext>
+            </a:extLst>
+          </p:cNvPr>
+          <p:cNvSpPr txBox="1"/>
+          <p:nvPr/>
+        </p:nvSpPr>
+        <p:spPr>
+          <a:xfrm>
+            <a:off x="7435969" y="2228671"/>
+            <a:ext cx="3623094" cy="1200329"/>
+          </a:xfrm>
+          <a:prstGeom prst="rect">
+            <a:avLst/>
+          </a:prstGeom>
+          <a:noFill/>
+        </p:spPr>
+        <p:txBody>
+          <a:bodyPr wrap="square" rtlCol="0">
+            <a:spAutoFit/>
+          </a:bodyPr>
+          <a:lstStyle/>
+          <a:p>
+            <a:r>
+              <a:rPr kumimoji="1" lang="ja-JP" altLang="en-US"/>
+              <a:t>ヘッダーは</a:t>
+            </a:r>
+            <a:r>
+              <a:rPr kumimoji="1" lang="en-US" altLang="ja-JP" dirty="0" err="1"/>
+              <a:t>format.csv</a:t>
+            </a:r>
+            <a:r>
+              <a:rPr kumimoji="1" lang="ja-JP" altLang="en-US"/>
+              <a:t>から変えずに</a:t>
+            </a:r>
+            <a:r>
+              <a:rPr lang="ja-JP" altLang="en-US"/>
+              <a:t>。</a:t>
+            </a:r>
+            <a:endParaRPr lang="en-US" altLang="ja-JP" dirty="0"/>
+          </a:p>
+          <a:p>
+            <a:r>
+              <a:rPr kumimoji="1" lang="ja-JP" altLang="en-US"/>
+              <a:t>その下に追加したい単語とその情報を書いていく</a:t>
+            </a:r>
+            <a:endParaRPr kumimoji="1" lang="en-US" altLang="ja-JP" dirty="0"/>
+          </a:p>
+        </p:txBody>
+      </p:sp>
+      <p:pic>
+        <p:nvPicPr>
+          <p:cNvPr id="12" name="コンテンツ プレースホルダー 11" descr="テーブル&#10;&#10;自動的に生成された説明">
+            <a:extLst>
+              <a:ext uri="{FF2B5EF4-FFF2-40B4-BE49-F238E27FC236}">
+                <a16:creationId xmlns:a16="http://schemas.microsoft.com/office/drawing/2014/main" id="{98C0BD58-A5AC-8A4E-6C54-7478EE2EF035}"/>
+              </a:ext>
+            </a:extLst>
+          </p:cNvPr>
+          <p:cNvPicPr>
+            <a:picLocks noGrp="1" noChangeAspect="1"/>
+          </p:cNvPicPr>
           <p:nvPr>
             <p:ph idx="1"/>
           </p:nvPr>
-        </p:nvSpPr>
-        <p:spPr/>
-        <p:txBody>
-          <a:bodyPr/>
+        </p:nvPicPr>
+        <p:blipFill>
+          <a:blip r:embed="rId3"/>
+          <a:stretch>
+            <a:fillRect/>
+          </a:stretch>
+        </p:blipFill>
+        <p:spPr>
+          <a:xfrm>
+            <a:off x="663154" y="2046636"/>
+            <a:ext cx="6362700" cy="1625600"/>
+          </a:xfrm>
+        </p:spPr>
+      </p:pic>
+      <p:sp>
+        <p:nvSpPr>
+          <p:cNvPr id="14" name="テキスト ボックス 13">
+            <a:extLst>
+              <a:ext uri="{FF2B5EF4-FFF2-40B4-BE49-F238E27FC236}">
+                <a16:creationId xmlns:a16="http://schemas.microsoft.com/office/drawing/2014/main" id="{A745A1FD-070D-4A16-578D-8EE416D215DC}"/>
+              </a:ext>
+            </a:extLst>
+          </p:cNvPr>
+          <p:cNvSpPr txBox="1"/>
+          <p:nvPr/>
+        </p:nvSpPr>
+        <p:spPr>
+          <a:xfrm>
+            <a:off x="7312324" y="4771917"/>
+            <a:ext cx="3623094" cy="923330"/>
+          </a:xfrm>
+          <a:prstGeom prst="rect">
+            <a:avLst/>
+          </a:prstGeom>
+          <a:noFill/>
+        </p:spPr>
+        <p:txBody>
+          <a:bodyPr wrap="square" rtlCol="0">
+            <a:spAutoFit/>
+          </a:bodyPr>
           <a:lstStyle/>
           <a:p>
-            <a:pPr marL="514350" indent="-514350">
-              <a:buAutoNum type="arabicPeriod" startAt="4"/>
-            </a:pPr>
             <a:r>
               <a:rPr lang="ja-JP" altLang="en-US"/>
-              <a:t>キャラクターのプロンプトを入力します。</a:t>
+              <a:t>名前をつけて保存→</a:t>
+            </a:r>
+            <a:endParaRPr lang="en-US" altLang="ja-JP" dirty="0"/>
+          </a:p>
+          <a:p>
+            <a:r>
+              <a:rPr kumimoji="1" lang="ja-JP" altLang="en-US"/>
+              <a:t>ファイル形式を</a:t>
+            </a:r>
+            <a:r>
+              <a:rPr lang="ja-JP" altLang="en-US"/>
+              <a:t>コンマ区切りの</a:t>
             </a:r>
             <a:r>
               <a:rPr lang="en-US" altLang="ja-JP" dirty="0"/>
-              <a:t> </a:t>
+              <a:t>CSV</a:t>
             </a:r>
             <a:r>
               <a:rPr lang="ja-JP" altLang="en-US"/>
-              <a:t>チャットボットなどの</a:t>
+              <a:t>に指定して保存押せば</a:t>
             </a:r>
             <a:r>
               <a:rPr lang="en-US" altLang="ja-JP" dirty="0"/>
-              <a:t>AI</a:t>
-            </a:r>
-            <a:r>
-              <a:rPr lang="ja-JP" altLang="en-US"/>
-              <a:t>側のキャラクターの特徴を指定します。</a:t>
-            </a:r>
-            <a:endParaRPr lang="en-US" altLang="ja-JP" dirty="0"/>
-          </a:p>
-          <a:p>
-            <a:pPr marL="514350" indent="-514350">
-              <a:buAutoNum type="arabicPeriod" startAt="4"/>
-            </a:pPr>
-            <a:r>
-              <a:rPr lang="ja-JP" altLang="en-US"/>
-              <a:t>ユーザーのプロンプトを入力します。チャットボットなどの</a:t>
-            </a:r>
-            <a:r>
-              <a:rPr lang="en-US" altLang="ja-JP" dirty="0"/>
-              <a:t>AI</a:t>
-            </a:r>
-            <a:r>
-              <a:rPr lang="ja-JP" altLang="en-US"/>
-              <a:t>キャラクターと会話を楽しむユーザーを想定しています。ユーザーに限らず、こちらもキャラクター設定にしてキャラクター同士の会話にすることもできます。</a:t>
-            </a:r>
-            <a:endParaRPr lang="en-US" altLang="ja-JP" dirty="0"/>
-          </a:p>
-          <a:p>
-            <a:pPr marL="514350" indent="-514350">
-              <a:buAutoNum type="arabicPeriod" startAt="4"/>
-            </a:pPr>
-            <a:r>
-              <a:rPr lang="ja-JP" altLang="en-US"/>
-              <a:t>会話生成ボタンを押すと会話生成が始まります。</a:t>
-            </a:r>
-            <a:endParaRPr lang="en-US" altLang="ja-JP" dirty="0"/>
-          </a:p>
-          <a:p>
-            <a:pPr marL="514350" indent="-514350">
-              <a:buAutoNum type="arabicPeriod" startAt="4"/>
-            </a:pPr>
-            <a:r>
-              <a:rPr lang="ja-JP" altLang="en-US"/>
-              <a:t>生成される会話は、各ワードの</a:t>
-            </a:r>
-            <a:r>
-              <a:rPr lang="en-US" altLang="ja-JP" dirty="0"/>
-              <a:t>1</a:t>
-            </a:r>
-            <a:r>
-              <a:rPr lang="ja-JP" altLang="en-US"/>
-              <a:t>回目の会話はワードがそのまま表示されますが</a:t>
-            </a:r>
-            <a:r>
-              <a:rPr lang="en-US" altLang="ja-JP" dirty="0"/>
-              <a:t>2</a:t>
-            </a:r>
-            <a:r>
-              <a:rPr lang="ja-JP" altLang="en-US"/>
-              <a:t>回目以降の会話はそのワードが指示代名詞にマスクされます。</a:t>
-            </a:r>
-            <a:endParaRPr lang="en-US" altLang="ja-JP" dirty="0"/>
-          </a:p>
-          <a:p>
-            <a:pPr marL="514350" indent="-514350">
-              <a:buAutoNum type="arabicPeriod" startAt="4"/>
-            </a:pPr>
-            <a:endParaRPr lang="en-US" altLang="ja-JP" dirty="0"/>
+              <a:t>OK</a:t>
+            </a:r>
+            <a:endParaRPr kumimoji="1" lang="en-US" altLang="ja-JP" dirty="0"/>
           </a:p>
         </p:txBody>
       </p:sp>
     </p:spTree>
     <p:extLst>
       <p:ext uri="{BB962C8B-B14F-4D97-AF65-F5344CB8AC3E}">
-        <p14:creationId xmlns:p14="http://schemas.microsoft.com/office/powerpoint/2010/main" val="1216595484"/>
+        <p14:creationId xmlns:p14="http://schemas.microsoft.com/office/powerpoint/2010/main" val="4113996911"/>
       </p:ext>
     </p:extLst>
   </p:cSld>
